--- a/symfony登陆.pptx
+++ b/symfony登陆.pptx
@@ -5,7 +5,7 @@
     <p:sldMasterId id="2147483648" r:id="rId1"/>
   </p:sldMasterIdLst>
   <p:notesMasterIdLst>
-    <p:notesMasterId r:id="rId10"/>
+    <p:notesMasterId r:id="rId15"/>
   </p:notesMasterIdLst>
   <p:sldIdLst>
     <p:sldId id="256" r:id="rId2"/>
@@ -15,7 +15,12 @@
     <p:sldId id="291" r:id="rId6"/>
     <p:sldId id="292" r:id="rId7"/>
     <p:sldId id="293" r:id="rId8"/>
-    <p:sldId id="288" r:id="rId9"/>
+    <p:sldId id="294" r:id="rId9"/>
+    <p:sldId id="295" r:id="rId10"/>
+    <p:sldId id="296" r:id="rId11"/>
+    <p:sldId id="297" r:id="rId12"/>
+    <p:sldId id="298" r:id="rId13"/>
+    <p:sldId id="288" r:id="rId14"/>
   </p:sldIdLst>
   <p:sldSz cx="12192000" cy="6858000"/>
   <p:notesSz cx="6858000" cy="9144000"/>
@@ -116,7 +121,7 @@
   </p:defaultTextStyle>
   <p:extLst>
     <p:ext uri="{EFAFB233-063F-42B5-8137-9DF3F51BA10A}">
-      <p15:sldGuideLst xmlns="" xmlns:p15="http://schemas.microsoft.com/office/powerpoint/2012/main"/>
+      <p15:sldGuideLst xmlns:p15="http://schemas.microsoft.com/office/powerpoint/2012/main" xmlns=""/>
     </p:ext>
   </p:extLst>
 </p:presentation>
@@ -204,7 +209,7 @@
           <a:p>
             <a:fld id="{9DC3F50E-F455-4B68-A40B-90329D2A600B}" type="datetimeFigureOut">
               <a:rPr lang="zh-CN" altLang="en-US" smtClean="0"/>
-              <a:t>2015/10/14</a:t>
+              <a:t>2015/10/15</a:t>
             </a:fld>
             <a:endParaRPr lang="zh-CN" altLang="en-US"/>
           </a:p>
@@ -556,6 +561,2438 @@
 </p:notes>
 </file>
 
+<file path=ppt/notesSlides/notesSlide10.xml><?xml version="1.0" encoding="utf-8"?>
+<p:notes xmlns:a="http://schemas.openxmlformats.org/drawingml/2006/main" xmlns:r="http://schemas.openxmlformats.org/officeDocument/2006/relationships" xmlns:p="http://schemas.openxmlformats.org/presentationml/2006/main">
+  <p:cSld>
+    <p:spTree>
+      <p:nvGrpSpPr>
+        <p:cNvPr id="1" name=""/>
+        <p:cNvGrpSpPr/>
+        <p:nvPr/>
+      </p:nvGrpSpPr>
+      <p:grpSpPr>
+        <a:xfrm>
+          <a:off x="0" y="0"/>
+          <a:ext cx="0" cy="0"/>
+          <a:chOff x="0" y="0"/>
+          <a:chExt cx="0" cy="0"/>
+        </a:xfrm>
+      </p:grpSpPr>
+      <p:sp>
+        <p:nvSpPr>
+          <p:cNvPr id="2" name="幻灯片图像占位符 1"/>
+          <p:cNvSpPr>
+            <a:spLocks noGrp="1" noRot="1" noChangeAspect="1"/>
+          </p:cNvSpPr>
+          <p:nvPr>
+            <p:ph type="sldImg"/>
+          </p:nvPr>
+        </p:nvSpPr>
+        <p:spPr/>
+      </p:sp>
+      <p:sp>
+        <p:nvSpPr>
+          <p:cNvPr id="3" name="备注占位符 2"/>
+          <p:cNvSpPr>
+            <a:spLocks noGrp="1"/>
+          </p:cNvSpPr>
+          <p:nvPr>
+            <p:ph type="body" idx="1"/>
+          </p:nvPr>
+        </p:nvSpPr>
+        <p:spPr/>
+        <p:txBody>
+          <a:bodyPr/>
+          <a:lstStyle/>
+          <a:p>
+            <a:r>
+              <a:rPr lang="en-US" altLang="zh-CN" dirty="0" smtClean="0"/>
+              <a:t>&lt;?</a:t>
+            </a:r>
+            <a:r>
+              <a:rPr lang="en-US" altLang="zh-CN" dirty="0" err="1" smtClean="0"/>
+              <a:t>php</a:t>
+            </a:r>
+            <a:endParaRPr lang="en-US" altLang="zh-CN" dirty="0" smtClean="0"/>
+          </a:p>
+          <a:p>
+            <a:endParaRPr lang="en-US" altLang="zh-CN" dirty="0" smtClean="0"/>
+          </a:p>
+          <a:p>
+            <a:r>
+              <a:rPr lang="en-US" altLang="zh-CN" dirty="0" smtClean="0"/>
+              <a:t>namespace Acme\</a:t>
+            </a:r>
+            <a:r>
+              <a:rPr lang="en-US" altLang="zh-CN" dirty="0" err="1" smtClean="0"/>
+              <a:t>DemoBundle</a:t>
+            </a:r>
+            <a:r>
+              <a:rPr lang="en-US" altLang="zh-CN" dirty="0" smtClean="0"/>
+              <a:t>\Entity;</a:t>
+            </a:r>
+          </a:p>
+          <a:p>
+            <a:endParaRPr lang="en-US" altLang="zh-CN" dirty="0" smtClean="0"/>
+          </a:p>
+          <a:p>
+            <a:r>
+              <a:rPr lang="en-US" altLang="zh-CN" dirty="0" smtClean="0"/>
+              <a:t>use Doctrine\ORM\</a:t>
+            </a:r>
+            <a:r>
+              <a:rPr lang="en-US" altLang="zh-CN" dirty="0" err="1" smtClean="0"/>
+              <a:t>EntityRepository</a:t>
+            </a:r>
+            <a:r>
+              <a:rPr lang="en-US" altLang="zh-CN" dirty="0" smtClean="0"/>
+              <a:t>;</a:t>
+            </a:r>
+          </a:p>
+          <a:p>
+            <a:r>
+              <a:rPr lang="en-US" altLang="zh-CN" dirty="0" smtClean="0"/>
+              <a:t>use </a:t>
+            </a:r>
+            <a:r>
+              <a:rPr lang="en-US" altLang="zh-CN" dirty="0" err="1" smtClean="0"/>
+              <a:t>Symfony</a:t>
+            </a:r>
+            <a:r>
+              <a:rPr lang="en-US" altLang="zh-CN" dirty="0" smtClean="0"/>
+              <a:t>\Component\Security\Core\Exception\</a:t>
+            </a:r>
+            <a:r>
+              <a:rPr lang="en-US" altLang="zh-CN" dirty="0" err="1" smtClean="0"/>
+              <a:t>UnsupportedUserException</a:t>
+            </a:r>
+            <a:r>
+              <a:rPr lang="en-US" altLang="zh-CN" dirty="0" smtClean="0"/>
+              <a:t>;</a:t>
+            </a:r>
+          </a:p>
+          <a:p>
+            <a:r>
+              <a:rPr lang="en-US" altLang="zh-CN" dirty="0" smtClean="0"/>
+              <a:t>use </a:t>
+            </a:r>
+            <a:r>
+              <a:rPr lang="en-US" altLang="zh-CN" dirty="0" err="1" smtClean="0"/>
+              <a:t>Symfony</a:t>
+            </a:r>
+            <a:r>
+              <a:rPr lang="en-US" altLang="zh-CN" dirty="0" smtClean="0"/>
+              <a:t>\Component\Security\Core\Exception\</a:t>
+            </a:r>
+            <a:r>
+              <a:rPr lang="en-US" altLang="zh-CN" dirty="0" err="1" smtClean="0"/>
+              <a:t>UsernameNotFoundException</a:t>
+            </a:r>
+            <a:r>
+              <a:rPr lang="en-US" altLang="zh-CN" dirty="0" smtClean="0"/>
+              <a:t>;</a:t>
+            </a:r>
+          </a:p>
+          <a:p>
+            <a:r>
+              <a:rPr lang="en-US" altLang="zh-CN" dirty="0" smtClean="0"/>
+              <a:t>use </a:t>
+            </a:r>
+            <a:r>
+              <a:rPr lang="en-US" altLang="zh-CN" dirty="0" err="1" smtClean="0"/>
+              <a:t>Symfony</a:t>
+            </a:r>
+            <a:r>
+              <a:rPr lang="en-US" altLang="zh-CN" dirty="0" smtClean="0"/>
+              <a:t>\Component\Security\Core\User\</a:t>
+            </a:r>
+            <a:r>
+              <a:rPr lang="en-US" altLang="zh-CN" dirty="0" err="1" smtClean="0"/>
+              <a:t>UserInterface</a:t>
+            </a:r>
+            <a:r>
+              <a:rPr lang="en-US" altLang="zh-CN" dirty="0" smtClean="0"/>
+              <a:t>;</a:t>
+            </a:r>
+          </a:p>
+          <a:p>
+            <a:r>
+              <a:rPr lang="en-US" altLang="zh-CN" dirty="0" smtClean="0"/>
+              <a:t>use </a:t>
+            </a:r>
+            <a:r>
+              <a:rPr lang="en-US" altLang="zh-CN" dirty="0" err="1" smtClean="0"/>
+              <a:t>Symfony</a:t>
+            </a:r>
+            <a:r>
+              <a:rPr lang="en-US" altLang="zh-CN" dirty="0" smtClean="0"/>
+              <a:t>\Component\Security\Core\User\</a:t>
+            </a:r>
+            <a:r>
+              <a:rPr lang="en-US" altLang="zh-CN" dirty="0" err="1" smtClean="0"/>
+              <a:t>UserProviderInterface</a:t>
+            </a:r>
+            <a:r>
+              <a:rPr lang="en-US" altLang="zh-CN" dirty="0" smtClean="0"/>
+              <a:t>;</a:t>
+            </a:r>
+          </a:p>
+          <a:p>
+            <a:endParaRPr lang="en-US" altLang="zh-CN" dirty="0" smtClean="0"/>
+          </a:p>
+          <a:p>
+            <a:r>
+              <a:rPr lang="en-US" altLang="zh-CN" dirty="0" smtClean="0"/>
+              <a:t>/**</a:t>
+            </a:r>
+          </a:p>
+          <a:p>
+            <a:r>
+              <a:rPr lang="en-US" altLang="zh-CN" dirty="0" smtClean="0"/>
+              <a:t> * </a:t>
+            </a:r>
+            <a:r>
+              <a:rPr lang="en-US" altLang="zh-CN" dirty="0" err="1" smtClean="0"/>
+              <a:t>AccountRepository</a:t>
+            </a:r>
+            <a:endParaRPr lang="en-US" altLang="zh-CN" dirty="0" smtClean="0"/>
+          </a:p>
+          <a:p>
+            <a:r>
+              <a:rPr lang="en-US" altLang="zh-CN" dirty="0" smtClean="0"/>
+              <a:t> *</a:t>
+            </a:r>
+          </a:p>
+          <a:p>
+            <a:r>
+              <a:rPr lang="en-US" altLang="zh-CN" dirty="0" smtClean="0"/>
+              <a:t> * This class was generated by the Doctrine ORM. Add your own custom</a:t>
+            </a:r>
+          </a:p>
+          <a:p>
+            <a:r>
+              <a:rPr lang="en-US" altLang="zh-CN" dirty="0" smtClean="0"/>
+              <a:t> * repository methods below.</a:t>
+            </a:r>
+          </a:p>
+          <a:p>
+            <a:r>
+              <a:rPr lang="en-US" altLang="zh-CN" dirty="0" smtClean="0"/>
+              <a:t> */</a:t>
+            </a:r>
+          </a:p>
+          <a:p>
+            <a:r>
+              <a:rPr lang="en-US" altLang="zh-CN" dirty="0" smtClean="0"/>
+              <a:t>class </a:t>
+            </a:r>
+            <a:r>
+              <a:rPr lang="en-US" altLang="zh-CN" dirty="0" err="1" smtClean="0"/>
+              <a:t>UserRepository</a:t>
+            </a:r>
+            <a:r>
+              <a:rPr lang="en-US" altLang="zh-CN" dirty="0" smtClean="0"/>
+              <a:t> extends </a:t>
+            </a:r>
+            <a:r>
+              <a:rPr lang="en-US" altLang="zh-CN" dirty="0" err="1" smtClean="0"/>
+              <a:t>EntityRepository</a:t>
+            </a:r>
+            <a:r>
+              <a:rPr lang="en-US" altLang="zh-CN" dirty="0" smtClean="0"/>
+              <a:t> implements </a:t>
+            </a:r>
+            <a:r>
+              <a:rPr lang="en-US" altLang="zh-CN" dirty="0" err="1" smtClean="0"/>
+              <a:t>UserProviderInterface</a:t>
+            </a:r>
+            <a:endParaRPr lang="en-US" altLang="zh-CN" dirty="0" smtClean="0"/>
+          </a:p>
+          <a:p>
+            <a:r>
+              <a:rPr lang="en-US" altLang="zh-CN" dirty="0" smtClean="0"/>
+              <a:t>{</a:t>
+            </a:r>
+          </a:p>
+          <a:p>
+            <a:endParaRPr lang="en-US" altLang="zh-CN" dirty="0" smtClean="0"/>
+          </a:p>
+          <a:p>
+            <a:r>
+              <a:rPr lang="en-US" altLang="zh-CN" dirty="0" smtClean="0"/>
+              <a:t>    /**</a:t>
+            </a:r>
+          </a:p>
+          <a:p>
+            <a:r>
+              <a:rPr lang="en-US" altLang="zh-CN" dirty="0" smtClean="0"/>
+              <a:t>     * Loads the user for the given username.</a:t>
+            </a:r>
+          </a:p>
+          <a:p>
+            <a:r>
+              <a:rPr lang="en-US" altLang="zh-CN" dirty="0" smtClean="0"/>
+              <a:t>     *</a:t>
+            </a:r>
+          </a:p>
+          <a:p>
+            <a:r>
+              <a:rPr lang="en-US" altLang="zh-CN" dirty="0" smtClean="0"/>
+              <a:t>     * This method must throw </a:t>
+            </a:r>
+            <a:r>
+              <a:rPr lang="en-US" altLang="zh-CN" dirty="0" err="1" smtClean="0"/>
+              <a:t>UsernameNotFoundException</a:t>
+            </a:r>
+            <a:r>
+              <a:rPr lang="en-US" altLang="zh-CN" dirty="0" smtClean="0"/>
+              <a:t> if the user is not</a:t>
+            </a:r>
+          </a:p>
+          <a:p>
+            <a:r>
+              <a:rPr lang="en-US" altLang="zh-CN" dirty="0" smtClean="0"/>
+              <a:t>     * found.</a:t>
+            </a:r>
+          </a:p>
+          <a:p>
+            <a:r>
+              <a:rPr lang="en-US" altLang="zh-CN" dirty="0" smtClean="0"/>
+              <a:t>     *</a:t>
+            </a:r>
+          </a:p>
+          <a:p>
+            <a:r>
+              <a:rPr lang="en-US" altLang="zh-CN" dirty="0" smtClean="0"/>
+              <a:t>     * @</a:t>
+            </a:r>
+            <a:r>
+              <a:rPr lang="en-US" altLang="zh-CN" dirty="0" err="1" smtClean="0"/>
+              <a:t>param</a:t>
+            </a:r>
+            <a:r>
+              <a:rPr lang="en-US" altLang="zh-CN" dirty="0" smtClean="0"/>
+              <a:t> string $username The username</a:t>
+            </a:r>
+          </a:p>
+          <a:p>
+            <a:r>
+              <a:rPr lang="en-US" altLang="zh-CN" dirty="0" smtClean="0"/>
+              <a:t>     *</a:t>
+            </a:r>
+          </a:p>
+          <a:p>
+            <a:r>
+              <a:rPr lang="en-US" altLang="zh-CN" dirty="0" smtClean="0"/>
+              <a:t>     * @return </a:t>
+            </a:r>
+            <a:r>
+              <a:rPr lang="en-US" altLang="zh-CN" dirty="0" err="1" smtClean="0"/>
+              <a:t>UserInterface</a:t>
+            </a:r>
+            <a:endParaRPr lang="en-US" altLang="zh-CN" dirty="0" smtClean="0"/>
+          </a:p>
+          <a:p>
+            <a:r>
+              <a:rPr lang="en-US" altLang="zh-CN" dirty="0" smtClean="0"/>
+              <a:t>     *</a:t>
+            </a:r>
+          </a:p>
+          <a:p>
+            <a:r>
+              <a:rPr lang="en-US" altLang="zh-CN" dirty="0" smtClean="0"/>
+              <a:t>     * @see </a:t>
+            </a:r>
+            <a:r>
+              <a:rPr lang="en-US" altLang="zh-CN" dirty="0" err="1" smtClean="0"/>
+              <a:t>UsernameNotFoundException</a:t>
+            </a:r>
+            <a:endParaRPr lang="en-US" altLang="zh-CN" dirty="0" smtClean="0"/>
+          </a:p>
+          <a:p>
+            <a:r>
+              <a:rPr lang="en-US" altLang="zh-CN" dirty="0" smtClean="0"/>
+              <a:t>     *</a:t>
+            </a:r>
+          </a:p>
+          <a:p>
+            <a:r>
+              <a:rPr lang="en-US" altLang="zh-CN" dirty="0" smtClean="0"/>
+              <a:t>     * @throws </a:t>
+            </a:r>
+            <a:r>
+              <a:rPr lang="en-US" altLang="zh-CN" dirty="0" err="1" smtClean="0"/>
+              <a:t>UsernameNotFoundException</a:t>
+            </a:r>
+            <a:r>
+              <a:rPr lang="en-US" altLang="zh-CN" dirty="0" smtClean="0"/>
+              <a:t> if the user is not found</a:t>
+            </a:r>
+          </a:p>
+          <a:p>
+            <a:r>
+              <a:rPr lang="en-US" altLang="zh-CN" dirty="0" smtClean="0"/>
+              <a:t>     *</a:t>
+            </a:r>
+          </a:p>
+          <a:p>
+            <a:r>
+              <a:rPr lang="en-US" altLang="zh-CN" dirty="0" smtClean="0"/>
+              <a:t>     */</a:t>
+            </a:r>
+          </a:p>
+          <a:p>
+            <a:r>
+              <a:rPr lang="en-US" altLang="zh-CN" dirty="0" smtClean="0"/>
+              <a:t>    public function </a:t>
+            </a:r>
+            <a:r>
+              <a:rPr lang="en-US" altLang="zh-CN" dirty="0" err="1" smtClean="0"/>
+              <a:t>loadUserByUsername</a:t>
+            </a:r>
+            <a:r>
+              <a:rPr lang="en-US" altLang="zh-CN" dirty="0" smtClean="0"/>
+              <a:t>($username)</a:t>
+            </a:r>
+          </a:p>
+          <a:p>
+            <a:r>
+              <a:rPr lang="en-US" altLang="zh-CN" dirty="0" smtClean="0"/>
+              <a:t>    {</a:t>
+            </a:r>
+          </a:p>
+          <a:p>
+            <a:r>
+              <a:rPr lang="en-US" altLang="zh-CN" dirty="0" smtClean="0"/>
+              <a:t>        $user = $this-&gt;</a:t>
+            </a:r>
+            <a:r>
+              <a:rPr lang="en-US" altLang="zh-CN" dirty="0" err="1" smtClean="0"/>
+              <a:t>createQueryBuilder</a:t>
+            </a:r>
+            <a:r>
+              <a:rPr lang="en-US" altLang="zh-CN" dirty="0" smtClean="0"/>
+              <a:t>('u')</a:t>
+            </a:r>
+          </a:p>
+          <a:p>
+            <a:r>
+              <a:rPr lang="en-US" altLang="zh-CN" dirty="0" smtClean="0"/>
+              <a:t>            -&gt;where('</a:t>
+            </a:r>
+            <a:r>
+              <a:rPr lang="en-US" altLang="zh-CN" dirty="0" err="1" smtClean="0"/>
+              <a:t>u.username</a:t>
+            </a:r>
+            <a:r>
+              <a:rPr lang="en-US" altLang="zh-CN" dirty="0" smtClean="0"/>
+              <a:t> = :username OR </a:t>
+            </a:r>
+            <a:r>
+              <a:rPr lang="en-US" altLang="zh-CN" dirty="0" err="1" smtClean="0"/>
+              <a:t>u.email</a:t>
+            </a:r>
+            <a:r>
+              <a:rPr lang="en-US" altLang="zh-CN" dirty="0" smtClean="0"/>
+              <a:t> = :email')</a:t>
+            </a:r>
+          </a:p>
+          <a:p>
+            <a:r>
+              <a:rPr lang="en-US" altLang="zh-CN" dirty="0" smtClean="0"/>
+              <a:t>            -&gt;</a:t>
+            </a:r>
+            <a:r>
+              <a:rPr lang="en-US" altLang="zh-CN" dirty="0" err="1" smtClean="0"/>
+              <a:t>setParameter</a:t>
+            </a:r>
+            <a:r>
+              <a:rPr lang="en-US" altLang="zh-CN" dirty="0" smtClean="0"/>
+              <a:t>('username', $username)</a:t>
+            </a:r>
+          </a:p>
+          <a:p>
+            <a:r>
+              <a:rPr lang="en-US" altLang="zh-CN" dirty="0" smtClean="0"/>
+              <a:t>            -&gt;</a:t>
+            </a:r>
+            <a:r>
+              <a:rPr lang="en-US" altLang="zh-CN" dirty="0" err="1" smtClean="0"/>
+              <a:t>setParameter</a:t>
+            </a:r>
+            <a:r>
+              <a:rPr lang="en-US" altLang="zh-CN" dirty="0" smtClean="0"/>
+              <a:t>('email', $username)</a:t>
+            </a:r>
+          </a:p>
+          <a:p>
+            <a:r>
+              <a:rPr lang="en-US" altLang="zh-CN" dirty="0" smtClean="0"/>
+              <a:t>            -&gt;</a:t>
+            </a:r>
+            <a:r>
+              <a:rPr lang="en-US" altLang="zh-CN" dirty="0" err="1" smtClean="0"/>
+              <a:t>getQuery</a:t>
+            </a:r>
+            <a:r>
+              <a:rPr lang="en-US" altLang="zh-CN" dirty="0" smtClean="0"/>
+              <a:t>()</a:t>
+            </a:r>
+          </a:p>
+          <a:p>
+            <a:r>
+              <a:rPr lang="en-US" altLang="zh-CN" dirty="0" smtClean="0"/>
+              <a:t>            -&gt;</a:t>
+            </a:r>
+            <a:r>
+              <a:rPr lang="en-US" altLang="zh-CN" dirty="0" err="1" smtClean="0"/>
+              <a:t>getOneOrNullResult</a:t>
+            </a:r>
+            <a:r>
+              <a:rPr lang="en-US" altLang="zh-CN" dirty="0" smtClean="0"/>
+              <a:t>();</a:t>
+            </a:r>
+          </a:p>
+          <a:p>
+            <a:endParaRPr lang="en-US" altLang="zh-CN" dirty="0" smtClean="0"/>
+          </a:p>
+          <a:p>
+            <a:r>
+              <a:rPr lang="en-US" altLang="zh-CN" dirty="0" smtClean="0"/>
+              <a:t>        if (null === $user) {</a:t>
+            </a:r>
+          </a:p>
+          <a:p>
+            <a:r>
+              <a:rPr lang="en-US" altLang="zh-CN" dirty="0" smtClean="0"/>
+              <a:t>            $message = </a:t>
+            </a:r>
+            <a:r>
+              <a:rPr lang="en-US" altLang="zh-CN" dirty="0" err="1" smtClean="0"/>
+              <a:t>sprintf</a:t>
+            </a:r>
+            <a:r>
+              <a:rPr lang="en-US" altLang="zh-CN" dirty="0" smtClean="0"/>
+              <a:t>(</a:t>
+            </a:r>
+          </a:p>
+          <a:p>
+            <a:r>
+              <a:rPr lang="en-US" altLang="zh-CN" dirty="0" smtClean="0"/>
+              <a:t>                'Unable to find an active admin </a:t>
+            </a:r>
+            <a:r>
+              <a:rPr lang="en-US" altLang="zh-CN" dirty="0" err="1" smtClean="0"/>
+              <a:t>AppBundle:User</a:t>
+            </a:r>
+            <a:r>
+              <a:rPr lang="en-US" altLang="zh-CN" dirty="0" smtClean="0"/>
+              <a:t> object identified by "%s".',</a:t>
+            </a:r>
+          </a:p>
+          <a:p>
+            <a:r>
+              <a:rPr lang="en-US" altLang="zh-CN" dirty="0" smtClean="0"/>
+              <a:t>                $username</a:t>
+            </a:r>
+          </a:p>
+          <a:p>
+            <a:r>
+              <a:rPr lang="en-US" altLang="zh-CN" dirty="0" smtClean="0"/>
+              <a:t>            );</a:t>
+            </a:r>
+          </a:p>
+          <a:p>
+            <a:r>
+              <a:rPr lang="en-US" altLang="zh-CN" dirty="0" smtClean="0"/>
+              <a:t>            throw new </a:t>
+            </a:r>
+            <a:r>
+              <a:rPr lang="en-US" altLang="zh-CN" dirty="0" err="1" smtClean="0"/>
+              <a:t>UsernameNotFoundException</a:t>
+            </a:r>
+            <a:r>
+              <a:rPr lang="en-US" altLang="zh-CN" dirty="0" smtClean="0"/>
+              <a:t>($message);</a:t>
+            </a:r>
+          </a:p>
+          <a:p>
+            <a:r>
+              <a:rPr lang="en-US" altLang="zh-CN" dirty="0" smtClean="0"/>
+              <a:t>        }</a:t>
+            </a:r>
+          </a:p>
+          <a:p>
+            <a:endParaRPr lang="en-US" altLang="zh-CN" dirty="0" smtClean="0"/>
+          </a:p>
+          <a:p>
+            <a:r>
+              <a:rPr lang="en-US" altLang="zh-CN" dirty="0" smtClean="0"/>
+              <a:t>        return $user;</a:t>
+            </a:r>
+          </a:p>
+          <a:p>
+            <a:r>
+              <a:rPr lang="en-US" altLang="zh-CN" dirty="0" smtClean="0"/>
+              <a:t>    }</a:t>
+            </a:r>
+          </a:p>
+          <a:p>
+            <a:endParaRPr lang="en-US" altLang="zh-CN" dirty="0" smtClean="0"/>
+          </a:p>
+          <a:p>
+            <a:r>
+              <a:rPr lang="en-US" altLang="zh-CN" dirty="0" smtClean="0"/>
+              <a:t>    /**</a:t>
+            </a:r>
+          </a:p>
+          <a:p>
+            <a:r>
+              <a:rPr lang="en-US" altLang="zh-CN" dirty="0" smtClean="0"/>
+              <a:t>     * Refreshes the user for the account interface.</a:t>
+            </a:r>
+          </a:p>
+          <a:p>
+            <a:r>
+              <a:rPr lang="en-US" altLang="zh-CN" dirty="0" smtClean="0"/>
+              <a:t>     *</a:t>
+            </a:r>
+          </a:p>
+          <a:p>
+            <a:r>
+              <a:rPr lang="en-US" altLang="zh-CN" dirty="0" smtClean="0"/>
+              <a:t>     * It is up to the implementation to decide if the user data should be</a:t>
+            </a:r>
+          </a:p>
+          <a:p>
+            <a:r>
+              <a:rPr lang="en-US" altLang="zh-CN" dirty="0" smtClean="0"/>
+              <a:t>     * totally reloaded (e.g. from the database), or if the </a:t>
+            </a:r>
+            <a:r>
+              <a:rPr lang="en-US" altLang="zh-CN" dirty="0" err="1" smtClean="0"/>
+              <a:t>UserInterface</a:t>
+            </a:r>
+            <a:endParaRPr lang="en-US" altLang="zh-CN" dirty="0" smtClean="0"/>
+          </a:p>
+          <a:p>
+            <a:r>
+              <a:rPr lang="en-US" altLang="zh-CN" dirty="0" smtClean="0"/>
+              <a:t>     * object can just be merged into some internal array of users / identity</a:t>
+            </a:r>
+          </a:p>
+          <a:p>
+            <a:r>
+              <a:rPr lang="en-US" altLang="zh-CN" dirty="0" smtClean="0"/>
+              <a:t>     * map.</a:t>
+            </a:r>
+          </a:p>
+          <a:p>
+            <a:r>
+              <a:rPr lang="en-US" altLang="zh-CN" dirty="0" smtClean="0"/>
+              <a:t>     * @</a:t>
+            </a:r>
+            <a:r>
+              <a:rPr lang="en-US" altLang="zh-CN" dirty="0" err="1" smtClean="0"/>
+              <a:t>param</a:t>
+            </a:r>
+            <a:r>
+              <a:rPr lang="en-US" altLang="zh-CN" dirty="0" smtClean="0"/>
+              <a:t> </a:t>
+            </a:r>
+            <a:r>
+              <a:rPr lang="en-US" altLang="zh-CN" dirty="0" err="1" smtClean="0"/>
+              <a:t>UserInterface</a:t>
+            </a:r>
+            <a:r>
+              <a:rPr lang="en-US" altLang="zh-CN" dirty="0" smtClean="0"/>
+              <a:t> $user</a:t>
+            </a:r>
+          </a:p>
+          <a:p>
+            <a:r>
+              <a:rPr lang="en-US" altLang="zh-CN" dirty="0" smtClean="0"/>
+              <a:t>     *</a:t>
+            </a:r>
+          </a:p>
+          <a:p>
+            <a:r>
+              <a:rPr lang="en-US" altLang="zh-CN" dirty="0" smtClean="0"/>
+              <a:t>     * @return </a:t>
+            </a:r>
+            <a:r>
+              <a:rPr lang="en-US" altLang="zh-CN" dirty="0" err="1" smtClean="0"/>
+              <a:t>UserInterface</a:t>
+            </a:r>
+            <a:endParaRPr lang="en-US" altLang="zh-CN" dirty="0" smtClean="0"/>
+          </a:p>
+          <a:p>
+            <a:r>
+              <a:rPr lang="en-US" altLang="zh-CN" dirty="0" smtClean="0"/>
+              <a:t>     *</a:t>
+            </a:r>
+          </a:p>
+          <a:p>
+            <a:r>
+              <a:rPr lang="en-US" altLang="zh-CN" dirty="0" smtClean="0"/>
+              <a:t>     * @throws </a:t>
+            </a:r>
+            <a:r>
+              <a:rPr lang="en-US" altLang="zh-CN" dirty="0" err="1" smtClean="0"/>
+              <a:t>UnsupportedUserException</a:t>
+            </a:r>
+            <a:r>
+              <a:rPr lang="en-US" altLang="zh-CN" dirty="0" smtClean="0"/>
+              <a:t> if the account is not supported</a:t>
+            </a:r>
+          </a:p>
+          <a:p>
+            <a:r>
+              <a:rPr lang="en-US" altLang="zh-CN" dirty="0" smtClean="0"/>
+              <a:t>     */</a:t>
+            </a:r>
+          </a:p>
+          <a:p>
+            <a:r>
+              <a:rPr lang="en-US" altLang="zh-CN" dirty="0" smtClean="0"/>
+              <a:t>    public function </a:t>
+            </a:r>
+            <a:r>
+              <a:rPr lang="en-US" altLang="zh-CN" dirty="0" err="1" smtClean="0"/>
+              <a:t>refreshUser</a:t>
+            </a:r>
+            <a:r>
+              <a:rPr lang="en-US" altLang="zh-CN" dirty="0" smtClean="0"/>
+              <a:t>(</a:t>
+            </a:r>
+            <a:r>
+              <a:rPr lang="en-US" altLang="zh-CN" dirty="0" err="1" smtClean="0"/>
+              <a:t>UserInterface</a:t>
+            </a:r>
+            <a:r>
+              <a:rPr lang="en-US" altLang="zh-CN" dirty="0" smtClean="0"/>
+              <a:t> $user)</a:t>
+            </a:r>
+          </a:p>
+          <a:p>
+            <a:r>
+              <a:rPr lang="en-US" altLang="zh-CN" dirty="0" smtClean="0"/>
+              <a:t>    {</a:t>
+            </a:r>
+          </a:p>
+          <a:p>
+            <a:r>
+              <a:rPr lang="en-US" altLang="zh-CN" dirty="0" smtClean="0"/>
+              <a:t>        $class = </a:t>
+            </a:r>
+            <a:r>
+              <a:rPr lang="en-US" altLang="zh-CN" dirty="0" err="1" smtClean="0"/>
+              <a:t>get_class</a:t>
+            </a:r>
+            <a:r>
+              <a:rPr lang="en-US" altLang="zh-CN" dirty="0" smtClean="0"/>
+              <a:t>($user);</a:t>
+            </a:r>
+          </a:p>
+          <a:p>
+            <a:r>
+              <a:rPr lang="en-US" altLang="zh-CN" dirty="0" smtClean="0"/>
+              <a:t>        if (!$this-&gt;</a:t>
+            </a:r>
+            <a:r>
+              <a:rPr lang="en-US" altLang="zh-CN" dirty="0" err="1" smtClean="0"/>
+              <a:t>supportsClass</a:t>
+            </a:r>
+            <a:r>
+              <a:rPr lang="en-US" altLang="zh-CN" dirty="0" smtClean="0"/>
+              <a:t>($class)) {</a:t>
+            </a:r>
+          </a:p>
+          <a:p>
+            <a:r>
+              <a:rPr lang="en-US" altLang="zh-CN" dirty="0" smtClean="0"/>
+              <a:t>            throw new </a:t>
+            </a:r>
+            <a:r>
+              <a:rPr lang="en-US" altLang="zh-CN" dirty="0" err="1" smtClean="0"/>
+              <a:t>UnsupportedUserException</a:t>
+            </a:r>
+            <a:r>
+              <a:rPr lang="en-US" altLang="zh-CN" dirty="0" smtClean="0"/>
+              <a:t>(</a:t>
+            </a:r>
+          </a:p>
+          <a:p>
+            <a:r>
+              <a:rPr lang="en-US" altLang="zh-CN" dirty="0" smtClean="0"/>
+              <a:t>                </a:t>
+            </a:r>
+            <a:r>
+              <a:rPr lang="en-US" altLang="zh-CN" dirty="0" err="1" smtClean="0"/>
+              <a:t>sprintf</a:t>
+            </a:r>
+            <a:r>
+              <a:rPr lang="en-US" altLang="zh-CN" dirty="0" smtClean="0"/>
+              <a:t>(</a:t>
+            </a:r>
+          </a:p>
+          <a:p>
+            <a:r>
+              <a:rPr lang="en-US" altLang="zh-CN" dirty="0" smtClean="0"/>
+              <a:t>                    'Instances of "%s" are not supported.',</a:t>
+            </a:r>
+          </a:p>
+          <a:p>
+            <a:r>
+              <a:rPr lang="en-US" altLang="zh-CN" dirty="0" smtClean="0"/>
+              <a:t>                    $class</a:t>
+            </a:r>
+          </a:p>
+          <a:p>
+            <a:r>
+              <a:rPr lang="en-US" altLang="zh-CN" dirty="0" smtClean="0"/>
+              <a:t>                )</a:t>
+            </a:r>
+          </a:p>
+          <a:p>
+            <a:r>
+              <a:rPr lang="en-US" altLang="zh-CN" dirty="0" smtClean="0"/>
+              <a:t>            );</a:t>
+            </a:r>
+          </a:p>
+          <a:p>
+            <a:r>
+              <a:rPr lang="en-US" altLang="zh-CN" dirty="0" smtClean="0"/>
+              <a:t>        }</a:t>
+            </a:r>
+          </a:p>
+          <a:p>
+            <a:endParaRPr lang="en-US" altLang="zh-CN" dirty="0" smtClean="0"/>
+          </a:p>
+          <a:p>
+            <a:r>
+              <a:rPr lang="en-US" altLang="zh-CN" dirty="0" smtClean="0"/>
+              <a:t>        return $this-&gt;find($user-&gt;</a:t>
+            </a:r>
+            <a:r>
+              <a:rPr lang="en-US" altLang="zh-CN" dirty="0" err="1" smtClean="0"/>
+              <a:t>getId</a:t>
+            </a:r>
+            <a:r>
+              <a:rPr lang="en-US" altLang="zh-CN" dirty="0" smtClean="0"/>
+              <a:t>());</a:t>
+            </a:r>
+          </a:p>
+          <a:p>
+            <a:r>
+              <a:rPr lang="en-US" altLang="zh-CN" dirty="0" smtClean="0"/>
+              <a:t>    }</a:t>
+            </a:r>
+          </a:p>
+          <a:p>
+            <a:endParaRPr lang="en-US" altLang="zh-CN" dirty="0" smtClean="0"/>
+          </a:p>
+          <a:p>
+            <a:r>
+              <a:rPr lang="en-US" altLang="zh-CN" dirty="0" smtClean="0"/>
+              <a:t>    /**</a:t>
+            </a:r>
+          </a:p>
+          <a:p>
+            <a:r>
+              <a:rPr lang="en-US" altLang="zh-CN" dirty="0" smtClean="0"/>
+              <a:t>     * Whether this provider supports the given user class</a:t>
+            </a:r>
+          </a:p>
+          <a:p>
+            <a:r>
+              <a:rPr lang="en-US" altLang="zh-CN" dirty="0" smtClean="0"/>
+              <a:t>     *</a:t>
+            </a:r>
+          </a:p>
+          <a:p>
+            <a:r>
+              <a:rPr lang="en-US" altLang="zh-CN" dirty="0" smtClean="0"/>
+              <a:t>     * @</a:t>
+            </a:r>
+            <a:r>
+              <a:rPr lang="en-US" altLang="zh-CN" dirty="0" err="1" smtClean="0"/>
+              <a:t>param</a:t>
+            </a:r>
+            <a:r>
+              <a:rPr lang="en-US" altLang="zh-CN" dirty="0" smtClean="0"/>
+              <a:t> string $class</a:t>
+            </a:r>
+          </a:p>
+          <a:p>
+            <a:r>
+              <a:rPr lang="en-US" altLang="zh-CN" dirty="0" smtClean="0"/>
+              <a:t>     *</a:t>
+            </a:r>
+          </a:p>
+          <a:p>
+            <a:r>
+              <a:rPr lang="en-US" altLang="zh-CN" dirty="0" smtClean="0"/>
+              <a:t>     * @return bool</a:t>
+            </a:r>
+          </a:p>
+          <a:p>
+            <a:r>
+              <a:rPr lang="en-US" altLang="zh-CN" dirty="0" smtClean="0"/>
+              <a:t>     */</a:t>
+            </a:r>
+          </a:p>
+          <a:p>
+            <a:r>
+              <a:rPr lang="en-US" altLang="zh-CN" dirty="0" smtClean="0"/>
+              <a:t>    public function </a:t>
+            </a:r>
+            <a:r>
+              <a:rPr lang="en-US" altLang="zh-CN" dirty="0" err="1" smtClean="0"/>
+              <a:t>supportsClass</a:t>
+            </a:r>
+            <a:r>
+              <a:rPr lang="en-US" altLang="zh-CN" dirty="0" smtClean="0"/>
+              <a:t>($class)</a:t>
+            </a:r>
+          </a:p>
+          <a:p>
+            <a:r>
+              <a:rPr lang="en-US" altLang="zh-CN" dirty="0" smtClean="0"/>
+              <a:t>    {</a:t>
+            </a:r>
+          </a:p>
+          <a:p>
+            <a:r>
+              <a:rPr lang="en-US" altLang="zh-CN" dirty="0" smtClean="0"/>
+              <a:t>        return $this-&gt;</a:t>
+            </a:r>
+            <a:r>
+              <a:rPr lang="en-US" altLang="zh-CN" dirty="0" err="1" smtClean="0"/>
+              <a:t>getEntityName</a:t>
+            </a:r>
+            <a:r>
+              <a:rPr lang="en-US" altLang="zh-CN" dirty="0" smtClean="0"/>
+              <a:t>() === $class</a:t>
+            </a:r>
+          </a:p>
+          <a:p>
+            <a:r>
+              <a:rPr lang="en-US" altLang="zh-CN" dirty="0" smtClean="0"/>
+              <a:t>        || </a:t>
+            </a:r>
+            <a:r>
+              <a:rPr lang="en-US" altLang="zh-CN" dirty="0" err="1" smtClean="0"/>
+              <a:t>is_subclass_of</a:t>
+            </a:r>
+            <a:r>
+              <a:rPr lang="en-US" altLang="zh-CN" dirty="0" smtClean="0"/>
+              <a:t>($class, $this-&gt;</a:t>
+            </a:r>
+            <a:r>
+              <a:rPr lang="en-US" altLang="zh-CN" dirty="0" err="1" smtClean="0"/>
+              <a:t>getEntityName</a:t>
+            </a:r>
+            <a:r>
+              <a:rPr lang="en-US" altLang="zh-CN" dirty="0" smtClean="0"/>
+              <a:t>());</a:t>
+            </a:r>
+          </a:p>
+          <a:p>
+            <a:r>
+              <a:rPr lang="en-US" altLang="zh-CN" dirty="0" smtClean="0"/>
+              <a:t>    }</a:t>
+            </a:r>
+          </a:p>
+          <a:p>
+            <a:endParaRPr lang="en-US" altLang="zh-CN" dirty="0" smtClean="0"/>
+          </a:p>
+          <a:p>
+            <a:r>
+              <a:rPr lang="en-US" altLang="zh-CN" dirty="0" smtClean="0"/>
+              <a:t>}</a:t>
+            </a:r>
+          </a:p>
+          <a:p>
+            <a:endParaRPr lang="en-US" altLang="zh-CN" dirty="0" smtClean="0"/>
+          </a:p>
+          <a:p>
+            <a:endParaRPr lang="en-US" altLang="zh-CN" dirty="0" smtClean="0"/>
+          </a:p>
+          <a:p>
+            <a:endParaRPr lang="en-US" altLang="zh-CN" dirty="0" smtClean="0"/>
+          </a:p>
+          <a:p>
+            <a:r>
+              <a:rPr lang="zh-CN" altLang="en-US" dirty="0" smtClean="0"/>
+              <a:t>防火墙</a:t>
+            </a:r>
+            <a:endParaRPr lang="en-US" altLang="zh-CN" dirty="0" smtClean="0"/>
+          </a:p>
+          <a:p>
+            <a:r>
+              <a:rPr lang="en-US" altLang="zh-CN" dirty="0" smtClean="0"/>
+              <a:t># To get started with security, check out the documentation:</a:t>
+            </a:r>
+          </a:p>
+          <a:p>
+            <a:r>
+              <a:rPr lang="en-US" altLang="zh-CN" dirty="0" smtClean="0"/>
+              <a:t># http://symfony.com/doc/current/book/security.html</a:t>
+            </a:r>
+          </a:p>
+          <a:p>
+            <a:r>
+              <a:rPr lang="en-US" altLang="zh-CN" dirty="0" smtClean="0"/>
+              <a:t>security:</a:t>
+            </a:r>
+          </a:p>
+          <a:p>
+            <a:endParaRPr lang="en-US" altLang="zh-CN" dirty="0" smtClean="0"/>
+          </a:p>
+          <a:p>
+            <a:r>
+              <a:rPr lang="en-US" altLang="zh-CN" dirty="0" smtClean="0"/>
+              <a:t>    # http://symfony.com/doc/current/book/security.html#where-do-users-come-from-user-providers</a:t>
+            </a:r>
+          </a:p>
+          <a:p>
+            <a:r>
+              <a:rPr lang="en-US" altLang="zh-CN" dirty="0" smtClean="0"/>
+              <a:t>    providers:</a:t>
+            </a:r>
+          </a:p>
+          <a:p>
+            <a:r>
+              <a:rPr lang="en-US" altLang="zh-CN" dirty="0" smtClean="0"/>
+              <a:t>        </a:t>
+            </a:r>
+            <a:r>
+              <a:rPr lang="en-US" altLang="zh-CN" dirty="0" err="1" smtClean="0"/>
+              <a:t>in_memory</a:t>
+            </a:r>
+            <a:r>
+              <a:rPr lang="en-US" altLang="zh-CN" dirty="0" smtClean="0"/>
+              <a:t>:</a:t>
+            </a:r>
+          </a:p>
+          <a:p>
+            <a:r>
+              <a:rPr lang="en-US" altLang="zh-CN" dirty="0" smtClean="0"/>
+              <a:t>            memory:</a:t>
+            </a:r>
+          </a:p>
+          <a:p>
+            <a:r>
+              <a:rPr lang="en-US" altLang="zh-CN" dirty="0" smtClean="0"/>
+              <a:t>              users:</a:t>
+            </a:r>
+          </a:p>
+          <a:p>
+            <a:r>
+              <a:rPr lang="en-US" altLang="zh-CN" dirty="0" smtClean="0"/>
+              <a:t>                 admin:</a:t>
+            </a:r>
+          </a:p>
+          <a:p>
+            <a:r>
+              <a:rPr lang="en-US" altLang="zh-CN" dirty="0" smtClean="0"/>
+              <a:t>                   password: 123456</a:t>
+            </a:r>
+          </a:p>
+          <a:p>
+            <a:r>
+              <a:rPr lang="en-US" altLang="zh-CN" dirty="0" smtClean="0"/>
+              <a:t>                   roles: ROLE_ADMIN</a:t>
+            </a:r>
+          </a:p>
+          <a:p>
+            <a:r>
+              <a:rPr lang="en-US" altLang="zh-CN" dirty="0" smtClean="0"/>
+              <a:t>                 </a:t>
+            </a:r>
+            <a:r>
+              <a:rPr lang="en-US" altLang="zh-CN" dirty="0" err="1" smtClean="0"/>
+              <a:t>haha</a:t>
+            </a:r>
+            <a:r>
+              <a:rPr lang="en-US" altLang="zh-CN" dirty="0" smtClean="0"/>
+              <a:t>:</a:t>
+            </a:r>
+          </a:p>
+          <a:p>
+            <a:r>
+              <a:rPr lang="en-US" altLang="zh-CN" dirty="0" smtClean="0"/>
+              <a:t>                   password: 123456</a:t>
+            </a:r>
+          </a:p>
+          <a:p>
+            <a:r>
+              <a:rPr lang="en-US" altLang="zh-CN" dirty="0" smtClean="0"/>
+              <a:t>                   roles: ROLE_HAHA</a:t>
+            </a:r>
+          </a:p>
+          <a:p>
+            <a:endParaRPr lang="en-US" altLang="zh-CN" dirty="0" smtClean="0"/>
+          </a:p>
+          <a:p>
+            <a:r>
+              <a:rPr lang="en-US" altLang="zh-CN" dirty="0" smtClean="0"/>
+              <a:t>        </a:t>
+            </a:r>
+            <a:r>
+              <a:rPr lang="en-US" altLang="zh-CN" dirty="0" err="1" smtClean="0"/>
+              <a:t>my_user</a:t>
+            </a:r>
+            <a:r>
+              <a:rPr lang="en-US" altLang="zh-CN" dirty="0" smtClean="0"/>
+              <a:t>:</a:t>
+            </a:r>
+          </a:p>
+          <a:p>
+            <a:r>
+              <a:rPr lang="en-US" altLang="zh-CN" dirty="0" smtClean="0"/>
+              <a:t>            entity: {class: </a:t>
+            </a:r>
+            <a:r>
+              <a:rPr lang="en-US" altLang="zh-CN" dirty="0" err="1" smtClean="0"/>
+              <a:t>AcmeDemoBundle:User</a:t>
+            </a:r>
+            <a:r>
+              <a:rPr lang="en-US" altLang="zh-CN" dirty="0" smtClean="0"/>
+              <a:t>}</a:t>
+            </a:r>
+          </a:p>
+          <a:p>
+            <a:r>
+              <a:rPr lang="en-US" altLang="zh-CN" dirty="0" smtClean="0"/>
+              <a:t>    encoders:</a:t>
+            </a:r>
+          </a:p>
+          <a:p>
+            <a:r>
+              <a:rPr lang="en-US" altLang="zh-CN" dirty="0" smtClean="0"/>
+              <a:t>        </a:t>
+            </a:r>
+            <a:r>
+              <a:rPr lang="en-US" altLang="zh-CN" dirty="0" err="1" smtClean="0"/>
+              <a:t>Symfony</a:t>
+            </a:r>
+            <a:r>
+              <a:rPr lang="en-US" altLang="zh-CN" dirty="0" smtClean="0"/>
+              <a:t>\Component\Security\Core\User\User: plaintext</a:t>
+            </a:r>
+          </a:p>
+          <a:p>
+            <a:r>
+              <a:rPr lang="en-US" altLang="zh-CN" dirty="0" smtClean="0"/>
+              <a:t>        Acme\</a:t>
+            </a:r>
+            <a:r>
+              <a:rPr lang="en-US" altLang="zh-CN" dirty="0" err="1" smtClean="0"/>
+              <a:t>DemoBundle</a:t>
+            </a:r>
+            <a:r>
+              <a:rPr lang="en-US" altLang="zh-CN" dirty="0" smtClean="0"/>
+              <a:t>\Entity\User:</a:t>
+            </a:r>
+          </a:p>
+          <a:p>
+            <a:r>
+              <a:rPr lang="en-US" altLang="zh-CN" dirty="0" smtClean="0"/>
+              <a:t>             algorithm: md5</a:t>
+            </a:r>
+          </a:p>
+          <a:p>
+            <a:r>
+              <a:rPr lang="en-US" altLang="zh-CN" dirty="0" smtClean="0"/>
+              <a:t>             encode_as_base64: false</a:t>
+            </a:r>
+          </a:p>
+          <a:p>
+            <a:r>
+              <a:rPr lang="en-US" altLang="zh-CN" dirty="0" smtClean="0"/>
+              <a:t>             iterations: 0</a:t>
+            </a:r>
+          </a:p>
+          <a:p>
+            <a:endParaRPr lang="en-US" altLang="zh-CN" dirty="0" smtClean="0"/>
+          </a:p>
+          <a:p>
+            <a:r>
+              <a:rPr lang="en-US" altLang="zh-CN" dirty="0" smtClean="0"/>
+              <a:t>    firewalls:</a:t>
+            </a:r>
+          </a:p>
+          <a:p>
+            <a:r>
+              <a:rPr lang="en-US" altLang="zh-CN" dirty="0" smtClean="0"/>
+              <a:t>        # disables authentication for assets and the profiler, adapt it according to your needs</a:t>
+            </a:r>
+          </a:p>
+          <a:p>
+            <a:r>
+              <a:rPr lang="en-US" altLang="zh-CN" dirty="0" smtClean="0"/>
+              <a:t>        dev:</a:t>
+            </a:r>
+          </a:p>
+          <a:p>
+            <a:r>
+              <a:rPr lang="en-US" altLang="zh-CN" dirty="0" smtClean="0"/>
+              <a:t>            pattern: ^/(_(</a:t>
+            </a:r>
+            <a:r>
+              <a:rPr lang="en-US" altLang="zh-CN" dirty="0" err="1" smtClean="0"/>
+              <a:t>profiler|wdt</a:t>
+            </a:r>
+            <a:r>
+              <a:rPr lang="en-US" altLang="zh-CN" dirty="0" smtClean="0"/>
+              <a:t>)|</a:t>
+            </a:r>
+            <a:r>
+              <a:rPr lang="en-US" altLang="zh-CN" dirty="0" err="1" smtClean="0"/>
+              <a:t>css|images|js</a:t>
+            </a:r>
+            <a:r>
+              <a:rPr lang="en-US" altLang="zh-CN" dirty="0" smtClean="0"/>
+              <a:t>)/</a:t>
+            </a:r>
+          </a:p>
+          <a:p>
+            <a:r>
+              <a:rPr lang="en-US" altLang="zh-CN" dirty="0" smtClean="0"/>
+              <a:t>            security: false</a:t>
+            </a:r>
+          </a:p>
+          <a:p>
+            <a:r>
+              <a:rPr lang="en-US" altLang="zh-CN" dirty="0" smtClean="0"/>
+              <a:t>        login:</a:t>
+            </a:r>
+          </a:p>
+          <a:p>
+            <a:r>
+              <a:rPr lang="en-US" altLang="zh-CN" dirty="0" smtClean="0"/>
+              <a:t>            pattern: ^/login$</a:t>
+            </a:r>
+          </a:p>
+          <a:p>
+            <a:r>
+              <a:rPr lang="en-US" altLang="zh-CN" dirty="0" smtClean="0"/>
+              <a:t>            anonymous: ~</a:t>
+            </a:r>
+          </a:p>
+          <a:p>
+            <a:r>
+              <a:rPr lang="en-US" altLang="zh-CN" dirty="0" smtClean="0"/>
+              <a:t>        http:</a:t>
+            </a:r>
+          </a:p>
+          <a:p>
+            <a:r>
+              <a:rPr lang="en-US" altLang="zh-CN" dirty="0" smtClean="0"/>
+              <a:t>           pattern: ^/http</a:t>
+            </a:r>
+          </a:p>
+          <a:p>
+            <a:r>
+              <a:rPr lang="en-US" altLang="zh-CN" dirty="0" smtClean="0"/>
+              <a:t>           anonymous: false</a:t>
+            </a:r>
+          </a:p>
+          <a:p>
+            <a:r>
+              <a:rPr lang="en-US" altLang="zh-CN" dirty="0" smtClean="0"/>
+              <a:t>           </a:t>
+            </a:r>
+            <a:r>
+              <a:rPr lang="en-US" altLang="zh-CN" dirty="0" err="1" smtClean="0"/>
+              <a:t>http_basic</a:t>
+            </a:r>
+            <a:r>
+              <a:rPr lang="en-US" altLang="zh-CN" dirty="0" smtClean="0"/>
+              <a:t>: ~</a:t>
+            </a:r>
+          </a:p>
+          <a:p>
+            <a:r>
+              <a:rPr lang="en-US" altLang="zh-CN" dirty="0" smtClean="0"/>
+              <a:t>        </a:t>
+            </a:r>
+            <a:r>
+              <a:rPr lang="en-US" altLang="zh-CN" dirty="0" err="1" smtClean="0"/>
+              <a:t>html_form</a:t>
+            </a:r>
+            <a:r>
+              <a:rPr lang="en-US" altLang="zh-CN" dirty="0" smtClean="0"/>
+              <a:t>:</a:t>
+            </a:r>
+          </a:p>
+          <a:p>
+            <a:r>
+              <a:rPr lang="en-US" altLang="zh-CN" dirty="0" smtClean="0"/>
+              <a:t>            anonymous: false</a:t>
+            </a:r>
+          </a:p>
+          <a:p>
+            <a:r>
+              <a:rPr lang="en-US" altLang="zh-CN" dirty="0" smtClean="0"/>
+              <a:t>            provider: </a:t>
+            </a:r>
+            <a:r>
+              <a:rPr lang="en-US" altLang="zh-CN" dirty="0" err="1" smtClean="0"/>
+              <a:t>my_user</a:t>
+            </a:r>
+            <a:endParaRPr lang="en-US" altLang="zh-CN" dirty="0" smtClean="0"/>
+          </a:p>
+          <a:p>
+            <a:r>
+              <a:rPr lang="en-US" altLang="zh-CN" dirty="0" smtClean="0"/>
+              <a:t>            </a:t>
+            </a:r>
+            <a:r>
+              <a:rPr lang="en-US" altLang="zh-CN" dirty="0" err="1" smtClean="0"/>
+              <a:t>form_login</a:t>
+            </a:r>
+            <a:r>
+              <a:rPr lang="en-US" altLang="zh-CN" dirty="0" smtClean="0"/>
+              <a:t>:</a:t>
+            </a:r>
+          </a:p>
+          <a:p>
+            <a:r>
+              <a:rPr lang="en-US" altLang="zh-CN" dirty="0" smtClean="0"/>
+              <a:t>               </a:t>
+            </a:r>
+            <a:r>
+              <a:rPr lang="en-US" altLang="zh-CN" dirty="0" err="1" smtClean="0"/>
+              <a:t>login_path</a:t>
+            </a:r>
+            <a:r>
+              <a:rPr lang="en-US" altLang="zh-CN" dirty="0" smtClean="0"/>
+              <a:t>: </a:t>
+            </a:r>
+            <a:r>
+              <a:rPr lang="en-US" altLang="zh-CN" dirty="0" err="1" smtClean="0"/>
+              <a:t>login_route</a:t>
+            </a:r>
+            <a:endParaRPr lang="en-US" altLang="zh-CN" dirty="0" smtClean="0"/>
+          </a:p>
+          <a:p>
+            <a:r>
+              <a:rPr lang="en-US" altLang="zh-CN" dirty="0" smtClean="0"/>
+              <a:t>               </a:t>
+            </a:r>
+            <a:r>
+              <a:rPr lang="en-US" altLang="zh-CN" dirty="0" err="1" smtClean="0"/>
+              <a:t>check_path</a:t>
+            </a:r>
+            <a:r>
+              <a:rPr lang="en-US" altLang="zh-CN" dirty="0" smtClean="0"/>
+              <a:t>: </a:t>
+            </a:r>
+            <a:r>
+              <a:rPr lang="en-US" altLang="zh-CN" dirty="0" err="1" smtClean="0"/>
+              <a:t>login_check</a:t>
+            </a:r>
+            <a:endParaRPr lang="en-US" altLang="zh-CN" dirty="0" smtClean="0"/>
+          </a:p>
+          <a:p>
+            <a:r>
+              <a:rPr lang="en-US" altLang="zh-CN" dirty="0" smtClean="0"/>
+              <a:t>               </a:t>
+            </a:r>
+            <a:r>
+              <a:rPr lang="en-US" altLang="zh-CN" dirty="0" err="1" smtClean="0"/>
+              <a:t>failure_handler</a:t>
+            </a:r>
+            <a:r>
+              <a:rPr lang="en-US" altLang="zh-CN" dirty="0" smtClean="0"/>
+              <a:t>: </a:t>
+            </a:r>
+            <a:r>
+              <a:rPr lang="en-US" altLang="zh-CN" dirty="0" err="1" smtClean="0"/>
+              <a:t>ajax_athentication_failure_handler</a:t>
+            </a:r>
+            <a:endParaRPr lang="en-US" altLang="zh-CN" dirty="0" smtClean="0"/>
+          </a:p>
+          <a:p>
+            <a:r>
+              <a:rPr lang="en-US" altLang="zh-CN" dirty="0" smtClean="0"/>
+              <a:t>               </a:t>
+            </a:r>
+            <a:r>
+              <a:rPr lang="en-US" altLang="zh-CN" dirty="0" err="1" smtClean="0"/>
+              <a:t>success_handler</a:t>
+            </a:r>
+            <a:r>
+              <a:rPr lang="en-US" altLang="zh-CN" dirty="0" smtClean="0"/>
+              <a:t>: </a:t>
+            </a:r>
+            <a:r>
+              <a:rPr lang="en-US" altLang="zh-CN" dirty="0" err="1" smtClean="0"/>
+              <a:t>ajax_athentication_success_handler</a:t>
+            </a:r>
+            <a:endParaRPr lang="en-US" altLang="zh-CN" dirty="0" smtClean="0"/>
+          </a:p>
+          <a:p>
+            <a:r>
+              <a:rPr lang="en-US" altLang="zh-CN" dirty="0" smtClean="0"/>
+              <a:t>            logout:</a:t>
+            </a:r>
+          </a:p>
+          <a:p>
+            <a:r>
+              <a:rPr lang="en-US" altLang="zh-CN" dirty="0" smtClean="0"/>
+              <a:t>                path:   /logout</a:t>
+            </a:r>
+          </a:p>
+          <a:p>
+            <a:r>
+              <a:rPr lang="en-US" altLang="zh-CN" dirty="0" smtClean="0"/>
+              <a:t>                target: /</a:t>
+            </a:r>
+          </a:p>
+          <a:p>
+            <a:r>
+              <a:rPr lang="en-US" altLang="zh-CN" dirty="0" smtClean="0"/>
+              <a:t>    </a:t>
+            </a:r>
+            <a:r>
+              <a:rPr lang="en-US" altLang="zh-CN" dirty="0" err="1" smtClean="0"/>
+              <a:t>access_control</a:t>
+            </a:r>
+            <a:r>
+              <a:rPr lang="en-US" altLang="zh-CN" dirty="0" smtClean="0"/>
+              <a:t>:</a:t>
+            </a:r>
+          </a:p>
+          <a:p>
+            <a:r>
+              <a:rPr lang="en-US" altLang="zh-CN" dirty="0" smtClean="0"/>
+              <a:t>        - {path: ^/test, roles: ROLE_ADMIN}</a:t>
+            </a:r>
+          </a:p>
+          <a:p>
+            <a:endParaRPr lang="zh-CN" altLang="en-US" dirty="0"/>
+          </a:p>
+        </p:txBody>
+      </p:sp>
+      <p:sp>
+        <p:nvSpPr>
+          <p:cNvPr id="4" name="灯片编号占位符 3"/>
+          <p:cNvSpPr>
+            <a:spLocks noGrp="1"/>
+          </p:cNvSpPr>
+          <p:nvPr>
+            <p:ph type="sldNum" sz="quarter" idx="10"/>
+          </p:nvPr>
+        </p:nvSpPr>
+        <p:spPr/>
+        <p:txBody>
+          <a:bodyPr/>
+          <a:lstStyle/>
+          <a:p>
+            <a:fld id="{BCEC405F-F40D-423E-A1C1-C0BB48CFFEA4}" type="slidenum">
+              <a:rPr lang="zh-CN" altLang="en-US" smtClean="0"/>
+              <a:t>11</a:t>
+            </a:fld>
+            <a:endParaRPr lang="zh-CN" altLang="en-US"/>
+          </a:p>
+        </p:txBody>
+      </p:sp>
+    </p:spTree>
+    <p:extLst>
+      <p:ext uri="{BB962C8B-B14F-4D97-AF65-F5344CB8AC3E}">
+        <p14:creationId xmlns:p14="http://schemas.microsoft.com/office/powerpoint/2010/main" val="3320929631"/>
+      </p:ext>
+    </p:extLst>
+  </p:cSld>
+  <p:clrMapOvr>
+    <a:masterClrMapping/>
+  </p:clrMapOvr>
+</p:notes>
+</file>
+
+<file path=ppt/notesSlides/notesSlide11.xml><?xml version="1.0" encoding="utf-8"?>
+<p:notes xmlns:a="http://schemas.openxmlformats.org/drawingml/2006/main" xmlns:r="http://schemas.openxmlformats.org/officeDocument/2006/relationships" xmlns:p="http://schemas.openxmlformats.org/presentationml/2006/main">
+  <p:cSld>
+    <p:spTree>
+      <p:nvGrpSpPr>
+        <p:cNvPr id="1" name=""/>
+        <p:cNvGrpSpPr/>
+        <p:nvPr/>
+      </p:nvGrpSpPr>
+      <p:grpSpPr>
+        <a:xfrm>
+          <a:off x="0" y="0"/>
+          <a:ext cx="0" cy="0"/>
+          <a:chOff x="0" y="0"/>
+          <a:chExt cx="0" cy="0"/>
+        </a:xfrm>
+      </p:grpSpPr>
+      <p:sp>
+        <p:nvSpPr>
+          <p:cNvPr id="2" name="幻灯片图像占位符 1"/>
+          <p:cNvSpPr>
+            <a:spLocks noGrp="1" noRot="1" noChangeAspect="1"/>
+          </p:cNvSpPr>
+          <p:nvPr>
+            <p:ph type="sldImg"/>
+          </p:nvPr>
+        </p:nvSpPr>
+        <p:spPr/>
+      </p:sp>
+      <p:sp>
+        <p:nvSpPr>
+          <p:cNvPr id="3" name="备注占位符 2"/>
+          <p:cNvSpPr>
+            <a:spLocks noGrp="1"/>
+          </p:cNvSpPr>
+          <p:nvPr>
+            <p:ph type="body" idx="1"/>
+          </p:nvPr>
+        </p:nvSpPr>
+        <p:spPr/>
+        <p:txBody>
+          <a:bodyPr/>
+          <a:lstStyle/>
+          <a:p>
+            <a:r>
+              <a:rPr lang="en-US" altLang="zh-CN" dirty="0" err="1" smtClean="0"/>
+              <a:t>hwi_oauth_redirect</a:t>
+            </a:r>
+            <a:r>
+              <a:rPr lang="en-US" altLang="zh-CN" dirty="0" smtClean="0"/>
+              <a:t>:</a:t>
+            </a:r>
+          </a:p>
+          <a:p>
+            <a:r>
+              <a:rPr lang="en-US" altLang="zh-CN" dirty="0" smtClean="0"/>
+              <a:t>    resource: "@</a:t>
+            </a:r>
+            <a:r>
+              <a:rPr lang="en-US" altLang="zh-CN" dirty="0" err="1" smtClean="0"/>
+              <a:t>HWIOAuthBundle</a:t>
+            </a:r>
+            <a:r>
+              <a:rPr lang="en-US" altLang="zh-CN" dirty="0" smtClean="0"/>
+              <a:t>/Resources/</a:t>
+            </a:r>
+            <a:r>
+              <a:rPr lang="en-US" altLang="zh-CN" dirty="0" err="1" smtClean="0"/>
+              <a:t>config</a:t>
+            </a:r>
+            <a:r>
+              <a:rPr lang="en-US" altLang="zh-CN" dirty="0" smtClean="0"/>
+              <a:t>/routing/redirect.xml"</a:t>
+            </a:r>
+          </a:p>
+          <a:p>
+            <a:r>
+              <a:rPr lang="en-US" altLang="zh-CN" dirty="0" smtClean="0"/>
+              <a:t>    prefix:   /connect</a:t>
+            </a:r>
+          </a:p>
+          <a:p>
+            <a:endParaRPr lang="en-US" altLang="zh-CN" dirty="0" smtClean="0"/>
+          </a:p>
+          <a:p>
+            <a:r>
+              <a:rPr lang="en-US" altLang="zh-CN" dirty="0" err="1" smtClean="0"/>
+              <a:t>hwi_oauth_login</a:t>
+            </a:r>
+            <a:r>
+              <a:rPr lang="en-US" altLang="zh-CN" dirty="0" smtClean="0"/>
+              <a:t>:</a:t>
+            </a:r>
+          </a:p>
+          <a:p>
+            <a:r>
+              <a:rPr lang="en-US" altLang="zh-CN" dirty="0" smtClean="0"/>
+              <a:t>    resource: "@</a:t>
+            </a:r>
+            <a:r>
+              <a:rPr lang="en-US" altLang="zh-CN" dirty="0" err="1" smtClean="0"/>
+              <a:t>HWIOAuthBundle</a:t>
+            </a:r>
+            <a:r>
+              <a:rPr lang="en-US" altLang="zh-CN" dirty="0" smtClean="0"/>
+              <a:t>/Resources/</a:t>
+            </a:r>
+            <a:r>
+              <a:rPr lang="en-US" altLang="zh-CN" dirty="0" err="1" smtClean="0"/>
+              <a:t>config</a:t>
+            </a:r>
+            <a:r>
+              <a:rPr lang="en-US" altLang="zh-CN" dirty="0" smtClean="0"/>
+              <a:t>/routing/login.xml"</a:t>
+            </a:r>
+          </a:p>
+          <a:p>
+            <a:r>
+              <a:rPr lang="en-US" altLang="zh-CN" dirty="0" smtClean="0"/>
+              <a:t>    prefix:   /login</a:t>
+            </a:r>
+          </a:p>
+          <a:p>
+            <a:endParaRPr lang="en-US" altLang="zh-CN" dirty="0" smtClean="0"/>
+          </a:p>
+          <a:p>
+            <a:r>
+              <a:rPr lang="en-US" altLang="zh-CN" dirty="0" err="1" smtClean="0"/>
+              <a:t>check_qq</a:t>
+            </a:r>
+            <a:r>
+              <a:rPr lang="en-US" altLang="zh-CN" dirty="0" smtClean="0"/>
+              <a:t>:</a:t>
+            </a:r>
+          </a:p>
+          <a:p>
+            <a:r>
+              <a:rPr lang="en-US" altLang="zh-CN" dirty="0" smtClean="0"/>
+              <a:t>    pattern: /login/check-</a:t>
+            </a:r>
+            <a:r>
+              <a:rPr lang="en-US" altLang="zh-CN" dirty="0" err="1" smtClean="0"/>
+              <a:t>qq</a:t>
+            </a:r>
+            <a:endParaRPr lang="en-US" altLang="zh-CN" dirty="0" smtClean="0"/>
+          </a:p>
+          <a:p>
+            <a:endParaRPr lang="en-US" altLang="zh-CN" dirty="0" smtClean="0"/>
+          </a:p>
+          <a:p>
+            <a:r>
+              <a:rPr lang="en-US" altLang="zh-CN" dirty="0" smtClean="0"/>
+              <a:t> </a:t>
+            </a:r>
+            <a:r>
+              <a:rPr lang="zh-CN" altLang="en-US" dirty="0" smtClean="0"/>
+              <a:t>防火墙</a:t>
+            </a:r>
+            <a:endParaRPr lang="en-US" altLang="zh-CN" dirty="0" smtClean="0"/>
+          </a:p>
+          <a:p>
+            <a:r>
+              <a:rPr lang="en-US" altLang="zh-CN" dirty="0" smtClean="0"/>
+              <a:t># To get started with security, check out the documentation:</a:t>
+            </a:r>
+          </a:p>
+          <a:p>
+            <a:r>
+              <a:rPr lang="en-US" altLang="zh-CN" dirty="0" smtClean="0"/>
+              <a:t># http://symfony.com/doc/current/book/security.html</a:t>
+            </a:r>
+          </a:p>
+          <a:p>
+            <a:r>
+              <a:rPr lang="en-US" altLang="zh-CN" dirty="0" smtClean="0"/>
+              <a:t>security:</a:t>
+            </a:r>
+          </a:p>
+          <a:p>
+            <a:r>
+              <a:rPr lang="en-US" altLang="zh-CN" dirty="0" smtClean="0"/>
+              <a:t>    encoders:</a:t>
+            </a:r>
+          </a:p>
+          <a:p>
+            <a:r>
+              <a:rPr lang="en-US" altLang="zh-CN" dirty="0" smtClean="0"/>
+              <a:t>        FOS\</a:t>
+            </a:r>
+            <a:r>
+              <a:rPr lang="en-US" altLang="zh-CN" dirty="0" err="1" smtClean="0"/>
+              <a:t>UserBundle</a:t>
+            </a:r>
+            <a:r>
+              <a:rPr lang="en-US" altLang="zh-CN" dirty="0" smtClean="0"/>
+              <a:t>\Model\</a:t>
+            </a:r>
+            <a:r>
+              <a:rPr lang="en-US" altLang="zh-CN" dirty="0" err="1" smtClean="0"/>
+              <a:t>UserInterface</a:t>
+            </a:r>
+            <a:r>
+              <a:rPr lang="en-US" altLang="zh-CN" dirty="0" smtClean="0"/>
+              <a:t>:</a:t>
+            </a:r>
+          </a:p>
+          <a:p>
+            <a:r>
+              <a:rPr lang="en-US" altLang="zh-CN" dirty="0" smtClean="0"/>
+              <a:t>           algorithm: </a:t>
+            </a:r>
+            <a:r>
+              <a:rPr lang="en-US" altLang="zh-CN" dirty="0" err="1" smtClean="0"/>
+              <a:t>bcrypt</a:t>
+            </a:r>
+            <a:endParaRPr lang="en-US" altLang="zh-CN" dirty="0" smtClean="0"/>
+          </a:p>
+          <a:p>
+            <a:r>
+              <a:rPr lang="en-US" altLang="zh-CN" dirty="0" smtClean="0"/>
+              <a:t>           cost: 10</a:t>
+            </a:r>
+          </a:p>
+          <a:p>
+            <a:endParaRPr lang="en-US" altLang="zh-CN" dirty="0" smtClean="0"/>
+          </a:p>
+          <a:p>
+            <a:r>
+              <a:rPr lang="en-US" altLang="zh-CN" dirty="0" smtClean="0"/>
+              <a:t>    # http://symfony.com/doc/current/book/security.html#where-do-users-come-from-user-providers</a:t>
+            </a:r>
+          </a:p>
+          <a:p>
+            <a:r>
+              <a:rPr lang="en-US" altLang="zh-CN" dirty="0" smtClean="0"/>
+              <a:t>    providers:</a:t>
+            </a:r>
+          </a:p>
+          <a:p>
+            <a:r>
+              <a:rPr lang="en-US" altLang="zh-CN" dirty="0" smtClean="0"/>
+              <a:t>        </a:t>
+            </a:r>
+            <a:r>
+              <a:rPr lang="en-US" altLang="zh-CN" dirty="0" err="1" smtClean="0"/>
+              <a:t>in_memory</a:t>
+            </a:r>
+            <a:r>
+              <a:rPr lang="en-US" altLang="zh-CN" dirty="0" smtClean="0"/>
+              <a:t>:</a:t>
+            </a:r>
+          </a:p>
+          <a:p>
+            <a:r>
+              <a:rPr lang="en-US" altLang="zh-CN" dirty="0" smtClean="0"/>
+              <a:t>            memory: ~</a:t>
+            </a:r>
+          </a:p>
+          <a:p>
+            <a:r>
+              <a:rPr lang="en-US" altLang="zh-CN" dirty="0" smtClean="0"/>
+              <a:t>#        </a:t>
+            </a:r>
+            <a:r>
+              <a:rPr lang="en-US" altLang="zh-CN" dirty="0" err="1" smtClean="0"/>
+              <a:t>oauth</a:t>
+            </a:r>
+            <a:r>
+              <a:rPr lang="en-US" altLang="zh-CN" dirty="0" smtClean="0"/>
+              <a:t>:</a:t>
+            </a:r>
+          </a:p>
+          <a:p>
+            <a:r>
+              <a:rPr lang="en-US" altLang="zh-CN" dirty="0" smtClean="0"/>
+              <a:t>#            id: </a:t>
+            </a:r>
+            <a:r>
+              <a:rPr lang="en-US" altLang="zh-CN" dirty="0" err="1" smtClean="0"/>
+              <a:t>hwi_oauth.user.provider</a:t>
+            </a:r>
+            <a:endParaRPr lang="en-US" altLang="zh-CN" dirty="0" smtClean="0"/>
+          </a:p>
+          <a:p>
+            <a:r>
+              <a:rPr lang="en-US" altLang="zh-CN" dirty="0" smtClean="0"/>
+              <a:t>        </a:t>
+            </a:r>
+            <a:r>
+              <a:rPr lang="en-US" altLang="zh-CN" dirty="0" err="1" smtClean="0"/>
+              <a:t>fos_user</a:t>
+            </a:r>
+            <a:r>
+              <a:rPr lang="en-US" altLang="zh-CN" dirty="0" smtClean="0"/>
+              <a:t>:</a:t>
+            </a:r>
+          </a:p>
+          <a:p>
+            <a:r>
+              <a:rPr lang="en-US" altLang="zh-CN" dirty="0" smtClean="0"/>
+              <a:t>            id: </a:t>
+            </a:r>
+            <a:r>
+              <a:rPr lang="en-US" altLang="zh-CN" dirty="0" err="1" smtClean="0"/>
+              <a:t>fos_user.user_provider.username</a:t>
+            </a:r>
+            <a:endParaRPr lang="en-US" altLang="zh-CN" dirty="0" smtClean="0"/>
+          </a:p>
+          <a:p>
+            <a:r>
+              <a:rPr lang="en-US" altLang="zh-CN" dirty="0" smtClean="0"/>
+              <a:t>        </a:t>
+            </a:r>
+            <a:r>
+              <a:rPr lang="en-US" altLang="zh-CN" dirty="0" err="1" smtClean="0"/>
+              <a:t>oauth</a:t>
+            </a:r>
+            <a:r>
+              <a:rPr lang="en-US" altLang="zh-CN" dirty="0" smtClean="0"/>
+              <a:t>:</a:t>
+            </a:r>
+          </a:p>
+          <a:p>
+            <a:r>
+              <a:rPr lang="en-US" altLang="zh-CN" dirty="0" smtClean="0"/>
+              <a:t>            id: </a:t>
+            </a:r>
+            <a:r>
+              <a:rPr lang="en-US" altLang="zh-CN" dirty="0" err="1" smtClean="0"/>
+              <a:t>hwi_oauth.user.provider</a:t>
+            </a:r>
+            <a:endParaRPr lang="en-US" altLang="zh-CN" dirty="0" smtClean="0"/>
+          </a:p>
+          <a:p>
+            <a:r>
+              <a:rPr lang="en-US" altLang="zh-CN" dirty="0" smtClean="0"/>
+              <a:t>    firewalls:</a:t>
+            </a:r>
+          </a:p>
+          <a:p>
+            <a:r>
+              <a:rPr lang="en-US" altLang="zh-CN" dirty="0" smtClean="0"/>
+              <a:t>        # disables authentication for assets and the profiler, adapt it according to your needs</a:t>
+            </a:r>
+          </a:p>
+          <a:p>
+            <a:r>
+              <a:rPr lang="en-US" altLang="zh-CN" dirty="0" smtClean="0"/>
+              <a:t>        dev:</a:t>
+            </a:r>
+          </a:p>
+          <a:p>
+            <a:r>
+              <a:rPr lang="en-US" altLang="zh-CN" dirty="0" smtClean="0"/>
+              <a:t>            pattern: ^/(_(</a:t>
+            </a:r>
+            <a:r>
+              <a:rPr lang="en-US" altLang="zh-CN" dirty="0" err="1" smtClean="0"/>
+              <a:t>profiler|wdt</a:t>
+            </a:r>
+            <a:r>
+              <a:rPr lang="en-US" altLang="zh-CN" dirty="0" smtClean="0"/>
+              <a:t>)|</a:t>
+            </a:r>
+            <a:r>
+              <a:rPr lang="en-US" altLang="zh-CN" dirty="0" err="1" smtClean="0"/>
+              <a:t>css|images|js</a:t>
+            </a:r>
+            <a:r>
+              <a:rPr lang="en-US" altLang="zh-CN" dirty="0" smtClean="0"/>
+              <a:t>)/</a:t>
+            </a:r>
+          </a:p>
+          <a:p>
+            <a:r>
+              <a:rPr lang="en-US" altLang="zh-CN" dirty="0" smtClean="0"/>
+              <a:t>            security: false</a:t>
+            </a:r>
+          </a:p>
+          <a:p>
+            <a:r>
+              <a:rPr lang="en-US" altLang="zh-CN" dirty="0" smtClean="0"/>
+              <a:t>        </a:t>
+            </a:r>
+            <a:r>
+              <a:rPr lang="en-US" altLang="zh-CN" dirty="0" err="1" smtClean="0"/>
+              <a:t>secured_area</a:t>
+            </a:r>
+            <a:r>
+              <a:rPr lang="en-US" altLang="zh-CN" dirty="0" smtClean="0"/>
+              <a:t>:</a:t>
+            </a:r>
+          </a:p>
+          <a:p>
+            <a:r>
+              <a:rPr lang="en-US" altLang="zh-CN" dirty="0" smtClean="0"/>
+              <a:t>            pattern: ^/</a:t>
+            </a:r>
+          </a:p>
+          <a:p>
+            <a:r>
+              <a:rPr lang="en-US" altLang="zh-CN" dirty="0" smtClean="0"/>
+              <a:t>            anonymous: ~</a:t>
+            </a:r>
+          </a:p>
+          <a:p>
+            <a:r>
+              <a:rPr lang="en-US" altLang="zh-CN" dirty="0" smtClean="0"/>
+              <a:t>#            </a:t>
+            </a:r>
+            <a:r>
+              <a:rPr lang="en-US" altLang="zh-CN" dirty="0" err="1" smtClean="0"/>
+              <a:t>form_login</a:t>
+            </a:r>
+            <a:r>
+              <a:rPr lang="en-US" altLang="zh-CN" dirty="0" smtClean="0"/>
+              <a:t>:</a:t>
+            </a:r>
+          </a:p>
+          <a:p>
+            <a:r>
+              <a:rPr lang="en-US" altLang="zh-CN" dirty="0" smtClean="0"/>
+              <a:t>#                  provider: </a:t>
+            </a:r>
+            <a:r>
+              <a:rPr lang="en-US" altLang="zh-CN" dirty="0" err="1" smtClean="0"/>
+              <a:t>fos_user</a:t>
+            </a:r>
+            <a:endParaRPr lang="en-US" altLang="zh-CN" dirty="0" smtClean="0"/>
+          </a:p>
+          <a:p>
+            <a:r>
+              <a:rPr lang="en-US" altLang="zh-CN" dirty="0" smtClean="0"/>
+              <a:t>#                  </a:t>
+            </a:r>
+            <a:r>
+              <a:rPr lang="en-US" altLang="zh-CN" dirty="0" err="1" smtClean="0"/>
+              <a:t>csrf_provider</a:t>
+            </a:r>
+            <a:r>
+              <a:rPr lang="en-US" altLang="zh-CN" dirty="0" smtClean="0"/>
+              <a:t>: </a:t>
+            </a:r>
+            <a:r>
+              <a:rPr lang="en-US" altLang="zh-CN" dirty="0" err="1" smtClean="0"/>
+              <a:t>form.csrf_provider</a:t>
+            </a:r>
+            <a:endParaRPr lang="en-US" altLang="zh-CN" dirty="0" smtClean="0"/>
+          </a:p>
+          <a:p>
+            <a:r>
+              <a:rPr lang="en-US" altLang="zh-CN" dirty="0" smtClean="0"/>
+              <a:t>#            logout:       true</a:t>
+            </a:r>
+          </a:p>
+          <a:p>
+            <a:r>
+              <a:rPr lang="en-US" altLang="zh-CN" dirty="0" smtClean="0"/>
+              <a:t>            </a:t>
+            </a:r>
+            <a:r>
+              <a:rPr lang="en-US" altLang="zh-CN" dirty="0" err="1" smtClean="0"/>
+              <a:t>oauth</a:t>
+            </a:r>
+            <a:r>
+              <a:rPr lang="en-US" altLang="zh-CN" dirty="0" smtClean="0"/>
+              <a:t>:</a:t>
+            </a:r>
+          </a:p>
+          <a:p>
+            <a:r>
+              <a:rPr lang="en-US" altLang="zh-CN" dirty="0" smtClean="0"/>
+              <a:t>                </a:t>
+            </a:r>
+            <a:r>
+              <a:rPr lang="en-US" altLang="zh-CN" dirty="0" err="1" smtClean="0"/>
+              <a:t>login_path</a:t>
+            </a:r>
+            <a:r>
+              <a:rPr lang="en-US" altLang="zh-CN" dirty="0" smtClean="0"/>
+              <a:t>: </a:t>
+            </a:r>
+            <a:r>
+              <a:rPr lang="en-US" altLang="zh-CN" dirty="0" err="1" smtClean="0"/>
+              <a:t>hwi_oauth_connect</a:t>
+            </a:r>
+            <a:endParaRPr lang="en-US" altLang="zh-CN" dirty="0" smtClean="0"/>
+          </a:p>
+          <a:p>
+            <a:r>
+              <a:rPr lang="en-US" altLang="zh-CN" dirty="0" smtClean="0"/>
+              <a:t>                </a:t>
+            </a:r>
+            <a:r>
+              <a:rPr lang="en-US" altLang="zh-CN" dirty="0" err="1" smtClean="0"/>
+              <a:t>failure_path</a:t>
+            </a:r>
+            <a:r>
+              <a:rPr lang="en-US" altLang="zh-CN" dirty="0" smtClean="0"/>
+              <a:t>: </a:t>
+            </a:r>
+            <a:r>
+              <a:rPr lang="en-US" altLang="zh-CN" dirty="0" err="1" smtClean="0"/>
+              <a:t>hwi_oauth_connect</a:t>
+            </a:r>
+            <a:endParaRPr lang="en-US" altLang="zh-CN" dirty="0" smtClean="0"/>
+          </a:p>
+          <a:p>
+            <a:r>
+              <a:rPr lang="en-US" altLang="zh-CN" dirty="0" smtClean="0"/>
+              <a:t>                </a:t>
+            </a:r>
+            <a:r>
+              <a:rPr lang="en-US" altLang="zh-CN" dirty="0" err="1" smtClean="0"/>
+              <a:t>oauth_user_provider</a:t>
+            </a:r>
+            <a:r>
+              <a:rPr lang="en-US" altLang="zh-CN" dirty="0" smtClean="0"/>
+              <a:t>:</a:t>
+            </a:r>
+          </a:p>
+          <a:p>
+            <a:r>
+              <a:rPr lang="en-US" altLang="zh-CN" dirty="0" smtClean="0"/>
+              <a:t>                     service: </a:t>
+            </a:r>
+            <a:r>
+              <a:rPr lang="en-US" altLang="zh-CN" dirty="0" err="1" smtClean="0"/>
+              <a:t>hwi_oauth.user.provider</a:t>
+            </a:r>
+            <a:endParaRPr lang="en-US" altLang="zh-CN" dirty="0" smtClean="0"/>
+          </a:p>
+          <a:p>
+            <a:r>
+              <a:rPr lang="en-US" altLang="zh-CN" dirty="0" smtClean="0"/>
+              <a:t>                </a:t>
+            </a:r>
+            <a:r>
+              <a:rPr lang="en-US" altLang="zh-CN" dirty="0" err="1" smtClean="0"/>
+              <a:t>resource_owners</a:t>
+            </a:r>
+            <a:r>
+              <a:rPr lang="en-US" altLang="zh-CN" dirty="0" smtClean="0"/>
+              <a:t>:</a:t>
+            </a:r>
+          </a:p>
+          <a:p>
+            <a:r>
+              <a:rPr lang="en-US" altLang="zh-CN" dirty="0" smtClean="0"/>
+              <a:t>                      </a:t>
+            </a:r>
+            <a:r>
+              <a:rPr lang="en-US" altLang="zh-CN" dirty="0" err="1" smtClean="0"/>
+              <a:t>qq</a:t>
+            </a:r>
+            <a:r>
+              <a:rPr lang="en-US" altLang="zh-CN" dirty="0" smtClean="0"/>
+              <a:t>:  </a:t>
+            </a:r>
+            <a:r>
+              <a:rPr lang="en-US" altLang="zh-CN" dirty="0" err="1" smtClean="0"/>
+              <a:t>check_qq</a:t>
+            </a:r>
+            <a:endParaRPr lang="en-US" altLang="zh-CN" dirty="0" smtClean="0"/>
+          </a:p>
+          <a:p>
+            <a:endParaRPr lang="en-US" altLang="zh-CN" dirty="0" smtClean="0"/>
+          </a:p>
+          <a:p>
+            <a:r>
+              <a:rPr lang="en-US" altLang="zh-CN" dirty="0" smtClean="0"/>
+              <a:t>        main:</a:t>
+            </a:r>
+          </a:p>
+          <a:p>
+            <a:r>
+              <a:rPr lang="en-US" altLang="zh-CN" dirty="0" smtClean="0"/>
+              <a:t>            anonymous: ~</a:t>
+            </a:r>
+          </a:p>
+          <a:p>
+            <a:r>
+              <a:rPr lang="en-US" altLang="zh-CN" dirty="0" smtClean="0"/>
+              <a:t>            # activate different ways to authenticate</a:t>
+            </a:r>
+          </a:p>
+          <a:p>
+            <a:endParaRPr lang="en-US" altLang="zh-CN" dirty="0" smtClean="0"/>
+          </a:p>
+          <a:p>
+            <a:r>
+              <a:rPr lang="en-US" altLang="zh-CN" dirty="0" smtClean="0"/>
+              <a:t>            # </a:t>
+            </a:r>
+            <a:r>
+              <a:rPr lang="en-US" altLang="zh-CN" dirty="0" err="1" smtClean="0"/>
+              <a:t>http_basic</a:t>
+            </a:r>
+            <a:r>
+              <a:rPr lang="en-US" altLang="zh-CN" dirty="0" smtClean="0"/>
+              <a:t>: ~</a:t>
+            </a:r>
+          </a:p>
+          <a:p>
+            <a:r>
+              <a:rPr lang="en-US" altLang="zh-CN" dirty="0" smtClean="0"/>
+              <a:t>            # http://symfony.com/doc/current/book/security.html#a-configuring-how-your-users-will-authenticate</a:t>
+            </a:r>
+          </a:p>
+          <a:p>
+            <a:endParaRPr lang="en-US" altLang="zh-CN" dirty="0" smtClean="0"/>
+          </a:p>
+          <a:p>
+            <a:r>
+              <a:rPr lang="en-US" altLang="zh-CN" dirty="0" smtClean="0"/>
+              <a:t>            # </a:t>
+            </a:r>
+            <a:r>
+              <a:rPr lang="en-US" altLang="zh-CN" dirty="0" err="1" smtClean="0"/>
+              <a:t>form_login</a:t>
+            </a:r>
+            <a:r>
+              <a:rPr lang="en-US" altLang="zh-CN" dirty="0" smtClean="0"/>
+              <a:t>: ~</a:t>
+            </a:r>
+          </a:p>
+          <a:p>
+            <a:r>
+              <a:rPr lang="en-US" altLang="zh-CN" dirty="0" smtClean="0"/>
+              <a:t>            # http://symfony.com/doc/current/cookbook/security/form_login_setup.html</a:t>
+            </a:r>
+          </a:p>
+          <a:p>
+            <a:endParaRPr lang="en-US" altLang="zh-CN" dirty="0" smtClean="0"/>
+          </a:p>
+          <a:p>
+            <a:r>
+              <a:rPr lang="en-US" altLang="zh-CN" dirty="0" smtClean="0"/>
+              <a:t>            #            </a:t>
+            </a:r>
+            <a:r>
+              <a:rPr lang="en-US" altLang="zh-CN" dirty="0" err="1" smtClean="0"/>
+              <a:t>oauth</a:t>
+            </a:r>
+            <a:r>
+              <a:rPr lang="en-US" altLang="zh-CN" dirty="0" smtClean="0"/>
+              <a:t>:</a:t>
+            </a:r>
+          </a:p>
+          <a:p>
+            <a:r>
+              <a:rPr lang="en-US" altLang="zh-CN" dirty="0" smtClean="0"/>
+              <a:t>            #               </a:t>
+            </a:r>
+            <a:r>
+              <a:rPr lang="en-US" altLang="zh-CN" dirty="0" err="1" smtClean="0"/>
+              <a:t>login_path</a:t>
+            </a:r>
+            <a:r>
+              <a:rPr lang="en-US" altLang="zh-CN" dirty="0" smtClean="0"/>
+              <a:t>: </a:t>
+            </a:r>
+            <a:r>
+              <a:rPr lang="en-US" altLang="zh-CN" dirty="0" err="1" smtClean="0"/>
+              <a:t>hwi_oauth_connect</a:t>
+            </a:r>
+            <a:endParaRPr lang="en-US" altLang="zh-CN" dirty="0" smtClean="0"/>
+          </a:p>
+          <a:p>
+            <a:r>
+              <a:rPr lang="en-US" altLang="zh-CN" dirty="0" smtClean="0"/>
+              <a:t>            #               </a:t>
+            </a:r>
+            <a:r>
+              <a:rPr lang="en-US" altLang="zh-CN" dirty="0" err="1" smtClean="0"/>
+              <a:t>failure_path</a:t>
+            </a:r>
+            <a:r>
+              <a:rPr lang="en-US" altLang="zh-CN" dirty="0" smtClean="0"/>
+              <a:t>: </a:t>
+            </a:r>
+            <a:r>
+              <a:rPr lang="en-US" altLang="zh-CN" dirty="0" err="1" smtClean="0"/>
+              <a:t>hwi_oauth_connect</a:t>
+            </a:r>
+            <a:endParaRPr lang="en-US" altLang="zh-CN" dirty="0" smtClean="0"/>
+          </a:p>
+          <a:p>
+            <a:r>
+              <a:rPr lang="en-US" altLang="zh-CN" dirty="0" smtClean="0"/>
+              <a:t>            #               </a:t>
+            </a:r>
+            <a:r>
+              <a:rPr lang="en-US" altLang="zh-CN" dirty="0" err="1" smtClean="0"/>
+              <a:t>oauth_user_provider</a:t>
+            </a:r>
+            <a:r>
+              <a:rPr lang="en-US" altLang="zh-CN" dirty="0" smtClean="0"/>
+              <a:t>:</a:t>
+            </a:r>
+          </a:p>
+          <a:p>
+            <a:r>
+              <a:rPr lang="en-US" altLang="zh-CN" dirty="0" smtClean="0"/>
+              <a:t>            #                   service: </a:t>
+            </a:r>
+            <a:r>
+              <a:rPr lang="en-US" altLang="zh-CN" dirty="0" err="1" smtClean="0"/>
+              <a:t>hwi_oauth.user.provider</a:t>
+            </a:r>
+            <a:endParaRPr lang="en-US" altLang="zh-CN" dirty="0" smtClean="0"/>
+          </a:p>
+          <a:p>
+            <a:r>
+              <a:rPr lang="en-US" altLang="zh-CN" dirty="0" smtClean="0"/>
+              <a:t>            #               </a:t>
+            </a:r>
+            <a:r>
+              <a:rPr lang="en-US" altLang="zh-CN" dirty="0" err="1" smtClean="0"/>
+              <a:t>resource_owners</a:t>
+            </a:r>
+            <a:r>
+              <a:rPr lang="en-US" altLang="zh-CN" dirty="0" smtClean="0"/>
+              <a:t>:</a:t>
+            </a:r>
+          </a:p>
+          <a:p>
+            <a:r>
+              <a:rPr lang="en-US" altLang="zh-CN" dirty="0" smtClean="0"/>
+              <a:t>            #                   </a:t>
+            </a:r>
+            <a:r>
+              <a:rPr lang="en-US" altLang="zh-CN" dirty="0" err="1" smtClean="0"/>
+              <a:t>qq</a:t>
+            </a:r>
+            <a:r>
+              <a:rPr lang="en-US" altLang="zh-CN" dirty="0" smtClean="0"/>
+              <a:t>:  </a:t>
+            </a:r>
+            <a:r>
+              <a:rPr lang="en-US" altLang="zh-CN" dirty="0" err="1" smtClean="0"/>
+              <a:t>check_qq</a:t>
+            </a:r>
+            <a:endParaRPr lang="en-US" altLang="zh-CN" dirty="0" smtClean="0"/>
+          </a:p>
+          <a:p>
+            <a:endParaRPr lang="en-US" altLang="zh-CN" dirty="0" smtClean="0"/>
+          </a:p>
+          <a:p>
+            <a:r>
+              <a:rPr lang="en-US" altLang="zh-CN" dirty="0" smtClean="0"/>
+              <a:t>    </a:t>
+            </a:r>
+            <a:r>
+              <a:rPr lang="en-US" altLang="zh-CN" dirty="0" err="1" smtClean="0"/>
+              <a:t>access_control</a:t>
+            </a:r>
+            <a:r>
+              <a:rPr lang="en-US" altLang="zh-CN" dirty="0" smtClean="0"/>
+              <a:t>:</a:t>
+            </a:r>
+          </a:p>
+          <a:p>
+            <a:r>
+              <a:rPr lang="en-US" altLang="zh-CN" dirty="0" smtClean="0"/>
+              <a:t>        - { path: ^/news/(new|(\d+\/edit)), roles: IS_AUTHENTICATED_FULLY }</a:t>
+            </a:r>
+          </a:p>
+          <a:p>
+            <a:endParaRPr lang="en-US" altLang="zh-CN" dirty="0" smtClean="0"/>
+          </a:p>
+          <a:p>
+            <a:endParaRPr lang="en-US" altLang="zh-CN" dirty="0" smtClean="0"/>
+          </a:p>
+          <a:p>
+            <a:r>
+              <a:rPr lang="zh-CN" altLang="en-US" dirty="0" smtClean="0"/>
+              <a:t>参考</a:t>
+            </a:r>
+            <a:r>
+              <a:rPr lang="en-US" altLang="zh-CN" dirty="0" smtClean="0"/>
+              <a:t>http://www.chrisyue.com/symfony2-in-action-day-4.html</a:t>
+            </a:r>
+          </a:p>
+          <a:p>
+            <a:endParaRPr lang="en-US" altLang="zh-CN" dirty="0" smtClean="0"/>
+          </a:p>
+          <a:p>
+            <a:r>
+              <a:rPr lang="en-US" altLang="zh-CN" dirty="0" err="1" smtClean="0"/>
+              <a:t>Config</a:t>
+            </a:r>
+            <a:r>
+              <a:rPr lang="en-US" altLang="zh-CN" dirty="0" smtClean="0"/>
+              <a:t> (www.wenboguan.org)</a:t>
+            </a:r>
+          </a:p>
+          <a:p>
+            <a:endParaRPr lang="en-US" altLang="zh-CN" dirty="0" smtClean="0"/>
+          </a:p>
+          <a:p>
+            <a:r>
+              <a:rPr lang="en-US" altLang="zh-CN" dirty="0" err="1" smtClean="0"/>
+              <a:t>hwi_oauth</a:t>
+            </a:r>
+            <a:r>
+              <a:rPr lang="en-US" altLang="zh-CN" dirty="0" smtClean="0"/>
+              <a:t>:</a:t>
+            </a:r>
+          </a:p>
+          <a:p>
+            <a:r>
+              <a:rPr lang="en-US" altLang="zh-CN" dirty="0" smtClean="0"/>
+              <a:t>    </a:t>
+            </a:r>
+            <a:r>
+              <a:rPr lang="en-US" altLang="zh-CN" dirty="0" err="1" smtClean="0"/>
+              <a:t>firewall_name</a:t>
+            </a:r>
+            <a:r>
+              <a:rPr lang="en-US" altLang="zh-CN" dirty="0" smtClean="0"/>
+              <a:t>: </a:t>
+            </a:r>
+            <a:r>
+              <a:rPr lang="en-US" altLang="zh-CN" dirty="0" err="1" smtClean="0"/>
+              <a:t>secured_area</a:t>
+            </a:r>
+            <a:endParaRPr lang="en-US" altLang="zh-CN" dirty="0" smtClean="0"/>
+          </a:p>
+          <a:p>
+            <a:r>
+              <a:rPr lang="en-US" altLang="zh-CN" dirty="0" smtClean="0"/>
+              <a:t>    </a:t>
+            </a:r>
+            <a:r>
+              <a:rPr lang="en-US" altLang="zh-CN" dirty="0" err="1" smtClean="0"/>
+              <a:t>resource_owners</a:t>
+            </a:r>
+            <a:r>
+              <a:rPr lang="en-US" altLang="zh-CN" dirty="0" smtClean="0"/>
+              <a:t>:</a:t>
+            </a:r>
+          </a:p>
+          <a:p>
+            <a:r>
+              <a:rPr lang="en-US" altLang="zh-CN" dirty="0" smtClean="0"/>
+              <a:t>        </a:t>
+            </a:r>
+            <a:r>
+              <a:rPr lang="en-US" altLang="zh-CN" dirty="0" err="1" smtClean="0"/>
+              <a:t>qq</a:t>
+            </a:r>
+            <a:r>
+              <a:rPr lang="en-US" altLang="zh-CN" dirty="0" smtClean="0"/>
+              <a:t>:</a:t>
+            </a:r>
+          </a:p>
+          <a:p>
+            <a:r>
+              <a:rPr lang="en-US" altLang="zh-CN" dirty="0" smtClean="0"/>
+              <a:t>           type:                </a:t>
+            </a:r>
+            <a:r>
+              <a:rPr lang="en-US" altLang="zh-CN" dirty="0" err="1" smtClean="0"/>
+              <a:t>qq</a:t>
+            </a:r>
+            <a:endParaRPr lang="en-US" altLang="zh-CN" dirty="0" smtClean="0"/>
+          </a:p>
+          <a:p>
+            <a:r>
+              <a:rPr lang="en-US" altLang="zh-CN" dirty="0" smtClean="0"/>
+              <a:t>           </a:t>
+            </a:r>
+            <a:r>
+              <a:rPr lang="en-US" altLang="zh-CN" dirty="0" err="1" smtClean="0"/>
+              <a:t>client_id</a:t>
+            </a:r>
+            <a:r>
+              <a:rPr lang="en-US" altLang="zh-CN" dirty="0" smtClean="0"/>
+              <a:t>:           100514717</a:t>
+            </a:r>
+          </a:p>
+          <a:p>
+            <a:r>
+              <a:rPr lang="en-US" altLang="zh-CN" dirty="0" smtClean="0"/>
+              <a:t>           </a:t>
+            </a:r>
+            <a:r>
+              <a:rPr lang="en-US" altLang="zh-CN" dirty="0" err="1" smtClean="0"/>
+              <a:t>client_secret</a:t>
+            </a:r>
+            <a:r>
+              <a:rPr lang="en-US" altLang="zh-CN" dirty="0" smtClean="0"/>
+              <a:t>:       799dfbdbb6ae24e47820d04033118f44xxxooo</a:t>
+            </a:r>
+          </a:p>
+          <a:p>
+            <a:r>
+              <a:rPr lang="en-US" altLang="zh-CN" dirty="0" smtClean="0"/>
+              <a:t>    </a:t>
+            </a:r>
+            <a:r>
+              <a:rPr lang="en-US" altLang="zh-CN" dirty="0" err="1" smtClean="0"/>
+              <a:t>fosub</a:t>
+            </a:r>
+            <a:r>
+              <a:rPr lang="en-US" altLang="zh-CN" dirty="0" smtClean="0"/>
+              <a:t>:</a:t>
+            </a:r>
+          </a:p>
+          <a:p>
+            <a:r>
+              <a:rPr lang="en-US" altLang="zh-CN" dirty="0" smtClean="0"/>
+              <a:t>        properties:</a:t>
+            </a:r>
+          </a:p>
+          <a:p>
+            <a:r>
+              <a:rPr lang="en-US" altLang="zh-CN" dirty="0" smtClean="0"/>
+              <a:t>            </a:t>
+            </a:r>
+            <a:r>
+              <a:rPr lang="en-US" altLang="zh-CN" dirty="0" err="1" smtClean="0"/>
+              <a:t>qq</a:t>
+            </a:r>
+            <a:r>
+              <a:rPr lang="en-US" altLang="zh-CN" dirty="0" smtClean="0"/>
+              <a:t>: </a:t>
+            </a:r>
+            <a:r>
+              <a:rPr lang="en-US" altLang="zh-CN" dirty="0" err="1" smtClean="0"/>
+              <a:t>qqId</a:t>
+            </a:r>
+            <a:endParaRPr lang="en-US" altLang="zh-CN" dirty="0" smtClean="0"/>
+          </a:p>
+          <a:p>
+            <a:r>
+              <a:rPr lang="en-US" altLang="zh-CN" dirty="0" smtClean="0"/>
+              <a:t>    connect: ~</a:t>
+            </a:r>
+          </a:p>
+        </p:txBody>
+      </p:sp>
+      <p:sp>
+        <p:nvSpPr>
+          <p:cNvPr id="4" name="灯片编号占位符 3"/>
+          <p:cNvSpPr>
+            <a:spLocks noGrp="1"/>
+          </p:cNvSpPr>
+          <p:nvPr>
+            <p:ph type="sldNum" sz="quarter" idx="10"/>
+          </p:nvPr>
+        </p:nvSpPr>
+        <p:spPr/>
+        <p:txBody>
+          <a:bodyPr/>
+          <a:lstStyle/>
+          <a:p>
+            <a:fld id="{BCEC405F-F40D-423E-A1C1-C0BB48CFFEA4}" type="slidenum">
+              <a:rPr lang="zh-CN" altLang="en-US" smtClean="0"/>
+              <a:t>12</a:t>
+            </a:fld>
+            <a:endParaRPr lang="zh-CN" altLang="en-US"/>
+          </a:p>
+        </p:txBody>
+      </p:sp>
+    </p:spTree>
+    <p:extLst>
+      <p:ext uri="{BB962C8B-B14F-4D97-AF65-F5344CB8AC3E}">
+        <p14:creationId xmlns:p14="http://schemas.microsoft.com/office/powerpoint/2010/main" val="3320929631"/>
+      </p:ext>
+    </p:extLst>
+  </p:cSld>
+  <p:clrMapOvr>
+    <a:masterClrMapping/>
+  </p:clrMapOvr>
+</p:notes>
+</file>
+
 <file path=ppt/notesSlides/notesSlide2.xml><?xml version="1.0" encoding="utf-8"?>
 <p:notes xmlns:a="http://schemas.openxmlformats.org/drawingml/2006/main" xmlns:r="http://schemas.openxmlformats.org/officeDocument/2006/relationships" xmlns:p="http://schemas.openxmlformats.org/presentationml/2006/main">
   <p:cSld>
@@ -1297,6 +3734,195 @@
           <a:bodyPr/>
           <a:lstStyle/>
           <a:p>
+            <a:r>
+              <a:rPr lang="en-US" altLang="zh-CN" dirty="0" smtClean="0"/>
+              <a:t> firewalls:</a:t>
+            </a:r>
+          </a:p>
+          <a:p>
+            <a:r>
+              <a:rPr lang="en-US" altLang="zh-CN" dirty="0" smtClean="0"/>
+              <a:t>        # disables authentication for assets and the profiler, adapt it according to your needs</a:t>
+            </a:r>
+          </a:p>
+          <a:p>
+            <a:r>
+              <a:rPr lang="en-US" altLang="zh-CN" dirty="0" smtClean="0"/>
+              <a:t>        dev:</a:t>
+            </a:r>
+          </a:p>
+          <a:p>
+            <a:r>
+              <a:rPr lang="en-US" altLang="zh-CN" dirty="0" smtClean="0"/>
+              <a:t>            pattern: ^/(_(</a:t>
+            </a:r>
+            <a:r>
+              <a:rPr lang="en-US" altLang="zh-CN" dirty="0" err="1" smtClean="0"/>
+              <a:t>profiler|wdt</a:t>
+            </a:r>
+            <a:r>
+              <a:rPr lang="en-US" altLang="zh-CN" dirty="0" smtClean="0"/>
+              <a:t>)|</a:t>
+            </a:r>
+            <a:r>
+              <a:rPr lang="en-US" altLang="zh-CN" dirty="0" err="1" smtClean="0"/>
+              <a:t>css|images|js</a:t>
+            </a:r>
+            <a:r>
+              <a:rPr lang="en-US" altLang="zh-CN" dirty="0" smtClean="0"/>
+              <a:t>)/</a:t>
+            </a:r>
+          </a:p>
+          <a:p>
+            <a:r>
+              <a:rPr lang="en-US" altLang="zh-CN" dirty="0" smtClean="0"/>
+              <a:t>            security: false</a:t>
+            </a:r>
+          </a:p>
+          <a:p>
+            <a:r>
+              <a:rPr lang="en-US" altLang="zh-CN" dirty="0" smtClean="0"/>
+              <a:t>        login:</a:t>
+            </a:r>
+          </a:p>
+          <a:p>
+            <a:r>
+              <a:rPr lang="en-US" altLang="zh-CN" dirty="0" smtClean="0"/>
+              <a:t>            pattern: ^/login$</a:t>
+            </a:r>
+          </a:p>
+          <a:p>
+            <a:r>
+              <a:rPr lang="en-US" altLang="zh-CN" dirty="0" smtClean="0"/>
+              <a:t>            anonymous: ~</a:t>
+            </a:r>
+          </a:p>
+          <a:p>
+            <a:r>
+              <a:rPr lang="en-US" altLang="zh-CN" dirty="0" smtClean="0"/>
+              <a:t>        http:</a:t>
+            </a:r>
+          </a:p>
+          <a:p>
+            <a:r>
+              <a:rPr lang="en-US" altLang="zh-CN" dirty="0" smtClean="0"/>
+              <a:t>            anonymous: false</a:t>
+            </a:r>
+          </a:p>
+          <a:p>
+            <a:r>
+              <a:rPr lang="en-US" altLang="zh-CN" dirty="0" smtClean="0"/>
+              <a:t>            </a:t>
+            </a:r>
+            <a:r>
+              <a:rPr lang="en-US" altLang="zh-CN" dirty="0" err="1" smtClean="0"/>
+              <a:t>http_basic</a:t>
+            </a:r>
+            <a:r>
+              <a:rPr lang="en-US" altLang="zh-CN" dirty="0" smtClean="0"/>
+              <a:t>: ~</a:t>
+            </a:r>
+          </a:p>
+          <a:p>
+            <a:r>
+              <a:rPr lang="en-US" altLang="zh-CN" dirty="0" smtClean="0"/>
+              <a:t>            </a:t>
+            </a:r>
+            <a:r>
+              <a:rPr lang="en-US" altLang="zh-CN" dirty="0" err="1" smtClean="0"/>
+              <a:t>form_login</a:t>
+            </a:r>
+            <a:r>
+              <a:rPr lang="en-US" altLang="zh-CN" dirty="0" smtClean="0"/>
+              <a:t>:</a:t>
+            </a:r>
+          </a:p>
+          <a:p>
+            <a:r>
+              <a:rPr lang="en-US" altLang="zh-CN" dirty="0" smtClean="0"/>
+              <a:t>               </a:t>
+            </a:r>
+            <a:r>
+              <a:rPr lang="en-US" altLang="zh-CN" dirty="0" err="1" smtClean="0"/>
+              <a:t>login_path</a:t>
+            </a:r>
+            <a:r>
+              <a:rPr lang="en-US" altLang="zh-CN" dirty="0" smtClean="0"/>
+              <a:t>: </a:t>
+            </a:r>
+            <a:r>
+              <a:rPr lang="en-US" altLang="zh-CN" dirty="0" err="1" smtClean="0"/>
+              <a:t>login_route</a:t>
+            </a:r>
+            <a:endParaRPr lang="en-US" altLang="zh-CN" dirty="0" smtClean="0"/>
+          </a:p>
+          <a:p>
+            <a:r>
+              <a:rPr lang="en-US" altLang="zh-CN" dirty="0" smtClean="0"/>
+              <a:t>               </a:t>
+            </a:r>
+            <a:r>
+              <a:rPr lang="en-US" altLang="zh-CN" dirty="0" err="1" smtClean="0"/>
+              <a:t>check_path</a:t>
+            </a:r>
+            <a:r>
+              <a:rPr lang="en-US" altLang="zh-CN" dirty="0" smtClean="0"/>
+              <a:t>: </a:t>
+            </a:r>
+            <a:r>
+              <a:rPr lang="en-US" altLang="zh-CN" dirty="0" err="1" smtClean="0"/>
+              <a:t>login_check</a:t>
+            </a:r>
+            <a:endParaRPr lang="en-US" altLang="zh-CN" dirty="0" smtClean="0"/>
+          </a:p>
+          <a:p>
+            <a:r>
+              <a:rPr lang="en-US" altLang="zh-CN" dirty="0" smtClean="0"/>
+              <a:t>            logout:</a:t>
+            </a:r>
+          </a:p>
+          <a:p>
+            <a:r>
+              <a:rPr lang="en-US" altLang="zh-CN" dirty="0" smtClean="0"/>
+              <a:t>                path:   /logout</a:t>
+            </a:r>
+          </a:p>
+          <a:p>
+            <a:r>
+              <a:rPr lang="en-US" altLang="zh-CN" dirty="0" smtClean="0"/>
+              <a:t>                target: /</a:t>
+            </a:r>
+          </a:p>
+          <a:p>
+            <a:r>
+              <a:rPr lang="en-US" altLang="zh-CN" dirty="0" smtClean="0"/>
+              <a:t>        </a:t>
+            </a:r>
+            <a:r>
+              <a:rPr lang="en-US" altLang="zh-CN" dirty="0" err="1" smtClean="0"/>
+              <a:t>login_check</a:t>
+            </a:r>
+            <a:r>
+              <a:rPr lang="en-US" altLang="zh-CN" dirty="0" smtClean="0"/>
+              <a:t>:</a:t>
+            </a:r>
+          </a:p>
+          <a:p>
+            <a:r>
+              <a:rPr lang="en-US" altLang="zh-CN" dirty="0" smtClean="0"/>
+              <a:t>            pattern: ^/</a:t>
+            </a:r>
+            <a:r>
+              <a:rPr lang="en-US" altLang="zh-CN" dirty="0" err="1" smtClean="0"/>
+              <a:t>login_check</a:t>
+            </a:r>
+            <a:endParaRPr lang="en-US" altLang="zh-CN" dirty="0" smtClean="0"/>
+          </a:p>
+          <a:p>
+            <a:r>
+              <a:rPr lang="en-US" altLang="zh-CN" dirty="0" smtClean="0"/>
+              <a:t>            anonymous: ~</a:t>
+            </a:r>
             <a:endParaRPr lang="zh-CN" altLang="en-US" dirty="0"/>
           </a:p>
         </p:txBody>
@@ -1403,6 +4029,1957 @@
             <a:fld id="{BCEC405F-F40D-423E-A1C1-C0BB48CFFEA4}" type="slidenum">
               <a:rPr lang="zh-CN" altLang="en-US" smtClean="0"/>
               <a:t>7</a:t>
+            </a:fld>
+            <a:endParaRPr lang="zh-CN" altLang="en-US"/>
+          </a:p>
+        </p:txBody>
+      </p:sp>
+    </p:spTree>
+    <p:extLst>
+      <p:ext uri="{BB962C8B-B14F-4D97-AF65-F5344CB8AC3E}">
+        <p14:creationId xmlns:p14="http://schemas.microsoft.com/office/powerpoint/2010/main" val="3320929631"/>
+      </p:ext>
+    </p:extLst>
+  </p:cSld>
+  <p:clrMapOvr>
+    <a:masterClrMapping/>
+  </p:clrMapOvr>
+</p:notes>
+</file>
+
+<file path=ppt/notesSlides/notesSlide7.xml><?xml version="1.0" encoding="utf-8"?>
+<p:notes xmlns:a="http://schemas.openxmlformats.org/drawingml/2006/main" xmlns:r="http://schemas.openxmlformats.org/officeDocument/2006/relationships" xmlns:p="http://schemas.openxmlformats.org/presentationml/2006/main">
+  <p:cSld>
+    <p:spTree>
+      <p:nvGrpSpPr>
+        <p:cNvPr id="1" name=""/>
+        <p:cNvGrpSpPr/>
+        <p:nvPr/>
+      </p:nvGrpSpPr>
+      <p:grpSpPr>
+        <a:xfrm>
+          <a:off x="0" y="0"/>
+          <a:ext cx="0" cy="0"/>
+          <a:chOff x="0" y="0"/>
+          <a:chExt cx="0" cy="0"/>
+        </a:xfrm>
+      </p:grpSpPr>
+      <p:sp>
+        <p:nvSpPr>
+          <p:cNvPr id="2" name="幻灯片图像占位符 1"/>
+          <p:cNvSpPr>
+            <a:spLocks noGrp="1" noRot="1" noChangeAspect="1"/>
+          </p:cNvSpPr>
+          <p:nvPr>
+            <p:ph type="sldImg"/>
+          </p:nvPr>
+        </p:nvSpPr>
+        <p:spPr/>
+      </p:sp>
+      <p:sp>
+        <p:nvSpPr>
+          <p:cNvPr id="3" name="备注占位符 2"/>
+          <p:cNvSpPr>
+            <a:spLocks noGrp="1"/>
+          </p:cNvSpPr>
+          <p:nvPr>
+            <p:ph type="body" idx="1"/>
+          </p:nvPr>
+        </p:nvSpPr>
+        <p:spPr/>
+        <p:txBody>
+          <a:bodyPr/>
+          <a:lstStyle/>
+          <a:p>
+            <a:r>
+              <a:rPr lang="en-US" altLang="zh-CN" dirty="0" smtClean="0"/>
+              <a:t>security:</a:t>
+            </a:r>
+          </a:p>
+          <a:p>
+            <a:r>
+              <a:rPr lang="en-US" altLang="zh-CN" baseline="0" dirty="0" smtClean="0"/>
+              <a:t>    </a:t>
+            </a:r>
+            <a:r>
+              <a:rPr lang="en-US" altLang="zh-CN" dirty="0" smtClean="0"/>
+              <a:t>providers:</a:t>
+            </a:r>
+          </a:p>
+          <a:p>
+            <a:r>
+              <a:rPr lang="en-US" altLang="zh-CN" dirty="0" smtClean="0"/>
+              <a:t>        </a:t>
+            </a:r>
+            <a:r>
+              <a:rPr lang="en-US" altLang="zh-CN" dirty="0" err="1" smtClean="0"/>
+              <a:t>in_memory</a:t>
+            </a:r>
+            <a:r>
+              <a:rPr lang="en-US" altLang="zh-CN" dirty="0" smtClean="0"/>
+              <a:t>:</a:t>
+            </a:r>
+          </a:p>
+          <a:p>
+            <a:r>
+              <a:rPr lang="en-US" altLang="zh-CN" dirty="0" smtClean="0"/>
+              <a:t>            memory:</a:t>
+            </a:r>
+          </a:p>
+          <a:p>
+            <a:r>
+              <a:rPr lang="en-US" altLang="zh-CN" dirty="0" smtClean="0"/>
+              <a:t>              users:</a:t>
+            </a:r>
+          </a:p>
+          <a:p>
+            <a:r>
+              <a:rPr lang="en-US" altLang="zh-CN" dirty="0" smtClean="0"/>
+              <a:t>                 admin:</a:t>
+            </a:r>
+          </a:p>
+          <a:p>
+            <a:r>
+              <a:rPr lang="en-US" altLang="zh-CN" dirty="0" smtClean="0"/>
+              <a:t>                   password: 123456</a:t>
+            </a:r>
+          </a:p>
+          <a:p>
+            <a:r>
+              <a:rPr lang="en-US" altLang="zh-CN" dirty="0" smtClean="0"/>
+              <a:t>                   roles: ROLE_ADMIN</a:t>
+            </a:r>
+          </a:p>
+          <a:p>
+            <a:r>
+              <a:rPr lang="en-US" altLang="zh-CN" dirty="0" smtClean="0"/>
+              <a:t>                 </a:t>
+            </a:r>
+            <a:r>
+              <a:rPr lang="en-US" altLang="zh-CN" dirty="0" err="1" smtClean="0"/>
+              <a:t>haha</a:t>
+            </a:r>
+            <a:r>
+              <a:rPr lang="en-US" altLang="zh-CN" dirty="0" smtClean="0"/>
+              <a:t>:</a:t>
+            </a:r>
+          </a:p>
+          <a:p>
+            <a:r>
+              <a:rPr lang="en-US" altLang="zh-CN" dirty="0" smtClean="0"/>
+              <a:t>                   password: 123456</a:t>
+            </a:r>
+          </a:p>
+          <a:p>
+            <a:r>
+              <a:rPr lang="en-US" altLang="zh-CN" dirty="0" smtClean="0"/>
+              <a:t>                   roles: ROLE_HAHA</a:t>
+            </a:r>
+          </a:p>
+          <a:p>
+            <a:r>
+              <a:rPr lang="en-US" altLang="zh-CN" dirty="0" smtClean="0"/>
+              <a:t>    encoders:</a:t>
+            </a:r>
+          </a:p>
+          <a:p>
+            <a:r>
+              <a:rPr lang="en-US" altLang="zh-CN" dirty="0" smtClean="0"/>
+              <a:t>        </a:t>
+            </a:r>
+            <a:r>
+              <a:rPr lang="en-US" altLang="zh-CN" dirty="0" err="1" smtClean="0"/>
+              <a:t>Symfony</a:t>
+            </a:r>
+            <a:r>
+              <a:rPr lang="en-US" altLang="zh-CN" dirty="0" smtClean="0"/>
+              <a:t>\Component\Security\Core\User\User: plaintext</a:t>
+            </a:r>
+          </a:p>
+          <a:p>
+            <a:endParaRPr lang="en-US" altLang="zh-CN" dirty="0" smtClean="0"/>
+          </a:p>
+          <a:p>
+            <a:r>
+              <a:rPr lang="en-US" altLang="zh-CN" dirty="0" smtClean="0"/>
+              <a:t>    firewalls:</a:t>
+            </a:r>
+          </a:p>
+          <a:p>
+            <a:r>
+              <a:rPr lang="en-US" altLang="zh-CN" baseline="0" dirty="0" smtClean="0"/>
+              <a:t>        </a:t>
+            </a:r>
+            <a:r>
+              <a:rPr lang="en-US" altLang="zh-CN" dirty="0" smtClean="0"/>
+              <a:t>dev:</a:t>
+            </a:r>
+          </a:p>
+          <a:p>
+            <a:r>
+              <a:rPr lang="en-US" altLang="zh-CN" dirty="0" smtClean="0"/>
+              <a:t>            pattern: ^/(_(</a:t>
+            </a:r>
+            <a:r>
+              <a:rPr lang="en-US" altLang="zh-CN" dirty="0" err="1" smtClean="0"/>
+              <a:t>profiler|wdt</a:t>
+            </a:r>
+            <a:r>
+              <a:rPr lang="en-US" altLang="zh-CN" dirty="0" smtClean="0"/>
+              <a:t>)|</a:t>
+            </a:r>
+            <a:r>
+              <a:rPr lang="en-US" altLang="zh-CN" dirty="0" err="1" smtClean="0"/>
+              <a:t>css|images|js</a:t>
+            </a:r>
+            <a:r>
+              <a:rPr lang="en-US" altLang="zh-CN" dirty="0" smtClean="0"/>
+              <a:t>)/</a:t>
+            </a:r>
+          </a:p>
+          <a:p>
+            <a:r>
+              <a:rPr lang="en-US" altLang="zh-CN" dirty="0" smtClean="0"/>
+              <a:t>            security: false</a:t>
+            </a:r>
+          </a:p>
+          <a:p>
+            <a:r>
+              <a:rPr lang="en-US" altLang="zh-CN" dirty="0" smtClean="0"/>
+              <a:t>        http:</a:t>
+            </a:r>
+          </a:p>
+          <a:p>
+            <a:r>
+              <a:rPr lang="en-US" altLang="zh-CN" dirty="0" smtClean="0"/>
+              <a:t>            anonymous: false</a:t>
+            </a:r>
+          </a:p>
+          <a:p>
+            <a:r>
+              <a:rPr lang="en-US" altLang="zh-CN" dirty="0" smtClean="0"/>
+              <a:t>            </a:t>
+            </a:r>
+            <a:r>
+              <a:rPr lang="en-US" altLang="zh-CN" dirty="0" err="1" smtClean="0"/>
+              <a:t>http_basic</a:t>
+            </a:r>
+            <a:r>
+              <a:rPr lang="en-US" altLang="zh-CN" dirty="0" smtClean="0"/>
+              <a:t>: ~</a:t>
+            </a:r>
+          </a:p>
+          <a:p>
+            <a:r>
+              <a:rPr lang="en-US" altLang="zh-CN" dirty="0" err="1" smtClean="0"/>
+              <a:t>access_control</a:t>
+            </a:r>
+            <a:r>
+              <a:rPr lang="en-US" altLang="zh-CN" dirty="0" smtClean="0"/>
+              <a:t>:</a:t>
+            </a:r>
+          </a:p>
+          <a:p>
+            <a:r>
+              <a:rPr lang="en-US" altLang="zh-CN" dirty="0" smtClean="0"/>
+              <a:t>        - {path: ^/http, roles: ROLE_ADMIN}</a:t>
+            </a:r>
+            <a:endParaRPr lang="zh-CN" altLang="en-US" dirty="0"/>
+          </a:p>
+        </p:txBody>
+      </p:sp>
+      <p:sp>
+        <p:nvSpPr>
+          <p:cNvPr id="4" name="灯片编号占位符 3"/>
+          <p:cNvSpPr>
+            <a:spLocks noGrp="1"/>
+          </p:cNvSpPr>
+          <p:nvPr>
+            <p:ph type="sldNum" sz="quarter" idx="10"/>
+          </p:nvPr>
+        </p:nvSpPr>
+        <p:spPr/>
+        <p:txBody>
+          <a:bodyPr/>
+          <a:lstStyle/>
+          <a:p>
+            <a:fld id="{BCEC405F-F40D-423E-A1C1-C0BB48CFFEA4}" type="slidenum">
+              <a:rPr lang="zh-CN" altLang="en-US" smtClean="0"/>
+              <a:t>8</a:t>
+            </a:fld>
+            <a:endParaRPr lang="zh-CN" altLang="en-US"/>
+          </a:p>
+        </p:txBody>
+      </p:sp>
+    </p:spTree>
+    <p:extLst>
+      <p:ext uri="{BB962C8B-B14F-4D97-AF65-F5344CB8AC3E}">
+        <p14:creationId xmlns:p14="http://schemas.microsoft.com/office/powerpoint/2010/main" val="3320929631"/>
+      </p:ext>
+    </p:extLst>
+  </p:cSld>
+  <p:clrMapOvr>
+    <a:masterClrMapping/>
+  </p:clrMapOvr>
+</p:notes>
+</file>
+
+<file path=ppt/notesSlides/notesSlide8.xml><?xml version="1.0" encoding="utf-8"?>
+<p:notes xmlns:a="http://schemas.openxmlformats.org/drawingml/2006/main" xmlns:r="http://schemas.openxmlformats.org/officeDocument/2006/relationships" xmlns:p="http://schemas.openxmlformats.org/presentationml/2006/main">
+  <p:cSld>
+    <p:spTree>
+      <p:nvGrpSpPr>
+        <p:cNvPr id="1" name=""/>
+        <p:cNvGrpSpPr/>
+        <p:nvPr/>
+      </p:nvGrpSpPr>
+      <p:grpSpPr>
+        <a:xfrm>
+          <a:off x="0" y="0"/>
+          <a:ext cx="0" cy="0"/>
+          <a:chOff x="0" y="0"/>
+          <a:chExt cx="0" cy="0"/>
+        </a:xfrm>
+      </p:grpSpPr>
+      <p:sp>
+        <p:nvSpPr>
+          <p:cNvPr id="2" name="幻灯片图像占位符 1"/>
+          <p:cNvSpPr>
+            <a:spLocks noGrp="1" noRot="1" noChangeAspect="1"/>
+          </p:cNvSpPr>
+          <p:nvPr>
+            <p:ph type="sldImg"/>
+          </p:nvPr>
+        </p:nvSpPr>
+        <p:spPr/>
+      </p:sp>
+      <p:sp>
+        <p:nvSpPr>
+          <p:cNvPr id="3" name="备注占位符 2"/>
+          <p:cNvSpPr>
+            <a:spLocks noGrp="1"/>
+          </p:cNvSpPr>
+          <p:nvPr>
+            <p:ph type="body" idx="1"/>
+          </p:nvPr>
+        </p:nvSpPr>
+        <p:spPr/>
+        <p:txBody>
+          <a:bodyPr/>
+          <a:lstStyle/>
+          <a:p>
+            <a:r>
+              <a:rPr lang="en-US" altLang="zh-CN" dirty="0" smtClean="0"/>
+              <a:t> login:</a:t>
+            </a:r>
+          </a:p>
+          <a:p>
+            <a:r>
+              <a:rPr lang="en-US" altLang="zh-CN" dirty="0" smtClean="0"/>
+              <a:t>            pattern: ^/login$</a:t>
+            </a:r>
+          </a:p>
+          <a:p>
+            <a:r>
+              <a:rPr lang="en-US" altLang="zh-CN" dirty="0" smtClean="0"/>
+              <a:t>            anonymous: ~</a:t>
+            </a:r>
+          </a:p>
+          <a:p>
+            <a:endParaRPr lang="en-US" altLang="zh-CN" dirty="0" smtClean="0"/>
+          </a:p>
+          <a:p>
+            <a:r>
+              <a:rPr lang="en-US" altLang="zh-CN" dirty="0" smtClean="0"/>
+              <a:t> </a:t>
+            </a:r>
+            <a:r>
+              <a:rPr lang="en-US" altLang="zh-CN" dirty="0" err="1" smtClean="0"/>
+              <a:t>html_form</a:t>
+            </a:r>
+            <a:r>
+              <a:rPr lang="en-US" altLang="zh-CN" dirty="0" smtClean="0"/>
+              <a:t>:</a:t>
+            </a:r>
+          </a:p>
+          <a:p>
+            <a:r>
+              <a:rPr lang="en-US" altLang="zh-CN" dirty="0" smtClean="0"/>
+              <a:t>            anonymous: false</a:t>
+            </a:r>
+          </a:p>
+          <a:p>
+            <a:r>
+              <a:rPr lang="en-US" altLang="zh-CN" dirty="0" smtClean="0"/>
+              <a:t>            </a:t>
+            </a:r>
+            <a:r>
+              <a:rPr lang="en-US" altLang="zh-CN" dirty="0" err="1" smtClean="0"/>
+              <a:t>form_login</a:t>
+            </a:r>
+            <a:r>
+              <a:rPr lang="en-US" altLang="zh-CN" dirty="0" smtClean="0"/>
+              <a:t>:</a:t>
+            </a:r>
+          </a:p>
+          <a:p>
+            <a:r>
+              <a:rPr lang="en-US" altLang="zh-CN" dirty="0" smtClean="0"/>
+              <a:t>               </a:t>
+            </a:r>
+            <a:r>
+              <a:rPr lang="en-US" altLang="zh-CN" dirty="0" err="1" smtClean="0"/>
+              <a:t>login_path</a:t>
+            </a:r>
+            <a:r>
+              <a:rPr lang="en-US" altLang="zh-CN" dirty="0" smtClean="0"/>
+              <a:t>: </a:t>
+            </a:r>
+            <a:r>
+              <a:rPr lang="en-US" altLang="zh-CN" dirty="0" err="1" smtClean="0"/>
+              <a:t>login_route</a:t>
+            </a:r>
+            <a:endParaRPr lang="en-US" altLang="zh-CN" dirty="0" smtClean="0"/>
+          </a:p>
+          <a:p>
+            <a:r>
+              <a:rPr lang="en-US" altLang="zh-CN" dirty="0" smtClean="0"/>
+              <a:t>               </a:t>
+            </a:r>
+            <a:r>
+              <a:rPr lang="en-US" altLang="zh-CN" dirty="0" err="1" smtClean="0"/>
+              <a:t>check_path</a:t>
+            </a:r>
+            <a:r>
+              <a:rPr lang="en-US" altLang="zh-CN" dirty="0" smtClean="0"/>
+              <a:t>: </a:t>
+            </a:r>
+            <a:r>
+              <a:rPr lang="en-US" altLang="zh-CN" dirty="0" err="1" smtClean="0"/>
+              <a:t>login_check</a:t>
+            </a:r>
+            <a:endParaRPr lang="en-US" altLang="zh-CN" dirty="0" smtClean="0"/>
+          </a:p>
+          <a:p>
+            <a:r>
+              <a:rPr lang="en-US" altLang="zh-CN" dirty="0" smtClean="0"/>
+              <a:t>            logout:</a:t>
+            </a:r>
+          </a:p>
+          <a:p>
+            <a:r>
+              <a:rPr lang="en-US" altLang="zh-CN" dirty="0" smtClean="0"/>
+              <a:t>                path:   /logout</a:t>
+            </a:r>
+          </a:p>
+          <a:p>
+            <a:r>
+              <a:rPr lang="en-US" altLang="zh-CN" dirty="0" smtClean="0"/>
+              <a:t>                target: /</a:t>
+            </a:r>
+          </a:p>
+          <a:p>
+            <a:endParaRPr lang="en-US" altLang="zh-CN" dirty="0" smtClean="0"/>
+          </a:p>
+          <a:p>
+            <a:endParaRPr lang="en-US" altLang="zh-CN" dirty="0" smtClean="0"/>
+          </a:p>
+          <a:p>
+            <a:r>
+              <a:rPr lang="en-US" altLang="zh-CN" dirty="0" smtClean="0"/>
+              <a:t> public function </a:t>
+            </a:r>
+            <a:r>
+              <a:rPr lang="en-US" altLang="zh-CN" dirty="0" err="1" smtClean="0"/>
+              <a:t>loginAction</a:t>
+            </a:r>
+            <a:r>
+              <a:rPr lang="en-US" altLang="zh-CN" dirty="0" smtClean="0"/>
+              <a:t>(Request $request)</a:t>
+            </a:r>
+          </a:p>
+          <a:p>
+            <a:r>
+              <a:rPr lang="en-US" altLang="zh-CN" dirty="0" smtClean="0"/>
+              <a:t>    {</a:t>
+            </a:r>
+          </a:p>
+          <a:p>
+            <a:r>
+              <a:rPr lang="en-US" altLang="zh-CN" dirty="0" smtClean="0"/>
+              <a:t>        $</a:t>
+            </a:r>
+            <a:r>
+              <a:rPr lang="en-US" altLang="zh-CN" dirty="0" err="1" smtClean="0"/>
+              <a:t>authenticationUtils</a:t>
+            </a:r>
+            <a:r>
+              <a:rPr lang="en-US" altLang="zh-CN" dirty="0" smtClean="0"/>
+              <a:t> = $this-&gt;get('</a:t>
+            </a:r>
+            <a:r>
+              <a:rPr lang="en-US" altLang="zh-CN" dirty="0" err="1" smtClean="0"/>
+              <a:t>security.authentication_utils</a:t>
+            </a:r>
+            <a:r>
+              <a:rPr lang="en-US" altLang="zh-CN" dirty="0" smtClean="0"/>
+              <a:t>');</a:t>
+            </a:r>
+          </a:p>
+          <a:p>
+            <a:endParaRPr lang="en-US" altLang="zh-CN" dirty="0" smtClean="0"/>
+          </a:p>
+          <a:p>
+            <a:r>
+              <a:rPr lang="en-US" altLang="zh-CN" dirty="0" smtClean="0"/>
+              <a:t>        // get the login error if there is one</a:t>
+            </a:r>
+          </a:p>
+          <a:p>
+            <a:r>
+              <a:rPr lang="en-US" altLang="zh-CN" dirty="0" smtClean="0"/>
+              <a:t>        $error = $</a:t>
+            </a:r>
+            <a:r>
+              <a:rPr lang="en-US" altLang="zh-CN" dirty="0" err="1" smtClean="0"/>
+              <a:t>authenticationUtils</a:t>
+            </a:r>
+            <a:r>
+              <a:rPr lang="en-US" altLang="zh-CN" dirty="0" smtClean="0"/>
+              <a:t>-&gt;</a:t>
+            </a:r>
+            <a:r>
+              <a:rPr lang="en-US" altLang="zh-CN" dirty="0" err="1" smtClean="0"/>
+              <a:t>getLastAuthenticationError</a:t>
+            </a:r>
+            <a:r>
+              <a:rPr lang="en-US" altLang="zh-CN" dirty="0" smtClean="0"/>
+              <a:t>();</a:t>
+            </a:r>
+          </a:p>
+          <a:p>
+            <a:endParaRPr lang="en-US" altLang="zh-CN" dirty="0" smtClean="0"/>
+          </a:p>
+          <a:p>
+            <a:r>
+              <a:rPr lang="en-US" altLang="zh-CN" dirty="0" smtClean="0"/>
+              <a:t>        // last username entered by the user</a:t>
+            </a:r>
+          </a:p>
+          <a:p>
+            <a:r>
+              <a:rPr lang="en-US" altLang="zh-CN" dirty="0" smtClean="0"/>
+              <a:t>        $</a:t>
+            </a:r>
+            <a:r>
+              <a:rPr lang="en-US" altLang="zh-CN" dirty="0" err="1" smtClean="0"/>
+              <a:t>lastUsername</a:t>
+            </a:r>
+            <a:r>
+              <a:rPr lang="en-US" altLang="zh-CN" dirty="0" smtClean="0"/>
+              <a:t> = $</a:t>
+            </a:r>
+            <a:r>
+              <a:rPr lang="en-US" altLang="zh-CN" dirty="0" err="1" smtClean="0"/>
+              <a:t>authenticationUtils</a:t>
+            </a:r>
+            <a:r>
+              <a:rPr lang="en-US" altLang="zh-CN" dirty="0" smtClean="0"/>
+              <a:t>-&gt;</a:t>
+            </a:r>
+            <a:r>
+              <a:rPr lang="en-US" altLang="zh-CN" dirty="0" err="1" smtClean="0"/>
+              <a:t>getLastUsername</a:t>
+            </a:r>
+            <a:r>
+              <a:rPr lang="en-US" altLang="zh-CN" dirty="0" smtClean="0"/>
+              <a:t>();</a:t>
+            </a:r>
+          </a:p>
+          <a:p>
+            <a:endParaRPr lang="en-US" altLang="zh-CN" dirty="0" smtClean="0"/>
+          </a:p>
+          <a:p>
+            <a:r>
+              <a:rPr lang="en-US" altLang="zh-CN" dirty="0" smtClean="0"/>
+              <a:t>        return $this-&gt;render(</a:t>
+            </a:r>
+          </a:p>
+          <a:p>
+            <a:r>
+              <a:rPr lang="en-US" altLang="zh-CN" dirty="0" smtClean="0"/>
+              <a:t>            '</a:t>
+            </a:r>
+            <a:r>
+              <a:rPr lang="en-US" altLang="zh-CN" dirty="0" err="1" smtClean="0"/>
+              <a:t>AcmeDemoBundle:Secured:login.html.twig</a:t>
+            </a:r>
+            <a:r>
+              <a:rPr lang="en-US" altLang="zh-CN" dirty="0" smtClean="0"/>
+              <a:t>',</a:t>
+            </a:r>
+          </a:p>
+          <a:p>
+            <a:r>
+              <a:rPr lang="en-US" altLang="zh-CN" dirty="0" smtClean="0"/>
+              <a:t>            array(</a:t>
+            </a:r>
+          </a:p>
+          <a:p>
+            <a:r>
+              <a:rPr lang="en-US" altLang="zh-CN" dirty="0" smtClean="0"/>
+              <a:t>                // last username entered by the user</a:t>
+            </a:r>
+          </a:p>
+          <a:p>
+            <a:r>
+              <a:rPr lang="en-US" altLang="zh-CN" dirty="0" smtClean="0"/>
+              <a:t>                '</a:t>
+            </a:r>
+            <a:r>
+              <a:rPr lang="en-US" altLang="zh-CN" dirty="0" err="1" smtClean="0"/>
+              <a:t>last_username</a:t>
+            </a:r>
+            <a:r>
+              <a:rPr lang="en-US" altLang="zh-CN" dirty="0" smtClean="0"/>
+              <a:t>' =&gt; $</a:t>
+            </a:r>
+            <a:r>
+              <a:rPr lang="en-US" altLang="zh-CN" dirty="0" err="1" smtClean="0"/>
+              <a:t>lastUsername</a:t>
+            </a:r>
+            <a:r>
+              <a:rPr lang="en-US" altLang="zh-CN" dirty="0" smtClean="0"/>
+              <a:t>,</a:t>
+            </a:r>
+          </a:p>
+          <a:p>
+            <a:r>
+              <a:rPr lang="en-US" altLang="zh-CN" dirty="0" smtClean="0"/>
+              <a:t>                'error'         =&gt; $error,</a:t>
+            </a:r>
+          </a:p>
+          <a:p>
+            <a:r>
+              <a:rPr lang="en-US" altLang="zh-CN" dirty="0" smtClean="0"/>
+              <a:t>            )</a:t>
+            </a:r>
+          </a:p>
+          <a:p>
+            <a:r>
+              <a:rPr lang="en-US" altLang="zh-CN" dirty="0" smtClean="0"/>
+              <a:t>        );</a:t>
+            </a:r>
+          </a:p>
+          <a:p>
+            <a:r>
+              <a:rPr lang="en-US" altLang="zh-CN" dirty="0" smtClean="0"/>
+              <a:t>    }</a:t>
+            </a:r>
+          </a:p>
+          <a:p>
+            <a:endParaRPr lang="en-US" altLang="zh-CN" dirty="0" smtClean="0"/>
+          </a:p>
+          <a:p>
+            <a:endParaRPr lang="en-US" altLang="zh-CN" dirty="0" smtClean="0"/>
+          </a:p>
+          <a:p>
+            <a:endParaRPr lang="en-US" altLang="zh-CN" dirty="0" smtClean="0"/>
+          </a:p>
+          <a:p>
+            <a:r>
+              <a:rPr lang="zh-CN" altLang="en-US" dirty="0" smtClean="0"/>
+              <a:t>模板文件</a:t>
+            </a:r>
+            <a:endParaRPr lang="en-US" altLang="zh-CN" dirty="0" smtClean="0"/>
+          </a:p>
+          <a:p>
+            <a:r>
+              <a:rPr lang="en-US" altLang="zh-CN" dirty="0" smtClean="0"/>
+              <a:t>{% if error %}</a:t>
+            </a:r>
+          </a:p>
+          <a:p>
+            <a:r>
+              <a:rPr lang="en-US" altLang="zh-CN" dirty="0" smtClean="0"/>
+              <a:t>    &lt;div&gt;{{ </a:t>
+            </a:r>
+            <a:r>
+              <a:rPr lang="en-US" altLang="zh-CN" dirty="0" err="1" smtClean="0"/>
+              <a:t>error.messageKey|trans</a:t>
+            </a:r>
+            <a:r>
+              <a:rPr lang="en-US" altLang="zh-CN" dirty="0" smtClean="0"/>
+              <a:t>(</a:t>
+            </a:r>
+            <a:r>
+              <a:rPr lang="en-US" altLang="zh-CN" dirty="0" err="1" smtClean="0"/>
+              <a:t>error.messageData</a:t>
+            </a:r>
+            <a:r>
+              <a:rPr lang="en-US" altLang="zh-CN" dirty="0" smtClean="0"/>
+              <a:t>, 'security') }}&lt;/div&gt;</a:t>
+            </a:r>
+          </a:p>
+          <a:p>
+            <a:r>
+              <a:rPr lang="en-US" altLang="zh-CN" dirty="0" smtClean="0"/>
+              <a:t>{% </a:t>
+            </a:r>
+            <a:r>
+              <a:rPr lang="en-US" altLang="zh-CN" dirty="0" err="1" smtClean="0"/>
+              <a:t>endif</a:t>
+            </a:r>
+            <a:r>
+              <a:rPr lang="en-US" altLang="zh-CN" dirty="0" smtClean="0"/>
+              <a:t> %}</a:t>
+            </a:r>
+          </a:p>
+          <a:p>
+            <a:endParaRPr lang="en-US" altLang="zh-CN" dirty="0" smtClean="0"/>
+          </a:p>
+          <a:p>
+            <a:r>
+              <a:rPr lang="en-US" altLang="zh-CN" dirty="0" smtClean="0"/>
+              <a:t>&lt;form action="{{ path('</a:t>
+            </a:r>
+            <a:r>
+              <a:rPr lang="en-US" altLang="zh-CN" dirty="0" err="1" smtClean="0"/>
+              <a:t>login_check</a:t>
+            </a:r>
+            <a:r>
+              <a:rPr lang="en-US" altLang="zh-CN" dirty="0" smtClean="0"/>
+              <a:t>') }}" method="post"&gt;</a:t>
+            </a:r>
+          </a:p>
+          <a:p>
+            <a:r>
+              <a:rPr lang="en-US" altLang="zh-CN" dirty="0" smtClean="0"/>
+              <a:t>    &lt;label for="username"&gt;Username:&lt;/label&gt;</a:t>
+            </a:r>
+          </a:p>
+          <a:p>
+            <a:r>
+              <a:rPr lang="en-US" altLang="zh-CN" dirty="0" smtClean="0"/>
+              <a:t>    &lt;input type="text" id="username" name="_username" value="{{ </a:t>
+            </a:r>
+            <a:r>
+              <a:rPr lang="en-US" altLang="zh-CN" dirty="0" err="1" smtClean="0"/>
+              <a:t>last_username</a:t>
+            </a:r>
+            <a:r>
+              <a:rPr lang="en-US" altLang="zh-CN" dirty="0" smtClean="0"/>
+              <a:t> }}" /&gt;</a:t>
+            </a:r>
+          </a:p>
+          <a:p>
+            <a:endParaRPr lang="en-US" altLang="zh-CN" dirty="0" smtClean="0"/>
+          </a:p>
+          <a:p>
+            <a:r>
+              <a:rPr lang="en-US" altLang="zh-CN" dirty="0" smtClean="0"/>
+              <a:t>    &lt;label for="password"&gt;Password:&lt;/label&gt;</a:t>
+            </a:r>
+          </a:p>
+          <a:p>
+            <a:r>
+              <a:rPr lang="en-US" altLang="zh-CN" dirty="0" smtClean="0"/>
+              <a:t>    &lt;input type="password" id="password" name="_password" /&gt;</a:t>
+            </a:r>
+          </a:p>
+          <a:p>
+            <a:endParaRPr lang="en-US" altLang="zh-CN" dirty="0" smtClean="0"/>
+          </a:p>
+          <a:p>
+            <a:r>
+              <a:rPr lang="en-US" altLang="zh-CN" dirty="0" smtClean="0"/>
+              <a:t>    {#</a:t>
+            </a:r>
+          </a:p>
+          <a:p>
+            <a:r>
+              <a:rPr lang="en-US" altLang="zh-CN" dirty="0" smtClean="0"/>
+              <a:t>        If you want to control the URL the user</a:t>
+            </a:r>
+          </a:p>
+          <a:p>
+            <a:r>
+              <a:rPr lang="en-US" altLang="zh-CN" dirty="0" smtClean="0"/>
+              <a:t>        is redirected to on success (more details below)</a:t>
+            </a:r>
+          </a:p>
+          <a:p>
+            <a:r>
+              <a:rPr lang="en-US" altLang="zh-CN" dirty="0" smtClean="0"/>
+              <a:t>        &lt;input type="hidden" name="_</a:t>
+            </a:r>
+            <a:r>
+              <a:rPr lang="en-US" altLang="zh-CN" dirty="0" err="1" smtClean="0"/>
+              <a:t>target_path</a:t>
+            </a:r>
+            <a:r>
+              <a:rPr lang="en-US" altLang="zh-CN" dirty="0" smtClean="0"/>
+              <a:t>" value="/account" /&gt;</a:t>
+            </a:r>
+          </a:p>
+          <a:p>
+            <a:r>
+              <a:rPr lang="en-US" altLang="zh-CN" dirty="0" smtClean="0"/>
+              <a:t>    #}</a:t>
+            </a:r>
+          </a:p>
+          <a:p>
+            <a:endParaRPr lang="en-US" altLang="zh-CN" dirty="0" smtClean="0"/>
+          </a:p>
+          <a:p>
+            <a:r>
+              <a:rPr lang="en-US" altLang="zh-CN" dirty="0" smtClean="0"/>
+              <a:t>    &lt;button type="submit"&gt;login&lt;/button&gt;</a:t>
+            </a:r>
+          </a:p>
+          <a:p>
+            <a:r>
+              <a:rPr lang="en-US" altLang="zh-CN" dirty="0" smtClean="0"/>
+              <a:t>&lt;/form&gt;</a:t>
+            </a:r>
+            <a:endParaRPr lang="zh-CN" altLang="en-US" dirty="0"/>
+          </a:p>
+        </p:txBody>
+      </p:sp>
+      <p:sp>
+        <p:nvSpPr>
+          <p:cNvPr id="4" name="灯片编号占位符 3"/>
+          <p:cNvSpPr>
+            <a:spLocks noGrp="1"/>
+          </p:cNvSpPr>
+          <p:nvPr>
+            <p:ph type="sldNum" sz="quarter" idx="10"/>
+          </p:nvPr>
+        </p:nvSpPr>
+        <p:spPr/>
+        <p:txBody>
+          <a:bodyPr/>
+          <a:lstStyle/>
+          <a:p>
+            <a:fld id="{BCEC405F-F40D-423E-A1C1-C0BB48CFFEA4}" type="slidenum">
+              <a:rPr lang="zh-CN" altLang="en-US" smtClean="0"/>
+              <a:t>9</a:t>
+            </a:fld>
+            <a:endParaRPr lang="zh-CN" altLang="en-US"/>
+          </a:p>
+        </p:txBody>
+      </p:sp>
+    </p:spTree>
+    <p:extLst>
+      <p:ext uri="{BB962C8B-B14F-4D97-AF65-F5344CB8AC3E}">
+        <p14:creationId xmlns:p14="http://schemas.microsoft.com/office/powerpoint/2010/main" val="3320929631"/>
+      </p:ext>
+    </p:extLst>
+  </p:cSld>
+  <p:clrMapOvr>
+    <a:masterClrMapping/>
+  </p:clrMapOvr>
+</p:notes>
+</file>
+
+<file path=ppt/notesSlides/notesSlide9.xml><?xml version="1.0" encoding="utf-8"?>
+<p:notes xmlns:a="http://schemas.openxmlformats.org/drawingml/2006/main" xmlns:r="http://schemas.openxmlformats.org/officeDocument/2006/relationships" xmlns:p="http://schemas.openxmlformats.org/presentationml/2006/main">
+  <p:cSld>
+    <p:spTree>
+      <p:nvGrpSpPr>
+        <p:cNvPr id="1" name=""/>
+        <p:cNvGrpSpPr/>
+        <p:nvPr/>
+      </p:nvGrpSpPr>
+      <p:grpSpPr>
+        <a:xfrm>
+          <a:off x="0" y="0"/>
+          <a:ext cx="0" cy="0"/>
+          <a:chOff x="0" y="0"/>
+          <a:chExt cx="0" cy="0"/>
+        </a:xfrm>
+      </p:grpSpPr>
+      <p:sp>
+        <p:nvSpPr>
+          <p:cNvPr id="2" name="幻灯片图像占位符 1"/>
+          <p:cNvSpPr>
+            <a:spLocks noGrp="1" noRot="1" noChangeAspect="1"/>
+          </p:cNvSpPr>
+          <p:nvPr>
+            <p:ph type="sldImg"/>
+          </p:nvPr>
+        </p:nvSpPr>
+        <p:spPr/>
+      </p:sp>
+      <p:sp>
+        <p:nvSpPr>
+          <p:cNvPr id="3" name="备注占位符 2"/>
+          <p:cNvSpPr>
+            <a:spLocks noGrp="1"/>
+          </p:cNvSpPr>
+          <p:nvPr>
+            <p:ph type="body" idx="1"/>
+          </p:nvPr>
+        </p:nvSpPr>
+        <p:spPr/>
+        <p:txBody>
+          <a:bodyPr/>
+          <a:lstStyle/>
+          <a:p>
+            <a:r>
+              <a:rPr lang="en-US" altLang="zh-CN" dirty="0" smtClean="0"/>
+              <a:t>&lt;script&gt;</a:t>
+            </a:r>
+          </a:p>
+          <a:p>
+            <a:r>
+              <a:rPr lang="en-US" altLang="zh-CN" dirty="0" smtClean="0"/>
+              <a:t>    $("#form").submit(function(){</a:t>
+            </a:r>
+          </a:p>
+          <a:p>
+            <a:r>
+              <a:rPr lang="en-US" altLang="zh-CN" dirty="0" smtClean="0"/>
+              <a:t>        </a:t>
+            </a:r>
+            <a:r>
+              <a:rPr lang="en-US" altLang="zh-CN" dirty="0" err="1" smtClean="0"/>
+              <a:t>var</a:t>
+            </a:r>
+            <a:r>
+              <a:rPr lang="en-US" altLang="zh-CN" dirty="0" smtClean="0"/>
+              <a:t> username = $.trim($('#username').</a:t>
+            </a:r>
+            <a:r>
+              <a:rPr lang="en-US" altLang="zh-CN" dirty="0" err="1" smtClean="0"/>
+              <a:t>val</a:t>
+            </a:r>
+            <a:r>
+              <a:rPr lang="en-US" altLang="zh-CN" dirty="0" smtClean="0"/>
+              <a:t>());</a:t>
+            </a:r>
+          </a:p>
+          <a:p>
+            <a:r>
+              <a:rPr lang="en-US" altLang="zh-CN" dirty="0" smtClean="0"/>
+              <a:t>        </a:t>
+            </a:r>
+            <a:r>
+              <a:rPr lang="en-US" altLang="zh-CN" dirty="0" err="1" smtClean="0"/>
+              <a:t>var</a:t>
+            </a:r>
+            <a:r>
+              <a:rPr lang="en-US" altLang="zh-CN" dirty="0" smtClean="0"/>
+              <a:t> password = $.trim($('#password').</a:t>
+            </a:r>
+            <a:r>
+              <a:rPr lang="en-US" altLang="zh-CN" dirty="0" err="1" smtClean="0"/>
+              <a:t>val</a:t>
+            </a:r>
+            <a:r>
+              <a:rPr lang="en-US" altLang="zh-CN" dirty="0" smtClean="0"/>
+              <a:t>());</a:t>
+            </a:r>
+          </a:p>
+          <a:p>
+            <a:r>
+              <a:rPr lang="en-US" altLang="zh-CN" dirty="0" smtClean="0"/>
+              <a:t>        $.post('{{ path('</a:t>
+            </a:r>
+            <a:r>
+              <a:rPr lang="en-US" altLang="zh-CN" dirty="0" err="1" smtClean="0"/>
+              <a:t>login_check</a:t>
+            </a:r>
+            <a:r>
+              <a:rPr lang="en-US" altLang="zh-CN" dirty="0" smtClean="0"/>
+              <a:t>') }}',{_</a:t>
+            </a:r>
+            <a:r>
+              <a:rPr lang="en-US" altLang="zh-CN" dirty="0" err="1" smtClean="0"/>
+              <a:t>username:username</a:t>
+            </a:r>
+            <a:r>
+              <a:rPr lang="en-US" altLang="zh-CN" dirty="0" smtClean="0"/>
+              <a:t>,_</a:t>
+            </a:r>
+            <a:r>
+              <a:rPr lang="en-US" altLang="zh-CN" dirty="0" err="1" smtClean="0"/>
+              <a:t>password:password</a:t>
+            </a:r>
+            <a:r>
+              <a:rPr lang="en-US" altLang="zh-CN" dirty="0" smtClean="0"/>
+              <a:t>}, function(data){</a:t>
+            </a:r>
+          </a:p>
+          <a:p>
+            <a:r>
+              <a:rPr lang="en-US" altLang="zh-CN" dirty="0" smtClean="0"/>
+              <a:t>            console.log(data);</a:t>
+            </a:r>
+          </a:p>
+          <a:p>
+            <a:r>
+              <a:rPr lang="en-US" altLang="zh-CN" dirty="0" smtClean="0"/>
+              <a:t>        });</a:t>
+            </a:r>
+          </a:p>
+          <a:p>
+            <a:r>
+              <a:rPr lang="en-US" altLang="zh-CN" dirty="0" smtClean="0"/>
+              <a:t>        return false;</a:t>
+            </a:r>
+          </a:p>
+          <a:p>
+            <a:r>
+              <a:rPr lang="en-US" altLang="zh-CN" dirty="0" smtClean="0"/>
+              <a:t>    });</a:t>
+            </a:r>
+          </a:p>
+          <a:p>
+            <a:r>
+              <a:rPr lang="en-US" altLang="zh-CN" dirty="0" smtClean="0"/>
+              <a:t>&lt;/script&gt;</a:t>
+            </a:r>
+          </a:p>
+          <a:p>
+            <a:endParaRPr lang="en-US" altLang="zh-CN" dirty="0" smtClean="0"/>
+          </a:p>
+          <a:p>
+            <a:r>
+              <a:rPr lang="en-US" altLang="zh-CN" dirty="0" smtClean="0"/>
+              <a:t> &lt;service id="</a:t>
+            </a:r>
+            <a:r>
+              <a:rPr lang="en-US" altLang="zh-CN" dirty="0" err="1" smtClean="0"/>
+              <a:t>ajax_athentication_failure_handler</a:t>
+            </a:r>
+            <a:r>
+              <a:rPr lang="en-US" altLang="zh-CN" dirty="0" smtClean="0"/>
+              <a:t>" class="Acme\</a:t>
+            </a:r>
+            <a:r>
+              <a:rPr lang="en-US" altLang="zh-CN" dirty="0" err="1" smtClean="0"/>
+              <a:t>DemoBundle</a:t>
+            </a:r>
+            <a:r>
+              <a:rPr lang="en-US" altLang="zh-CN" dirty="0" smtClean="0"/>
+              <a:t>\Ajax\</a:t>
+            </a:r>
+            <a:r>
+              <a:rPr lang="en-US" altLang="zh-CN" dirty="0" err="1" smtClean="0"/>
+              <a:t>AjaxAuthenticationFailureHandler</a:t>
+            </a:r>
+            <a:r>
+              <a:rPr lang="en-US" altLang="zh-CN" dirty="0" smtClean="0"/>
+              <a:t>"&gt;</a:t>
+            </a:r>
+          </a:p>
+          <a:p>
+            <a:r>
+              <a:rPr lang="en-US" altLang="zh-CN" dirty="0" smtClean="0"/>
+              <a:t>            &lt;argument type="service" id="</a:t>
+            </a:r>
+            <a:r>
+              <a:rPr lang="en-US" altLang="zh-CN" dirty="0" err="1" smtClean="0"/>
+              <a:t>http_kernel</a:t>
+            </a:r>
+            <a:r>
+              <a:rPr lang="en-US" altLang="zh-CN" dirty="0" smtClean="0"/>
+              <a:t>" /&gt;</a:t>
+            </a:r>
+          </a:p>
+          <a:p>
+            <a:pPr lvl="0"/>
+            <a:r>
+              <a:rPr lang="en-US" altLang="zh-CN" dirty="0" smtClean="0"/>
+              <a:t>            &lt;argument type="service" id="</a:t>
+            </a:r>
+            <a:r>
+              <a:rPr lang="en-US" altLang="zh-CN" dirty="0" err="1" smtClean="0"/>
+              <a:t>security.http_utils</a:t>
+            </a:r>
+            <a:r>
+              <a:rPr lang="en-US" altLang="zh-CN" dirty="0" smtClean="0"/>
+              <a:t>" /&gt;</a:t>
+            </a:r>
+          </a:p>
+          <a:p>
+            <a:pPr lvl="0"/>
+            <a:r>
+              <a:rPr lang="en-US" altLang="zh-CN" dirty="0" smtClean="0"/>
+              <a:t>        &lt;/service&gt;</a:t>
+            </a:r>
+          </a:p>
+          <a:p>
+            <a:pPr lvl="0"/>
+            <a:r>
+              <a:rPr lang="en-US" altLang="zh-CN" dirty="0" smtClean="0"/>
+              <a:t>        &lt;service id="</a:t>
+            </a:r>
+            <a:r>
+              <a:rPr lang="en-US" altLang="zh-CN" dirty="0" err="1" smtClean="0"/>
+              <a:t>ajax_athentication_success_handler</a:t>
+            </a:r>
+            <a:r>
+              <a:rPr lang="en-US" altLang="zh-CN" dirty="0" smtClean="0"/>
+              <a:t>" class="Acme\</a:t>
+            </a:r>
+            <a:r>
+              <a:rPr lang="en-US" altLang="zh-CN" dirty="0" err="1" smtClean="0"/>
+              <a:t>DemoBundle</a:t>
+            </a:r>
+            <a:r>
+              <a:rPr lang="en-US" altLang="zh-CN" dirty="0" smtClean="0"/>
+              <a:t>\Ajax\</a:t>
+            </a:r>
+            <a:r>
+              <a:rPr lang="en-US" altLang="zh-CN" dirty="0" err="1" smtClean="0"/>
+              <a:t>AjaxAuthenticationSuccessHandler</a:t>
+            </a:r>
+            <a:r>
+              <a:rPr lang="en-US" altLang="zh-CN" dirty="0" smtClean="0"/>
+              <a:t>"&gt;</a:t>
+            </a:r>
+          </a:p>
+          <a:p>
+            <a:pPr lvl="0"/>
+            <a:r>
+              <a:rPr lang="en-US" altLang="zh-CN" dirty="0" smtClean="0"/>
+              <a:t>            &lt;argument type="service" id="</a:t>
+            </a:r>
+            <a:r>
+              <a:rPr lang="en-US" altLang="zh-CN" dirty="0" err="1" smtClean="0"/>
+              <a:t>security.http_utils</a:t>
+            </a:r>
+            <a:r>
+              <a:rPr lang="en-US" altLang="zh-CN" dirty="0" smtClean="0"/>
+              <a:t>" /&gt;</a:t>
+            </a:r>
+          </a:p>
+          <a:p>
+            <a:pPr lvl="0"/>
+            <a:r>
+              <a:rPr lang="en-US" altLang="zh-CN" dirty="0" smtClean="0"/>
+              <a:t>        &lt;/service&gt;</a:t>
+            </a:r>
+          </a:p>
+          <a:p>
+            <a:endParaRPr lang="en-US" altLang="zh-CN" dirty="0" smtClean="0"/>
+          </a:p>
+          <a:p>
+            <a:endParaRPr lang="en-US" altLang="zh-CN" dirty="0" smtClean="0"/>
+          </a:p>
+          <a:p>
+            <a:r>
+              <a:rPr lang="zh-CN" altLang="en-US" dirty="0" smtClean="0"/>
+              <a:t>失败</a:t>
+            </a:r>
+            <a:endParaRPr lang="en-US" altLang="zh-CN" dirty="0" smtClean="0"/>
+          </a:p>
+          <a:p>
+            <a:r>
+              <a:rPr lang="en-US" altLang="zh-CN" dirty="0" smtClean="0"/>
+              <a:t>&lt;?</a:t>
+            </a:r>
+            <a:r>
+              <a:rPr lang="en-US" altLang="zh-CN" dirty="0" err="1" smtClean="0"/>
+              <a:t>php</a:t>
+            </a:r>
+            <a:endParaRPr lang="en-US" altLang="zh-CN" dirty="0" smtClean="0"/>
+          </a:p>
+          <a:p>
+            <a:r>
+              <a:rPr lang="en-US" altLang="zh-CN" dirty="0" smtClean="0"/>
+              <a:t>/**</a:t>
+            </a:r>
+          </a:p>
+          <a:p>
+            <a:r>
+              <a:rPr lang="en-US" altLang="zh-CN" dirty="0" smtClean="0"/>
+              <a:t> * Created by </a:t>
+            </a:r>
+            <a:r>
+              <a:rPr lang="en-US" altLang="zh-CN" dirty="0" err="1" smtClean="0"/>
+              <a:t>PhpStorm</a:t>
+            </a:r>
+            <a:r>
+              <a:rPr lang="en-US" altLang="zh-CN" dirty="0" smtClean="0"/>
+              <a:t>.</a:t>
+            </a:r>
+          </a:p>
+          <a:p>
+            <a:r>
+              <a:rPr lang="en-US" altLang="zh-CN" dirty="0" smtClean="0"/>
+              <a:t> * User: ICSOC-IT</a:t>
+            </a:r>
+          </a:p>
+          <a:p>
+            <a:r>
+              <a:rPr lang="en-US" altLang="zh-CN" dirty="0" smtClean="0"/>
+              <a:t> * Date: 15-10-15</a:t>
+            </a:r>
+          </a:p>
+          <a:p>
+            <a:r>
+              <a:rPr lang="en-US" altLang="zh-CN" dirty="0" smtClean="0"/>
+              <a:t> * Time: </a:t>
+            </a:r>
+            <a:r>
+              <a:rPr lang="zh-CN" altLang="en-US" dirty="0" smtClean="0"/>
+              <a:t>下午</a:t>
+            </a:r>
+            <a:r>
+              <a:rPr lang="en-US" altLang="zh-CN" dirty="0" smtClean="0"/>
+              <a:t>10:13</a:t>
+            </a:r>
+          </a:p>
+          <a:p>
+            <a:r>
+              <a:rPr lang="en-US" altLang="zh-CN" dirty="0" smtClean="0"/>
+              <a:t> */</a:t>
+            </a:r>
+          </a:p>
+          <a:p>
+            <a:endParaRPr lang="en-US" altLang="zh-CN" dirty="0" smtClean="0"/>
+          </a:p>
+          <a:p>
+            <a:r>
+              <a:rPr lang="en-US" altLang="zh-CN" dirty="0" smtClean="0"/>
+              <a:t>namespace Acme\</a:t>
+            </a:r>
+            <a:r>
+              <a:rPr lang="en-US" altLang="zh-CN" dirty="0" err="1" smtClean="0"/>
+              <a:t>DemoBundle</a:t>
+            </a:r>
+            <a:r>
+              <a:rPr lang="en-US" altLang="zh-CN" dirty="0" smtClean="0"/>
+              <a:t>\Ajax;</a:t>
+            </a:r>
+          </a:p>
+          <a:p>
+            <a:endParaRPr lang="en-US" altLang="zh-CN" dirty="0" smtClean="0"/>
+          </a:p>
+          <a:p>
+            <a:r>
+              <a:rPr lang="en-US" altLang="zh-CN" dirty="0" smtClean="0"/>
+              <a:t>use </a:t>
+            </a:r>
+            <a:r>
+              <a:rPr lang="en-US" altLang="zh-CN" dirty="0" err="1" smtClean="0"/>
+              <a:t>Psr</a:t>
+            </a:r>
+            <a:r>
+              <a:rPr lang="en-US" altLang="zh-CN" dirty="0" smtClean="0"/>
+              <a:t>\Log\</a:t>
+            </a:r>
+            <a:r>
+              <a:rPr lang="en-US" altLang="zh-CN" dirty="0" err="1" smtClean="0"/>
+              <a:t>LoggerInterface</a:t>
+            </a:r>
+            <a:r>
+              <a:rPr lang="en-US" altLang="zh-CN" dirty="0" smtClean="0"/>
+              <a:t>;</a:t>
+            </a:r>
+          </a:p>
+          <a:p>
+            <a:r>
+              <a:rPr lang="en-US" altLang="zh-CN" dirty="0" smtClean="0"/>
+              <a:t>use </a:t>
+            </a:r>
+            <a:r>
+              <a:rPr lang="en-US" altLang="zh-CN" dirty="0" err="1" smtClean="0"/>
+              <a:t>Symfony</a:t>
+            </a:r>
+            <a:r>
+              <a:rPr lang="en-US" altLang="zh-CN" dirty="0" smtClean="0"/>
+              <a:t>\Component\</a:t>
+            </a:r>
+            <a:r>
+              <a:rPr lang="en-US" altLang="zh-CN" dirty="0" err="1" smtClean="0"/>
+              <a:t>HttpFoundation</a:t>
+            </a:r>
+            <a:r>
+              <a:rPr lang="en-US" altLang="zh-CN" dirty="0" smtClean="0"/>
+              <a:t>\Request;</a:t>
+            </a:r>
+          </a:p>
+          <a:p>
+            <a:r>
+              <a:rPr lang="en-US" altLang="zh-CN" dirty="0" smtClean="0"/>
+              <a:t>use </a:t>
+            </a:r>
+            <a:r>
+              <a:rPr lang="en-US" altLang="zh-CN" dirty="0" err="1" smtClean="0"/>
+              <a:t>Symfony</a:t>
+            </a:r>
+            <a:r>
+              <a:rPr lang="en-US" altLang="zh-CN" dirty="0" smtClean="0"/>
+              <a:t>\Component\</a:t>
+            </a:r>
+            <a:r>
+              <a:rPr lang="en-US" altLang="zh-CN" dirty="0" err="1" smtClean="0"/>
+              <a:t>HttpFoundation</a:t>
+            </a:r>
+            <a:r>
+              <a:rPr lang="en-US" altLang="zh-CN" dirty="0" smtClean="0"/>
+              <a:t>\Response;</a:t>
+            </a:r>
+          </a:p>
+          <a:p>
+            <a:r>
+              <a:rPr lang="en-US" altLang="zh-CN" dirty="0" smtClean="0"/>
+              <a:t>use </a:t>
+            </a:r>
+            <a:r>
+              <a:rPr lang="en-US" altLang="zh-CN" dirty="0" err="1" smtClean="0"/>
+              <a:t>Symfony</a:t>
+            </a:r>
+            <a:r>
+              <a:rPr lang="en-US" altLang="zh-CN" dirty="0" smtClean="0"/>
+              <a:t>\Component\Security\Core\Exception\</a:t>
+            </a:r>
+            <a:r>
+              <a:rPr lang="en-US" altLang="zh-CN" dirty="0" err="1" smtClean="0"/>
+              <a:t>AuthenticationException</a:t>
+            </a:r>
+            <a:r>
+              <a:rPr lang="en-US" altLang="zh-CN" dirty="0" smtClean="0"/>
+              <a:t>;</a:t>
+            </a:r>
+          </a:p>
+          <a:p>
+            <a:r>
+              <a:rPr lang="en-US" altLang="zh-CN" dirty="0" smtClean="0"/>
+              <a:t>use </a:t>
+            </a:r>
+            <a:r>
+              <a:rPr lang="en-US" altLang="zh-CN" dirty="0" err="1" smtClean="0"/>
+              <a:t>Symfony</a:t>
+            </a:r>
+            <a:r>
+              <a:rPr lang="en-US" altLang="zh-CN" dirty="0" smtClean="0"/>
+              <a:t>\Component\Security\Http\Authentication\</a:t>
+            </a:r>
+            <a:r>
+              <a:rPr lang="en-US" altLang="zh-CN" dirty="0" err="1" smtClean="0"/>
+              <a:t>DefaultAuthenticationFailureHandler</a:t>
+            </a:r>
+            <a:r>
+              <a:rPr lang="en-US" altLang="zh-CN" dirty="0" smtClean="0"/>
+              <a:t>;</a:t>
+            </a:r>
+          </a:p>
+          <a:p>
+            <a:endParaRPr lang="en-US" altLang="zh-CN" dirty="0" smtClean="0"/>
+          </a:p>
+          <a:p>
+            <a:r>
+              <a:rPr lang="en-US" altLang="zh-CN" dirty="0" smtClean="0"/>
+              <a:t>class </a:t>
+            </a:r>
+            <a:r>
+              <a:rPr lang="en-US" altLang="zh-CN" dirty="0" err="1" smtClean="0"/>
+              <a:t>AjaxAuthenticationFailureHandler</a:t>
+            </a:r>
+            <a:r>
+              <a:rPr lang="en-US" altLang="zh-CN" dirty="0" smtClean="0"/>
+              <a:t> extends </a:t>
+            </a:r>
+            <a:r>
+              <a:rPr lang="en-US" altLang="zh-CN" dirty="0" err="1" smtClean="0"/>
+              <a:t>DefaultAuthenticationFailureHandler</a:t>
+            </a:r>
+            <a:endParaRPr lang="en-US" altLang="zh-CN" dirty="0" smtClean="0"/>
+          </a:p>
+          <a:p>
+            <a:r>
+              <a:rPr lang="en-US" altLang="zh-CN" dirty="0" smtClean="0"/>
+              <a:t>{</a:t>
+            </a:r>
+          </a:p>
+          <a:p>
+            <a:r>
+              <a:rPr lang="en-US" altLang="zh-CN" dirty="0" smtClean="0"/>
+              <a:t>    /**</a:t>
+            </a:r>
+          </a:p>
+          <a:p>
+            <a:r>
+              <a:rPr lang="en-US" altLang="zh-CN" dirty="0" smtClean="0"/>
+              <a:t>     * {@</a:t>
+            </a:r>
+            <a:r>
+              <a:rPr lang="en-US" altLang="zh-CN" dirty="0" err="1" smtClean="0"/>
+              <a:t>inheritDoc</a:t>
+            </a:r>
+            <a:r>
+              <a:rPr lang="en-US" altLang="zh-CN" dirty="0" smtClean="0"/>
+              <a:t>}</a:t>
+            </a:r>
+          </a:p>
+          <a:p>
+            <a:r>
+              <a:rPr lang="en-US" altLang="zh-CN" dirty="0" smtClean="0"/>
+              <a:t>     */</a:t>
+            </a:r>
+          </a:p>
+          <a:p>
+            <a:r>
+              <a:rPr lang="en-US" altLang="zh-CN" dirty="0" smtClean="0"/>
+              <a:t>    public function </a:t>
+            </a:r>
+            <a:r>
+              <a:rPr lang="en-US" altLang="zh-CN" dirty="0" err="1" smtClean="0"/>
+              <a:t>onAuthenticationFailure</a:t>
+            </a:r>
+            <a:r>
+              <a:rPr lang="en-US" altLang="zh-CN" dirty="0" smtClean="0"/>
+              <a:t>(Request $request, </a:t>
+            </a:r>
+            <a:r>
+              <a:rPr lang="en-US" altLang="zh-CN" dirty="0" err="1" smtClean="0"/>
+              <a:t>AuthenticationException</a:t>
+            </a:r>
+            <a:r>
+              <a:rPr lang="en-US" altLang="zh-CN" dirty="0" smtClean="0"/>
+              <a:t> $exception)</a:t>
+            </a:r>
+          </a:p>
+          <a:p>
+            <a:r>
+              <a:rPr lang="en-US" altLang="zh-CN" dirty="0" smtClean="0"/>
+              <a:t>    {</a:t>
+            </a:r>
+          </a:p>
+          <a:p>
+            <a:r>
+              <a:rPr lang="en-US" altLang="zh-CN" dirty="0" smtClean="0"/>
+              <a:t>        if ($request-&gt;</a:t>
+            </a:r>
+            <a:r>
+              <a:rPr lang="en-US" altLang="zh-CN" dirty="0" err="1" smtClean="0"/>
+              <a:t>isXmlHttpRequest</a:t>
+            </a:r>
+            <a:r>
+              <a:rPr lang="en-US" altLang="zh-CN" dirty="0" smtClean="0"/>
+              <a:t>()) {</a:t>
+            </a:r>
+          </a:p>
+          <a:p>
+            <a:r>
+              <a:rPr lang="en-US" altLang="zh-CN" dirty="0" smtClean="0"/>
+              <a:t>            return new Response(</a:t>
+            </a:r>
+            <a:r>
+              <a:rPr lang="en-US" altLang="zh-CN" dirty="0" err="1" smtClean="0"/>
+              <a:t>json_encode</a:t>
+            </a:r>
+            <a:r>
+              <a:rPr lang="en-US" altLang="zh-CN" dirty="0" smtClean="0"/>
+              <a:t>(array(</a:t>
+            </a:r>
+          </a:p>
+          <a:p>
+            <a:r>
+              <a:rPr lang="en-US" altLang="zh-CN" dirty="0" smtClean="0"/>
+              <a:t>                'error' =&gt; true,</a:t>
+            </a:r>
+          </a:p>
+          <a:p>
+            <a:r>
+              <a:rPr lang="en-US" altLang="zh-CN" dirty="0" smtClean="0"/>
+              <a:t>                'message' =&gt; $exception-&gt;</a:t>
+            </a:r>
+            <a:r>
+              <a:rPr lang="en-US" altLang="zh-CN" dirty="0" err="1" smtClean="0"/>
+              <a:t>getMessage</a:t>
+            </a:r>
+            <a:r>
+              <a:rPr lang="en-US" altLang="zh-CN" dirty="0" smtClean="0"/>
+              <a:t>()</a:t>
+            </a:r>
+          </a:p>
+          <a:p>
+            <a:r>
+              <a:rPr lang="en-US" altLang="zh-CN" dirty="0" smtClean="0"/>
+              <a:t>            )));</a:t>
+            </a:r>
+          </a:p>
+          <a:p>
+            <a:r>
+              <a:rPr lang="en-US" altLang="zh-CN" dirty="0" smtClean="0"/>
+              <a:t>        }</a:t>
+            </a:r>
+          </a:p>
+          <a:p>
+            <a:endParaRPr lang="en-US" altLang="zh-CN" dirty="0" smtClean="0"/>
+          </a:p>
+          <a:p>
+            <a:r>
+              <a:rPr lang="en-US" altLang="zh-CN" dirty="0" smtClean="0"/>
+              <a:t>        return parent::</a:t>
+            </a:r>
+            <a:r>
+              <a:rPr lang="en-US" altLang="zh-CN" dirty="0" err="1" smtClean="0"/>
+              <a:t>onAuthenticationFailure</a:t>
+            </a:r>
+            <a:r>
+              <a:rPr lang="en-US" altLang="zh-CN" dirty="0" smtClean="0"/>
+              <a:t>($request, $exception);</a:t>
+            </a:r>
+          </a:p>
+          <a:p>
+            <a:r>
+              <a:rPr lang="en-US" altLang="zh-CN" dirty="0" smtClean="0"/>
+              <a:t>    }</a:t>
+            </a:r>
+          </a:p>
+          <a:p>
+            <a:r>
+              <a:rPr lang="en-US" altLang="zh-CN" dirty="0" smtClean="0"/>
+              <a:t>}</a:t>
+            </a:r>
+          </a:p>
+          <a:p>
+            <a:endParaRPr lang="en-US" altLang="zh-CN" dirty="0" smtClean="0"/>
+          </a:p>
+          <a:p>
+            <a:endParaRPr lang="en-US" altLang="zh-CN" dirty="0" smtClean="0"/>
+          </a:p>
+          <a:p>
+            <a:endParaRPr lang="en-US" altLang="zh-CN" dirty="0" smtClean="0"/>
+          </a:p>
+          <a:p>
+            <a:r>
+              <a:rPr lang="zh-CN" altLang="en-US" dirty="0" smtClean="0"/>
+              <a:t>成功</a:t>
+            </a:r>
+            <a:endParaRPr lang="en-US" altLang="zh-CN" dirty="0" smtClean="0"/>
+          </a:p>
+          <a:p>
+            <a:r>
+              <a:rPr lang="en-US" altLang="zh-CN" dirty="0" smtClean="0"/>
+              <a:t>&lt;?</a:t>
+            </a:r>
+            <a:r>
+              <a:rPr lang="en-US" altLang="zh-CN" dirty="0" err="1" smtClean="0"/>
+              <a:t>php</a:t>
+            </a:r>
+            <a:endParaRPr lang="en-US" altLang="zh-CN" dirty="0" smtClean="0"/>
+          </a:p>
+          <a:p>
+            <a:r>
+              <a:rPr lang="en-US" altLang="zh-CN" dirty="0" smtClean="0"/>
+              <a:t>/**</a:t>
+            </a:r>
+          </a:p>
+          <a:p>
+            <a:r>
+              <a:rPr lang="en-US" altLang="zh-CN" dirty="0" smtClean="0"/>
+              <a:t> * Created by </a:t>
+            </a:r>
+            <a:r>
+              <a:rPr lang="en-US" altLang="zh-CN" dirty="0" err="1" smtClean="0"/>
+              <a:t>PhpStorm</a:t>
+            </a:r>
+            <a:r>
+              <a:rPr lang="en-US" altLang="zh-CN" dirty="0" smtClean="0"/>
+              <a:t>.</a:t>
+            </a:r>
+          </a:p>
+          <a:p>
+            <a:r>
+              <a:rPr lang="en-US" altLang="zh-CN" dirty="0" smtClean="0"/>
+              <a:t> * User: ICSOC-IT</a:t>
+            </a:r>
+          </a:p>
+          <a:p>
+            <a:r>
+              <a:rPr lang="en-US" altLang="zh-CN" dirty="0" smtClean="0"/>
+              <a:t> * Date: 15-10-15</a:t>
+            </a:r>
+          </a:p>
+          <a:p>
+            <a:r>
+              <a:rPr lang="en-US" altLang="zh-CN" dirty="0" smtClean="0"/>
+              <a:t> * Time: </a:t>
+            </a:r>
+            <a:r>
+              <a:rPr lang="zh-CN" altLang="en-US" dirty="0" smtClean="0"/>
+              <a:t>下午</a:t>
+            </a:r>
+            <a:r>
+              <a:rPr lang="en-US" altLang="zh-CN" dirty="0" smtClean="0"/>
+              <a:t>10:18</a:t>
+            </a:r>
+          </a:p>
+          <a:p>
+            <a:r>
+              <a:rPr lang="en-US" altLang="zh-CN" dirty="0" smtClean="0"/>
+              <a:t> */</a:t>
+            </a:r>
+          </a:p>
+          <a:p>
+            <a:endParaRPr lang="en-US" altLang="zh-CN" dirty="0" smtClean="0"/>
+          </a:p>
+          <a:p>
+            <a:r>
+              <a:rPr lang="en-US" altLang="zh-CN" dirty="0" smtClean="0"/>
+              <a:t>namespace Acme\</a:t>
+            </a:r>
+            <a:r>
+              <a:rPr lang="en-US" altLang="zh-CN" dirty="0" err="1" smtClean="0"/>
+              <a:t>DemoBundle</a:t>
+            </a:r>
+            <a:r>
+              <a:rPr lang="en-US" altLang="zh-CN" dirty="0" smtClean="0"/>
+              <a:t>\Ajax;</a:t>
+            </a:r>
+          </a:p>
+          <a:p>
+            <a:endParaRPr lang="en-US" altLang="zh-CN" dirty="0" smtClean="0"/>
+          </a:p>
+          <a:p>
+            <a:r>
+              <a:rPr lang="en-US" altLang="zh-CN" dirty="0" smtClean="0"/>
+              <a:t>use </a:t>
+            </a:r>
+            <a:r>
+              <a:rPr lang="en-US" altLang="zh-CN" dirty="0" err="1" smtClean="0"/>
+              <a:t>Symfony</a:t>
+            </a:r>
+            <a:r>
+              <a:rPr lang="en-US" altLang="zh-CN" dirty="0" smtClean="0"/>
+              <a:t>\Component\</a:t>
+            </a:r>
+            <a:r>
+              <a:rPr lang="en-US" altLang="zh-CN" dirty="0" err="1" smtClean="0"/>
+              <a:t>HttpFoundation</a:t>
+            </a:r>
+            <a:r>
+              <a:rPr lang="en-US" altLang="zh-CN" dirty="0" smtClean="0"/>
+              <a:t>\Request;</a:t>
+            </a:r>
+          </a:p>
+          <a:p>
+            <a:r>
+              <a:rPr lang="en-US" altLang="zh-CN" dirty="0" smtClean="0"/>
+              <a:t>use </a:t>
+            </a:r>
+            <a:r>
+              <a:rPr lang="en-US" altLang="zh-CN" dirty="0" err="1" smtClean="0"/>
+              <a:t>Symfony</a:t>
+            </a:r>
+            <a:r>
+              <a:rPr lang="en-US" altLang="zh-CN" dirty="0" smtClean="0"/>
+              <a:t>\Component\</a:t>
+            </a:r>
+            <a:r>
+              <a:rPr lang="en-US" altLang="zh-CN" dirty="0" err="1" smtClean="0"/>
+              <a:t>HttpFoundation</a:t>
+            </a:r>
+            <a:r>
+              <a:rPr lang="en-US" altLang="zh-CN" dirty="0" smtClean="0"/>
+              <a:t>\Response;</a:t>
+            </a:r>
+          </a:p>
+          <a:p>
+            <a:r>
+              <a:rPr lang="en-US" altLang="zh-CN" dirty="0" smtClean="0"/>
+              <a:t>use </a:t>
+            </a:r>
+            <a:r>
+              <a:rPr lang="en-US" altLang="zh-CN" dirty="0" err="1" smtClean="0"/>
+              <a:t>Symfony</a:t>
+            </a:r>
+            <a:r>
+              <a:rPr lang="en-US" altLang="zh-CN" dirty="0" smtClean="0"/>
+              <a:t>\Component\Security\Core\Authentication\Token\</a:t>
+            </a:r>
+            <a:r>
+              <a:rPr lang="en-US" altLang="zh-CN" dirty="0" err="1" smtClean="0"/>
+              <a:t>TokenInterface</a:t>
+            </a:r>
+            <a:r>
+              <a:rPr lang="en-US" altLang="zh-CN" dirty="0" smtClean="0"/>
+              <a:t>;</a:t>
+            </a:r>
+          </a:p>
+          <a:p>
+            <a:r>
+              <a:rPr lang="en-US" altLang="zh-CN" dirty="0" smtClean="0"/>
+              <a:t>use </a:t>
+            </a:r>
+            <a:r>
+              <a:rPr lang="en-US" altLang="zh-CN" dirty="0" err="1" smtClean="0"/>
+              <a:t>Symfony</a:t>
+            </a:r>
+            <a:r>
+              <a:rPr lang="en-US" altLang="zh-CN" dirty="0" smtClean="0"/>
+              <a:t>\Component\Security\Http\Authentication\</a:t>
+            </a:r>
+            <a:r>
+              <a:rPr lang="en-US" altLang="zh-CN" dirty="0" err="1" smtClean="0"/>
+              <a:t>DefaultAuthenticationSuccessHandler</a:t>
+            </a:r>
+            <a:r>
+              <a:rPr lang="en-US" altLang="zh-CN" dirty="0" smtClean="0"/>
+              <a:t>;</a:t>
+            </a:r>
+          </a:p>
+          <a:p>
+            <a:endParaRPr lang="en-US" altLang="zh-CN" dirty="0" smtClean="0"/>
+          </a:p>
+          <a:p>
+            <a:r>
+              <a:rPr lang="en-US" altLang="zh-CN" dirty="0" smtClean="0"/>
+              <a:t>/**</a:t>
+            </a:r>
+          </a:p>
+          <a:p>
+            <a:r>
+              <a:rPr lang="en-US" altLang="zh-CN" dirty="0" smtClean="0"/>
+              <a:t> * @author Sylvain </a:t>
+            </a:r>
+            <a:r>
+              <a:rPr lang="en-US" altLang="zh-CN" dirty="0" err="1" smtClean="0"/>
+              <a:t>Lorinet</a:t>
+            </a:r>
+            <a:r>
+              <a:rPr lang="en-US" altLang="zh-CN" dirty="0" smtClean="0"/>
+              <a:t> &lt;sylvain.lorinet@gmail.com&gt;</a:t>
+            </a:r>
+          </a:p>
+          <a:p>
+            <a:r>
+              <a:rPr lang="en-US" altLang="zh-CN" dirty="0" smtClean="0"/>
+              <a:t> */</a:t>
+            </a:r>
+          </a:p>
+          <a:p>
+            <a:r>
+              <a:rPr lang="en-US" altLang="zh-CN" dirty="0" smtClean="0"/>
+              <a:t>class </a:t>
+            </a:r>
+            <a:r>
+              <a:rPr lang="en-US" altLang="zh-CN" dirty="0" err="1" smtClean="0"/>
+              <a:t>AjaxAuthenticationSuccessHandler</a:t>
+            </a:r>
+            <a:r>
+              <a:rPr lang="en-US" altLang="zh-CN" dirty="0" smtClean="0"/>
+              <a:t> extends </a:t>
+            </a:r>
+            <a:r>
+              <a:rPr lang="en-US" altLang="zh-CN" dirty="0" err="1" smtClean="0"/>
+              <a:t>DefaultAuthenticationSuccessHandler</a:t>
+            </a:r>
+            <a:endParaRPr lang="en-US" altLang="zh-CN" dirty="0" smtClean="0"/>
+          </a:p>
+          <a:p>
+            <a:r>
+              <a:rPr lang="en-US" altLang="zh-CN" dirty="0" smtClean="0"/>
+              <a:t>{</a:t>
+            </a:r>
+          </a:p>
+          <a:p>
+            <a:r>
+              <a:rPr lang="en-US" altLang="zh-CN" dirty="0" smtClean="0"/>
+              <a:t>    /**</a:t>
+            </a:r>
+          </a:p>
+          <a:p>
+            <a:r>
+              <a:rPr lang="en-US" altLang="zh-CN" dirty="0" smtClean="0"/>
+              <a:t>     * {@</a:t>
+            </a:r>
+            <a:r>
+              <a:rPr lang="en-US" altLang="zh-CN" dirty="0" err="1" smtClean="0"/>
+              <a:t>inheritDoc</a:t>
+            </a:r>
+            <a:r>
+              <a:rPr lang="en-US" altLang="zh-CN" dirty="0" smtClean="0"/>
+              <a:t>}</a:t>
+            </a:r>
+          </a:p>
+          <a:p>
+            <a:r>
+              <a:rPr lang="en-US" altLang="zh-CN" dirty="0" smtClean="0"/>
+              <a:t>     */</a:t>
+            </a:r>
+          </a:p>
+          <a:p>
+            <a:r>
+              <a:rPr lang="en-US" altLang="zh-CN" dirty="0" smtClean="0"/>
+              <a:t>    public function </a:t>
+            </a:r>
+            <a:r>
+              <a:rPr lang="en-US" altLang="zh-CN" dirty="0" err="1" smtClean="0"/>
+              <a:t>onAuthenticationSuccess</a:t>
+            </a:r>
+            <a:r>
+              <a:rPr lang="en-US" altLang="zh-CN" dirty="0" smtClean="0"/>
+              <a:t>(Request $request, </a:t>
+            </a:r>
+            <a:r>
+              <a:rPr lang="en-US" altLang="zh-CN" dirty="0" err="1" smtClean="0"/>
+              <a:t>TokenInterface</a:t>
+            </a:r>
+            <a:r>
+              <a:rPr lang="en-US" altLang="zh-CN" dirty="0" smtClean="0"/>
+              <a:t> $token)</a:t>
+            </a:r>
+          </a:p>
+          <a:p>
+            <a:r>
+              <a:rPr lang="en-US" altLang="zh-CN" dirty="0" smtClean="0"/>
+              <a:t>    {</a:t>
+            </a:r>
+          </a:p>
+          <a:p>
+            <a:r>
+              <a:rPr lang="en-US" altLang="zh-CN" dirty="0" smtClean="0"/>
+              <a:t>        if ($request-&gt;</a:t>
+            </a:r>
+            <a:r>
+              <a:rPr lang="en-US" altLang="zh-CN" dirty="0" err="1" smtClean="0"/>
+              <a:t>isXmlHttpRequest</a:t>
+            </a:r>
+            <a:r>
+              <a:rPr lang="en-US" altLang="zh-CN" dirty="0" smtClean="0"/>
+              <a:t>()) {</a:t>
+            </a:r>
+          </a:p>
+          <a:p>
+            <a:r>
+              <a:rPr lang="en-US" altLang="zh-CN" dirty="0" smtClean="0"/>
+              <a:t>            return new Response(</a:t>
+            </a:r>
+            <a:r>
+              <a:rPr lang="en-US" altLang="zh-CN" dirty="0" err="1" smtClean="0"/>
+              <a:t>json_encode</a:t>
+            </a:r>
+            <a:r>
+              <a:rPr lang="en-US" altLang="zh-CN" dirty="0" smtClean="0"/>
+              <a:t>(array(</a:t>
+            </a:r>
+          </a:p>
+          <a:p>
+            <a:r>
+              <a:rPr lang="en-US" altLang="zh-CN" dirty="0" smtClean="0"/>
+              <a:t>                'error'   =&gt; false,</a:t>
+            </a:r>
+          </a:p>
+          <a:p>
+            <a:r>
+              <a:rPr lang="en-US" altLang="zh-CN" dirty="0" smtClean="0"/>
+              <a:t>                'username'    =&gt; $token-&gt;</a:t>
+            </a:r>
+            <a:r>
+              <a:rPr lang="en-US" altLang="zh-CN" dirty="0" err="1" smtClean="0"/>
+              <a:t>getUser</a:t>
+            </a:r>
+            <a:r>
+              <a:rPr lang="en-US" altLang="zh-CN" dirty="0" smtClean="0"/>
+              <a:t>()-&gt;</a:t>
+            </a:r>
+            <a:r>
+              <a:rPr lang="en-US" altLang="zh-CN" dirty="0" err="1" smtClean="0"/>
+              <a:t>getUsername</a:t>
+            </a:r>
+            <a:r>
+              <a:rPr lang="en-US" altLang="zh-CN" dirty="0" smtClean="0"/>
+              <a:t>(),</a:t>
+            </a:r>
+          </a:p>
+          <a:p>
+            <a:r>
+              <a:rPr lang="en-US" altLang="zh-CN" dirty="0" smtClean="0"/>
+              <a:t>                '</a:t>
+            </a:r>
+            <a:r>
+              <a:rPr lang="en-US" altLang="zh-CN" dirty="0" err="1" smtClean="0"/>
+              <a:t>target_path</a:t>
+            </a:r>
+            <a:r>
+              <a:rPr lang="en-US" altLang="zh-CN" dirty="0" smtClean="0"/>
+              <a:t>' =&gt; $this-&gt;</a:t>
+            </a:r>
+            <a:r>
+              <a:rPr lang="en-US" altLang="zh-CN" dirty="0" err="1" smtClean="0"/>
+              <a:t>determineTargetUrl</a:t>
+            </a:r>
+            <a:r>
+              <a:rPr lang="en-US" altLang="zh-CN" dirty="0" smtClean="0"/>
+              <a:t>($request)</a:t>
+            </a:r>
+          </a:p>
+          <a:p>
+            <a:r>
+              <a:rPr lang="en-US" altLang="zh-CN" dirty="0" smtClean="0"/>
+              <a:t>            )));</a:t>
+            </a:r>
+          </a:p>
+          <a:p>
+            <a:r>
+              <a:rPr lang="en-US" altLang="zh-CN" dirty="0" smtClean="0"/>
+              <a:t>        }</a:t>
+            </a:r>
+          </a:p>
+          <a:p>
+            <a:endParaRPr lang="en-US" altLang="zh-CN" dirty="0" smtClean="0"/>
+          </a:p>
+          <a:p>
+            <a:r>
+              <a:rPr lang="en-US" altLang="zh-CN" dirty="0" smtClean="0"/>
+              <a:t>        return parent::</a:t>
+            </a:r>
+            <a:r>
+              <a:rPr lang="en-US" altLang="zh-CN" dirty="0" err="1" smtClean="0"/>
+              <a:t>onAuthenticationSuccess</a:t>
+            </a:r>
+            <a:r>
+              <a:rPr lang="en-US" altLang="zh-CN" dirty="0" smtClean="0"/>
+              <a:t>($request, $token);</a:t>
+            </a:r>
+          </a:p>
+          <a:p>
+            <a:r>
+              <a:rPr lang="en-US" altLang="zh-CN" dirty="0" smtClean="0"/>
+              <a:t>    }</a:t>
+            </a:r>
+          </a:p>
+          <a:p>
+            <a:r>
+              <a:rPr lang="en-US" altLang="zh-CN" dirty="0" smtClean="0"/>
+              <a:t>}</a:t>
+            </a:r>
+          </a:p>
+          <a:p>
+            <a:endParaRPr lang="en-US" altLang="zh-CN" dirty="0" smtClean="0"/>
+          </a:p>
+          <a:p>
+            <a:endParaRPr lang="zh-CN" altLang="en-US" dirty="0"/>
+          </a:p>
+        </p:txBody>
+      </p:sp>
+      <p:sp>
+        <p:nvSpPr>
+          <p:cNvPr id="4" name="灯片编号占位符 3"/>
+          <p:cNvSpPr>
+            <a:spLocks noGrp="1"/>
+          </p:cNvSpPr>
+          <p:nvPr>
+            <p:ph type="sldNum" sz="quarter" idx="10"/>
+          </p:nvPr>
+        </p:nvSpPr>
+        <p:spPr/>
+        <p:txBody>
+          <a:bodyPr/>
+          <a:lstStyle/>
+          <a:p>
+            <a:fld id="{BCEC405F-F40D-423E-A1C1-C0BB48CFFEA4}" type="slidenum">
+              <a:rPr lang="zh-CN" altLang="en-US" smtClean="0"/>
+              <a:t>10</a:t>
             </a:fld>
             <a:endParaRPr lang="zh-CN" altLang="en-US"/>
           </a:p>
@@ -1618,7 +6195,7 @@
             <a:fld id="{ECD19FB2-3AAB-4D03-B13A-2960828C78E3}" type="datetimeFigureOut">
               <a:rPr lang="en-US" dirty="0"/>
               <a:pPr/>
-              <a:t>10/14/2015</a:t>
+              <a:t>10/15/2015</a:t>
             </a:fld>
             <a:endParaRPr lang="en-US" dirty="0"/>
           </a:p>
@@ -1900,7 +6477,7 @@
             <a:fld id="{1B80C674-7DFC-42FE-B9CD-82963CDB1557}" type="datetimeFigureOut">
               <a:rPr lang="en-US" dirty="0"/>
               <a:pPr/>
-              <a:t>10/14/2015</a:t>
+              <a:t>10/15/2015</a:t>
             </a:fld>
             <a:endParaRPr lang="en-US" dirty="0"/>
           </a:p>
@@ -2093,7 +6670,7 @@
             <a:fld id="{2076456F-F47D-4F25-8053-2A695DA0CA7D}" type="datetimeFigureOut">
               <a:rPr lang="en-US" dirty="0"/>
               <a:pPr/>
-              <a:t>10/14/2015</a:t>
+              <a:t>10/15/2015</a:t>
             </a:fld>
             <a:endParaRPr lang="en-US" dirty="0"/>
           </a:p>
@@ -2355,7 +6932,7 @@
             <a:fld id="{5D6C7379-69CC-4837-9905-BEBA22830C8A}" type="datetimeFigureOut">
               <a:rPr lang="en-US" dirty="0"/>
               <a:pPr/>
-              <a:t>10/14/2015</a:t>
+              <a:t>10/15/2015</a:t>
             </a:fld>
             <a:endParaRPr lang="en-US" dirty="0"/>
           </a:p>
@@ -2782,7 +7359,7 @@
             <a:fld id="{49EB8B7E-8AEE-4F10-BFEE-C999AD004D36}" type="datetimeFigureOut">
               <a:rPr lang="en-US" dirty="0"/>
               <a:pPr/>
-              <a:t>10/14/2015</a:t>
+              <a:t>10/15/2015</a:t>
             </a:fld>
             <a:endParaRPr lang="en-US" dirty="0"/>
           </a:p>
@@ -3329,7 +7906,7 @@
             <a:fld id="{8668F3F9-58BC-440B-B37B-805B9055EF92}" type="datetimeFigureOut">
               <a:rPr lang="en-US" dirty="0"/>
               <a:pPr/>
-              <a:t>10/14/2015</a:t>
+              <a:t>10/15/2015</a:t>
             </a:fld>
             <a:endParaRPr lang="en-US" dirty="0"/>
           </a:p>
@@ -4161,7 +8738,7 @@
             <a:fld id="{0D5A53AF-48EA-489D-8260-9DCAB666386A}" type="datetimeFigureOut">
               <a:rPr lang="en-US" dirty="0"/>
               <a:pPr/>
-              <a:t>10/14/2015</a:t>
+              <a:t>10/15/2015</a:t>
             </a:fld>
             <a:endParaRPr lang="en-US" dirty="0"/>
           </a:p>
@@ -4332,7 +8909,7 @@
             <a:fld id="{0DED02AE-B9A4-47BD-AF8E-97E16144138B}" type="datetimeFigureOut">
               <a:rPr lang="en-US" dirty="0"/>
               <a:pPr/>
-              <a:t>10/14/2015</a:t>
+              <a:t>10/15/2015</a:t>
             </a:fld>
             <a:endParaRPr lang="en-US" dirty="0"/>
           </a:p>
@@ -4513,7 +9090,7 @@
             <a:fld id="{CF0FD78B-DB02-4362-BCDC-98A55456977C}" type="datetimeFigureOut">
               <a:rPr lang="en-US" dirty="0"/>
               <a:pPr/>
-              <a:t>10/14/2015</a:t>
+              <a:t>10/15/2015</a:t>
             </a:fld>
             <a:endParaRPr lang="en-US" dirty="0"/>
           </a:p>
@@ -4684,7 +9261,7 @@
             <a:fld id="{99916976-5D93-46E4-A98A-FAD63E4D0EA8}" type="datetimeFigureOut">
               <a:rPr lang="en-US" dirty="0"/>
               <a:pPr/>
-              <a:t>10/14/2015</a:t>
+              <a:t>10/15/2015</a:t>
             </a:fld>
             <a:endParaRPr lang="en-US" dirty="0"/>
           </a:p>
@@ -4942,7 +9519,7 @@
             <a:fld id="{0F39F4F5-F4D2-4D2A-AB60-88D37ADCB869}" type="datetimeFigureOut">
               <a:rPr lang="en-US" dirty="0"/>
               <a:pPr/>
-              <a:t>10/14/2015</a:t>
+              <a:t>10/15/2015</a:t>
             </a:fld>
             <a:endParaRPr lang="en-US" dirty="0"/>
           </a:p>
@@ -5175,7 +9752,7 @@
             <a:fld id="{D23BC6CE-6D1E-47E5-8859-F31AC5380EB2}" type="datetimeFigureOut">
               <a:rPr lang="en-US" dirty="0"/>
               <a:pPr/>
-              <a:t>10/14/2015</a:t>
+              <a:t>10/15/2015</a:t>
             </a:fld>
             <a:endParaRPr lang="en-US" dirty="0"/>
           </a:p>
@@ -5569,7 +10146,7 @@
             <a:fld id="{B1B4E7C4-4DA4-404D-9965-B13F2DD7D8BF}" type="datetimeFigureOut">
               <a:rPr lang="en-US" dirty="0"/>
               <a:pPr/>
-              <a:t>10/14/2015</a:t>
+              <a:t>10/15/2015</a:t>
             </a:fld>
             <a:endParaRPr lang="en-US" dirty="0"/>
           </a:p>
@@ -5688,7 +10265,7 @@
             <a:fld id="{476FB7AA-4A53-424F-AD41-70827B6504BA}" type="datetimeFigureOut">
               <a:rPr lang="en-US" dirty="0"/>
               <a:pPr/>
-              <a:t>10/14/2015</a:t>
+              <a:t>10/15/2015</a:t>
             </a:fld>
             <a:endParaRPr lang="en-US" dirty="0"/>
           </a:p>
@@ -5784,7 +10361,7 @@
             <a:fld id="{E7884882-FB12-4BC8-9960-9AD8104D7FAE}" type="datetimeFigureOut">
               <a:rPr lang="en-US" dirty="0"/>
               <a:pPr/>
-              <a:t>10/14/2015</a:t>
+              <a:t>10/15/2015</a:t>
             </a:fld>
             <a:endParaRPr lang="en-US" dirty="0"/>
           </a:p>
@@ -6058,7 +10635,7 @@
             <a:fld id="{F7D1BD23-6E54-4D9D-AD88-A2813C73CC25}" type="datetimeFigureOut">
               <a:rPr lang="en-US" dirty="0"/>
               <a:pPr/>
-              <a:t>10/14/2015</a:t>
+              <a:t>10/15/2015</a:t>
             </a:fld>
             <a:endParaRPr lang="en-US" dirty="0"/>
           </a:p>
@@ -6340,7 +10917,7 @@
             <a:fld id="{1471A834-4F3C-4AF9-9C74-05EC35A0F292}" type="datetimeFigureOut">
               <a:rPr lang="en-US" dirty="0"/>
               <a:pPr/>
-              <a:t>10/14/2015</a:t>
+              <a:t>10/15/2015</a:t>
             </a:fld>
             <a:endParaRPr lang="en-US" dirty="0"/>
           </a:p>
@@ -6581,7 +11158,7 @@
             <a:fld id="{51CF1133-3259-4C45-BABA-5B62D9C6F78D}" type="datetimeFigureOut">
               <a:rPr lang="en-US" dirty="0"/>
               <a:pPr/>
-              <a:t>10/14/2015</a:t>
+              <a:t>10/15/2015</a:t>
             </a:fld>
             <a:endParaRPr lang="en-US" dirty="0"/>
           </a:p>
@@ -7162,47 +11739,38 @@
         </p:spPr>
         <p:txBody>
           <a:bodyPr>
-            <a:normAutofit/>
+            <a:normAutofit fontScale="90000"/>
           </a:bodyPr>
           <a:lstStyle/>
           <a:p>
             <a:r>
               <a:rPr kumimoji="1" lang="en-US" altLang="zh-CN" sz="8000" dirty="0" smtClean="0"/>
-              <a:t>Symfony2 Security</a:t>
+              <a:t>Symfony2 </a:t>
+            </a:r>
+            <a:r>
+              <a:rPr kumimoji="1" lang="en-US" altLang="zh-CN" sz="8000" dirty="0" smtClean="0"/>
+              <a:t>Security</a:t>
             </a:r>
             <a:r>
               <a:rPr kumimoji="1" lang="zh-CN" altLang="en-US" sz="8000" dirty="0" smtClean="0"/>
-              <a:t>组</a:t>
+              <a:t>组件</a:t>
+            </a:r>
+            <a:r>
+              <a:rPr kumimoji="1" lang="en-US" altLang="zh-CN" sz="8000" dirty="0" smtClean="0"/>
+              <a:t/>
+            </a:r>
+            <a:br>
+              <a:rPr kumimoji="1" lang="en-US" altLang="zh-CN" sz="8000" dirty="0" smtClean="0"/>
+            </a:br>
+            <a:r>
+              <a:rPr kumimoji="1" lang="zh-CN" altLang="en-US" sz="8000" dirty="0"/>
+              <a:t>配置</a:t>
             </a:r>
             <a:r>
               <a:rPr kumimoji="1" lang="zh-CN" altLang="en-US" sz="8000" dirty="0" smtClean="0"/>
               <a:t>分享</a:t>
             </a:r>
             <a:endParaRPr kumimoji="1" lang="zh-CN" altLang="en-US" sz="8000" dirty="0"/>
-          </a:p>
-        </p:txBody>
-      </p:sp>
-      <p:sp>
-        <p:nvSpPr>
-          <p:cNvPr id="3" name="副标题 2"/>
-          <p:cNvSpPr>
-            <a:spLocks noGrp="1"/>
-          </p:cNvSpPr>
-          <p:nvPr>
-            <p:ph type="subTitle" idx="1"/>
-          </p:nvPr>
-        </p:nvSpPr>
-        <p:spPr>
-          <a:xfrm>
-            <a:off x="2224086" y="2947980"/>
-            <a:ext cx="9144000" cy="754025"/>
-          </a:xfrm>
-        </p:spPr>
-        <p:txBody>
-          <a:bodyPr/>
-          <a:lstStyle/>
-          <a:p>
-            <a:endParaRPr kumimoji="1" lang="zh-CN" altLang="en-US" dirty="0"/>
           </a:p>
         </p:txBody>
       </p:sp>
@@ -7265,6 +11833,534 @@
 </p:sld>
 </file>
 
+<file path=ppt/slides/slide10.xml><?xml version="1.0" encoding="utf-8"?>
+<p:sld xmlns:a="http://schemas.openxmlformats.org/drawingml/2006/main" xmlns:r="http://schemas.openxmlformats.org/officeDocument/2006/relationships" xmlns:p="http://schemas.openxmlformats.org/presentationml/2006/main">
+  <p:cSld>
+    <p:spTree>
+      <p:nvGrpSpPr>
+        <p:cNvPr id="1" name=""/>
+        <p:cNvGrpSpPr/>
+        <p:nvPr/>
+      </p:nvGrpSpPr>
+      <p:grpSpPr>
+        <a:xfrm>
+          <a:off x="0" y="0"/>
+          <a:ext cx="0" cy="0"/>
+          <a:chOff x="0" y="0"/>
+          <a:chExt cx="0" cy="0"/>
+        </a:xfrm>
+      </p:grpSpPr>
+      <p:sp>
+        <p:nvSpPr>
+          <p:cNvPr id="2" name="标题 1"/>
+          <p:cNvSpPr>
+            <a:spLocks noGrp="1"/>
+          </p:cNvSpPr>
+          <p:nvPr>
+            <p:ph type="title"/>
+          </p:nvPr>
+        </p:nvSpPr>
+        <p:spPr/>
+        <p:txBody>
+          <a:bodyPr/>
+          <a:lstStyle/>
+          <a:p>
+            <a:r>
+              <a:rPr kumimoji="1" lang="en-US" altLang="zh-CN" dirty="0" smtClean="0"/>
+              <a:t>Ajax</a:t>
+            </a:r>
+            <a:r>
+              <a:rPr kumimoji="1" lang="zh-CN" altLang="en-US" dirty="0"/>
+              <a:t>登录</a:t>
+            </a:r>
+            <a:endParaRPr kumimoji="1" lang="zh-CN" altLang="en-US" dirty="0"/>
+          </a:p>
+        </p:txBody>
+      </p:sp>
+      <p:sp>
+        <p:nvSpPr>
+          <p:cNvPr id="3" name="内容占位符 2"/>
+          <p:cNvSpPr>
+            <a:spLocks noGrp="1"/>
+          </p:cNvSpPr>
+          <p:nvPr>
+            <p:ph idx="1"/>
+          </p:nvPr>
+        </p:nvSpPr>
+        <p:spPr>
+          <a:xfrm>
+            <a:off x="1120000" y="1836964"/>
+            <a:ext cx="10233800" cy="4351338"/>
+          </a:xfrm>
+        </p:spPr>
+        <p:txBody>
+          <a:bodyPr/>
+          <a:lstStyle/>
+          <a:p>
+            <a:r>
+              <a:rPr lang="zh-CN" altLang="en-US" dirty="0" smtClean="0"/>
+              <a:t>表单登录步骤一样</a:t>
+            </a:r>
+            <a:r>
+              <a:rPr lang="en-US" altLang="zh-CN" dirty="0" smtClean="0"/>
+              <a:t>(</a:t>
+            </a:r>
+            <a:r>
+              <a:rPr lang="zh-CN" altLang="en-US" dirty="0" smtClean="0"/>
+              <a:t>防火墙配置成功，失败的操作</a:t>
+            </a:r>
+            <a:r>
+              <a:rPr lang="en-US" altLang="zh-CN" dirty="0" smtClean="0"/>
+              <a:t>)</a:t>
+            </a:r>
+            <a:endParaRPr lang="en-US" altLang="zh-CN" dirty="0" smtClean="0"/>
+          </a:p>
+          <a:p>
+            <a:r>
+              <a:rPr lang="zh-CN" altLang="en-US" dirty="0" smtClean="0"/>
+              <a:t>书写配置成功失败的</a:t>
+            </a:r>
+            <a:r>
+              <a:rPr lang="en-US" altLang="zh-CN" dirty="0" smtClean="0"/>
+              <a:t>service</a:t>
+            </a:r>
+          </a:p>
+          <a:p>
+            <a:endParaRPr lang="en-US" altLang="zh-CN" dirty="0"/>
+          </a:p>
+          <a:p>
+            <a:endParaRPr lang="en-US" altLang="zh-CN" dirty="0"/>
+          </a:p>
+        </p:txBody>
+      </p:sp>
+    </p:spTree>
+    <p:extLst>
+      <p:ext uri="{BB962C8B-B14F-4D97-AF65-F5344CB8AC3E}">
+        <p14:creationId xmlns:p14="http://schemas.microsoft.com/office/powerpoint/2010/main" val="4224978820"/>
+      </p:ext>
+    </p:extLst>
+  </p:cSld>
+  <p:clrMapOvr>
+    <a:masterClrMapping/>
+  </p:clrMapOvr>
+  <p:timing>
+    <p:tnLst>
+      <p:par>
+        <p:cTn id="1" dur="indefinite" restart="never" nodeType="tmRoot"/>
+      </p:par>
+    </p:tnLst>
+  </p:timing>
+</p:sld>
+</file>
+
+<file path=ppt/slides/slide11.xml><?xml version="1.0" encoding="utf-8"?>
+<p:sld xmlns:a="http://schemas.openxmlformats.org/drawingml/2006/main" xmlns:r="http://schemas.openxmlformats.org/officeDocument/2006/relationships" xmlns:p="http://schemas.openxmlformats.org/presentationml/2006/main">
+  <p:cSld>
+    <p:spTree>
+      <p:nvGrpSpPr>
+        <p:cNvPr id="1" name=""/>
+        <p:cNvGrpSpPr/>
+        <p:nvPr/>
+      </p:nvGrpSpPr>
+      <p:grpSpPr>
+        <a:xfrm>
+          <a:off x="0" y="0"/>
+          <a:ext cx="0" cy="0"/>
+          <a:chOff x="0" y="0"/>
+          <a:chExt cx="0" cy="0"/>
+        </a:xfrm>
+      </p:grpSpPr>
+      <p:sp>
+        <p:nvSpPr>
+          <p:cNvPr id="2" name="标题 1"/>
+          <p:cNvSpPr>
+            <a:spLocks noGrp="1"/>
+          </p:cNvSpPr>
+          <p:nvPr>
+            <p:ph type="title"/>
+          </p:nvPr>
+        </p:nvSpPr>
+        <p:spPr/>
+        <p:txBody>
+          <a:bodyPr/>
+          <a:lstStyle/>
+          <a:p>
+            <a:r>
+              <a:rPr kumimoji="1" lang="zh-CN" altLang="en-US" dirty="0" smtClean="0"/>
+              <a:t>如何从数据库中加载用户</a:t>
+            </a:r>
+            <a:endParaRPr kumimoji="1" lang="zh-CN" altLang="en-US" dirty="0"/>
+          </a:p>
+        </p:txBody>
+      </p:sp>
+      <p:sp>
+        <p:nvSpPr>
+          <p:cNvPr id="3" name="内容占位符 2"/>
+          <p:cNvSpPr>
+            <a:spLocks noGrp="1"/>
+          </p:cNvSpPr>
+          <p:nvPr>
+            <p:ph idx="1"/>
+          </p:nvPr>
+        </p:nvSpPr>
+        <p:spPr>
+          <a:xfrm>
+            <a:off x="1120000" y="1836964"/>
+            <a:ext cx="10233800" cy="4351338"/>
+          </a:xfrm>
+        </p:spPr>
+        <p:txBody>
+          <a:bodyPr/>
+          <a:lstStyle/>
+          <a:p>
+            <a:r>
+              <a:rPr lang="zh-CN" altLang="en-US" dirty="0" smtClean="0"/>
+              <a:t>生成实体文件（</a:t>
+            </a:r>
+            <a:r>
+              <a:rPr lang="en-US" altLang="zh-CN" dirty="0" err="1"/>
+              <a:t>php</a:t>
+            </a:r>
+            <a:r>
+              <a:rPr lang="en-US" altLang="zh-CN" dirty="0"/>
+              <a:t> app/console </a:t>
+            </a:r>
+            <a:r>
+              <a:rPr lang="en-US" altLang="zh-CN" dirty="0" err="1"/>
+              <a:t>doctrine:generate:entity</a:t>
+            </a:r>
+            <a:r>
+              <a:rPr lang="zh-CN" altLang="en-US" dirty="0" smtClean="0"/>
+              <a:t>）</a:t>
+            </a:r>
+            <a:endParaRPr lang="en-US" altLang="zh-CN" dirty="0" smtClean="0"/>
+          </a:p>
+          <a:p>
+            <a:r>
+              <a:rPr lang="zh-CN" altLang="en-US" dirty="0" smtClean="0"/>
+              <a:t>创建数据表</a:t>
+            </a:r>
+            <a:r>
+              <a:rPr lang="en-US" altLang="zh-CN" dirty="0" smtClean="0"/>
+              <a:t>(</a:t>
+            </a:r>
+            <a:r>
+              <a:rPr lang="en-US" altLang="zh-CN" dirty="0" err="1"/>
+              <a:t>php</a:t>
+            </a:r>
+            <a:r>
+              <a:rPr lang="en-US" altLang="zh-CN" dirty="0"/>
+              <a:t> app/console </a:t>
+            </a:r>
+            <a:r>
+              <a:rPr lang="en-US" altLang="zh-CN" dirty="0" err="1"/>
+              <a:t>doctrine:schema:update</a:t>
+            </a:r>
+            <a:r>
+              <a:rPr lang="en-US" altLang="zh-CN" dirty="0"/>
+              <a:t> </a:t>
+            </a:r>
+            <a:r>
+              <a:rPr lang="en-US" altLang="zh-CN" dirty="0" smtClean="0"/>
+              <a:t> --dump-</a:t>
+            </a:r>
+            <a:r>
+              <a:rPr lang="en-US" altLang="zh-CN" dirty="0" err="1" smtClean="0"/>
+              <a:t>sql</a:t>
+            </a:r>
+            <a:r>
+              <a:rPr lang="en-US" altLang="zh-CN" dirty="0" smtClean="0"/>
+              <a:t> --</a:t>
+            </a:r>
+            <a:r>
+              <a:rPr lang="en-US" altLang="zh-CN" dirty="0"/>
+              <a:t>force</a:t>
+            </a:r>
+            <a:r>
+              <a:rPr lang="en-US" altLang="zh-CN" dirty="0" smtClean="0"/>
+              <a:t>)</a:t>
+            </a:r>
+          </a:p>
+          <a:p>
+            <a:r>
+              <a:rPr lang="zh-CN" altLang="en-US" dirty="0" smtClean="0"/>
+              <a:t>用户实体实现</a:t>
+            </a:r>
+            <a:r>
+              <a:rPr lang="en-US" altLang="zh-CN" dirty="0" err="1" smtClean="0"/>
+              <a:t>UserInterface</a:t>
+            </a:r>
+            <a:r>
+              <a:rPr lang="zh-CN" altLang="en-US" dirty="0" smtClean="0"/>
+              <a:t>接口</a:t>
+            </a:r>
+            <a:endParaRPr lang="en-US" altLang="zh-CN" dirty="0" smtClean="0"/>
+          </a:p>
+          <a:p>
+            <a:r>
+              <a:rPr lang="zh-CN" altLang="en-US" dirty="0" smtClean="0"/>
+              <a:t>配置</a:t>
+            </a:r>
+            <a:r>
+              <a:rPr lang="en-US" altLang="zh-CN" dirty="0" err="1" smtClean="0"/>
+              <a:t>providers,encoders</a:t>
+            </a:r>
+            <a:r>
+              <a:rPr lang="en-US" altLang="zh-CN" dirty="0" smtClean="0"/>
+              <a:t>,</a:t>
+            </a:r>
+          </a:p>
+          <a:p>
+            <a:r>
+              <a:rPr lang="zh-CN" altLang="en-US" dirty="0" smtClean="0"/>
+              <a:t>配置防火墙使用该</a:t>
+            </a:r>
+            <a:r>
+              <a:rPr lang="en-US" altLang="zh-CN" dirty="0" smtClean="0"/>
+              <a:t>provider;</a:t>
+            </a:r>
+          </a:p>
+          <a:p>
+            <a:r>
+              <a:rPr lang="en-US" altLang="zh-CN" dirty="0" err="1" smtClean="0"/>
+              <a:t>UserRepository</a:t>
+            </a:r>
+            <a:r>
+              <a:rPr lang="zh-CN" altLang="en-US" dirty="0" smtClean="0"/>
+              <a:t>实现</a:t>
+            </a:r>
+            <a:r>
+              <a:rPr lang="en-US" altLang="zh-CN" dirty="0" err="1" smtClean="0"/>
+              <a:t>UserProviderInterface</a:t>
+            </a:r>
+            <a:r>
+              <a:rPr lang="zh-CN" altLang="en-US" dirty="0" smtClean="0"/>
+              <a:t>接口</a:t>
+            </a:r>
+            <a:r>
+              <a:rPr lang="en-US" altLang="zh-CN" dirty="0" smtClean="0"/>
+              <a:t>,</a:t>
+            </a:r>
+            <a:r>
+              <a:rPr lang="zh-CN" altLang="en-US" dirty="0" smtClean="0"/>
+              <a:t>完成</a:t>
+            </a:r>
+            <a:r>
+              <a:rPr lang="en-US" altLang="zh-CN" dirty="0" err="1" smtClean="0"/>
+              <a:t>loadUserByUsername</a:t>
+            </a:r>
+            <a:r>
+              <a:rPr lang="zh-CN" altLang="en-US" dirty="0" smtClean="0"/>
+              <a:t>方法</a:t>
+            </a:r>
+            <a:endParaRPr lang="en-US" altLang="zh-CN" dirty="0" smtClean="0"/>
+          </a:p>
+          <a:p>
+            <a:endParaRPr lang="en-US" altLang="zh-CN" dirty="0"/>
+          </a:p>
+          <a:p>
+            <a:pPr marL="0" indent="0">
+              <a:buNone/>
+            </a:pPr>
+            <a:endParaRPr lang="en-US" altLang="zh-CN" dirty="0"/>
+          </a:p>
+          <a:p>
+            <a:endParaRPr lang="en-US" altLang="zh-CN" dirty="0"/>
+          </a:p>
+          <a:p>
+            <a:endParaRPr lang="en-US" altLang="zh-CN" dirty="0"/>
+          </a:p>
+        </p:txBody>
+      </p:sp>
+    </p:spTree>
+    <p:extLst>
+      <p:ext uri="{BB962C8B-B14F-4D97-AF65-F5344CB8AC3E}">
+        <p14:creationId xmlns:p14="http://schemas.microsoft.com/office/powerpoint/2010/main" val="980198464"/>
+      </p:ext>
+    </p:extLst>
+  </p:cSld>
+  <p:clrMapOvr>
+    <a:masterClrMapping/>
+  </p:clrMapOvr>
+  <p:timing>
+    <p:tnLst>
+      <p:par>
+        <p:cTn id="1" dur="indefinite" restart="never" nodeType="tmRoot"/>
+      </p:par>
+    </p:tnLst>
+  </p:timing>
+</p:sld>
+</file>
+
+<file path=ppt/slides/slide12.xml><?xml version="1.0" encoding="utf-8"?>
+<p:sld xmlns:a="http://schemas.openxmlformats.org/drawingml/2006/main" xmlns:r="http://schemas.openxmlformats.org/officeDocument/2006/relationships" xmlns:p="http://schemas.openxmlformats.org/presentationml/2006/main">
+  <p:cSld>
+    <p:spTree>
+      <p:nvGrpSpPr>
+        <p:cNvPr id="1" name=""/>
+        <p:cNvGrpSpPr/>
+        <p:nvPr/>
+      </p:nvGrpSpPr>
+      <p:grpSpPr>
+        <a:xfrm>
+          <a:off x="0" y="0"/>
+          <a:ext cx="0" cy="0"/>
+          <a:chOff x="0" y="0"/>
+          <a:chExt cx="0" cy="0"/>
+        </a:xfrm>
+      </p:grpSpPr>
+      <p:sp>
+        <p:nvSpPr>
+          <p:cNvPr id="2" name="标题 1"/>
+          <p:cNvSpPr>
+            <a:spLocks noGrp="1"/>
+          </p:cNvSpPr>
+          <p:nvPr>
+            <p:ph type="title"/>
+          </p:nvPr>
+        </p:nvSpPr>
+        <p:spPr/>
+        <p:txBody>
+          <a:bodyPr/>
+          <a:lstStyle/>
+          <a:p>
+            <a:r>
+              <a:rPr lang="en-US" altLang="zh-CN" dirty="0" err="1"/>
+              <a:t>HWIOAuthBundle</a:t>
+            </a:r>
+            <a:endParaRPr lang="zh-CN" altLang="en-US" dirty="0"/>
+          </a:p>
+        </p:txBody>
+      </p:sp>
+      <p:sp>
+        <p:nvSpPr>
+          <p:cNvPr id="3" name="内容占位符 2"/>
+          <p:cNvSpPr>
+            <a:spLocks noGrp="1"/>
+          </p:cNvSpPr>
+          <p:nvPr>
+            <p:ph idx="4294967295"/>
+          </p:nvPr>
+        </p:nvSpPr>
+        <p:spPr>
+          <a:xfrm>
+            <a:off x="1958975" y="1825625"/>
+            <a:ext cx="10233025" cy="4351338"/>
+          </a:xfrm>
+        </p:spPr>
+        <p:txBody>
+          <a:bodyPr/>
+          <a:lstStyle/>
+          <a:p>
+            <a:r>
+              <a:rPr lang="en-US" altLang="zh-CN" dirty="0" smtClean="0"/>
+              <a:t>Composer </a:t>
+            </a:r>
+            <a:r>
+              <a:rPr lang="zh-CN" altLang="en-US" dirty="0" smtClean="0"/>
+              <a:t>下载安装该</a:t>
+            </a:r>
+            <a:r>
+              <a:rPr lang="en-US" altLang="zh-CN" dirty="0" smtClean="0"/>
+              <a:t>bundle</a:t>
+            </a:r>
+            <a:endParaRPr lang="en-US" altLang="zh-CN" dirty="0"/>
+          </a:p>
+          <a:p>
+            <a:r>
+              <a:rPr lang="zh-CN" altLang="en-US" dirty="0" smtClean="0"/>
+              <a:t>配置防火墙以及</a:t>
+            </a:r>
+            <a:r>
+              <a:rPr lang="en-US" altLang="zh-CN" dirty="0" err="1" smtClean="0"/>
+              <a:t>config.yml</a:t>
+            </a:r>
+            <a:r>
+              <a:rPr lang="en-US" altLang="zh-CN" dirty="0" smtClean="0"/>
+              <a:t>,</a:t>
+            </a:r>
+            <a:r>
+              <a:rPr lang="zh-CN" altLang="en-US" dirty="0" smtClean="0"/>
+              <a:t>以及路由</a:t>
+            </a:r>
+            <a:endParaRPr lang="en-US" altLang="zh-CN" dirty="0"/>
+          </a:p>
+        </p:txBody>
+      </p:sp>
+    </p:spTree>
+    <p:extLst>
+      <p:ext uri="{BB962C8B-B14F-4D97-AF65-F5344CB8AC3E}">
+        <p14:creationId xmlns:p14="http://schemas.microsoft.com/office/powerpoint/2010/main" val="2459136116"/>
+      </p:ext>
+    </p:extLst>
+  </p:cSld>
+  <p:clrMapOvr>
+    <a:masterClrMapping/>
+  </p:clrMapOvr>
+  <p:timing>
+    <p:tnLst>
+      <p:par>
+        <p:cTn id="1" dur="indefinite" restart="never" nodeType="tmRoot"/>
+      </p:par>
+    </p:tnLst>
+  </p:timing>
+</p:sld>
+</file>
+
+<file path=ppt/slides/slide13.xml><?xml version="1.0" encoding="utf-8"?>
+<p:sld xmlns:a="http://schemas.openxmlformats.org/drawingml/2006/main" xmlns:r="http://schemas.openxmlformats.org/officeDocument/2006/relationships" xmlns:p="http://schemas.openxmlformats.org/presentationml/2006/main">
+  <p:cSld>
+    <p:spTree>
+      <p:nvGrpSpPr>
+        <p:cNvPr id="1" name=""/>
+        <p:cNvGrpSpPr/>
+        <p:nvPr/>
+      </p:nvGrpSpPr>
+      <p:grpSpPr>
+        <a:xfrm>
+          <a:off x="0" y="0"/>
+          <a:ext cx="0" cy="0"/>
+          <a:chOff x="0" y="0"/>
+          <a:chExt cx="0" cy="0"/>
+        </a:xfrm>
+      </p:grpSpPr>
+      <p:sp>
+        <p:nvSpPr>
+          <p:cNvPr id="2" name="标题 1"/>
+          <p:cNvSpPr>
+            <a:spLocks noGrp="1"/>
+          </p:cNvSpPr>
+          <p:nvPr>
+            <p:ph type="title"/>
+          </p:nvPr>
+        </p:nvSpPr>
+        <p:spPr>
+          <a:xfrm>
+            <a:off x="717550" y="2725737"/>
+            <a:ext cx="10515600" cy="1325563"/>
+          </a:xfrm>
+        </p:spPr>
+        <p:txBody>
+          <a:bodyPr/>
+          <a:lstStyle/>
+          <a:p>
+            <a:pPr algn="ctr"/>
+            <a:r>
+              <a:rPr lang="zh-CN" altLang="en-US" dirty="0" smtClean="0"/>
+              <a:t>谢谢</a:t>
+            </a:r>
+            <a:endParaRPr lang="zh-CN" altLang="en-US" dirty="0"/>
+          </a:p>
+        </p:txBody>
+      </p:sp>
+    </p:spTree>
+  </p:cSld>
+  <p:clrMapOvr>
+    <a:masterClrMapping/>
+  </p:clrMapOvr>
+</p:sld>
+</file>
+
 <file path=ppt/slides/slide2.xml><?xml version="1.0" encoding="utf-8"?>
 <p:sld xmlns:a="http://schemas.openxmlformats.org/drawingml/2006/main" xmlns:r="http://schemas.openxmlformats.org/officeDocument/2006/relationships" xmlns:p="http://schemas.openxmlformats.org/presentationml/2006/main">
   <p:cSld>
@@ -7321,19 +12417,23 @@
           <a:lstStyle/>
           <a:p>
             <a:r>
+              <a:rPr kumimoji="1" lang="zh-CN" altLang="en-US" dirty="0"/>
+              <a:t>防火墙</a:t>
+            </a:r>
+            <a:r>
               <a:rPr kumimoji="1" lang="zh-CN" altLang="en-US" dirty="0" smtClean="0"/>
-              <a:t>该组件基本配置</a:t>
+              <a:t>基本</a:t>
+            </a:r>
+            <a:r>
+              <a:rPr kumimoji="1" lang="zh-CN" altLang="en-US" dirty="0" smtClean="0"/>
+              <a:t>配置</a:t>
             </a:r>
             <a:endParaRPr kumimoji="1" lang="en-US" altLang="zh-CN" dirty="0"/>
           </a:p>
           <a:p>
             <a:r>
               <a:rPr kumimoji="1" lang="zh-CN" altLang="en-US" dirty="0" smtClean="0"/>
-              <a:t>简单的实现几</a:t>
-            </a:r>
-            <a:r>
-              <a:rPr kumimoji="1" lang="zh-CN" altLang="en-US" dirty="0" smtClean="0"/>
-              <a:t>个</a:t>
+              <a:t>简单的实现几个</a:t>
             </a:r>
             <a:r>
               <a:rPr kumimoji="1" lang="zh-CN" altLang="en-US" dirty="0"/>
@@ -7341,11 +12441,7 @@
             </a:r>
             <a:r>
               <a:rPr kumimoji="1" lang="zh-CN" altLang="en-US" dirty="0" smtClean="0"/>
-              <a:t>小</a:t>
-            </a:r>
-            <a:r>
-              <a:rPr kumimoji="1" lang="zh-CN" altLang="en-US" dirty="0" smtClean="0"/>
-              <a:t>案例</a:t>
+              <a:t>小案例</a:t>
             </a:r>
             <a:endParaRPr lang="en-US" altLang="zh-CN" dirty="0" smtClean="0"/>
           </a:p>
@@ -8218,30 +13314,264 @@
             <p:ph type="title"/>
           </p:nvPr>
         </p:nvSpPr>
+        <p:spPr/>
+        <p:txBody>
+          <a:bodyPr/>
+          <a:lstStyle/>
+          <a:p>
+            <a:r>
+              <a:rPr lang="en-US" altLang="zh-CN" dirty="0"/>
+              <a:t>http basic</a:t>
+            </a:r>
+            <a:r>
+              <a:rPr lang="zh-CN" altLang="en-US" dirty="0"/>
+              <a:t>基本认证</a:t>
+            </a:r>
+            <a:endParaRPr lang="en-US" altLang="zh-CN" dirty="0"/>
+          </a:p>
+        </p:txBody>
+      </p:sp>
+      <p:sp>
+        <p:nvSpPr>
+          <p:cNvPr id="3" name="内容占位符 2"/>
+          <p:cNvSpPr>
+            <a:spLocks noGrp="1"/>
+          </p:cNvSpPr>
+          <p:nvPr>
+            <p:ph idx="1"/>
+          </p:nvPr>
+        </p:nvSpPr>
         <p:spPr>
           <a:xfrm>
-            <a:off x="717550" y="2725737"/>
-            <a:ext cx="10515600" cy="1325563"/>
+            <a:off x="1120000" y="1397000"/>
+            <a:ext cx="10233800" cy="5270499"/>
           </a:xfrm>
         </p:spPr>
         <p:txBody>
-          <a:bodyPr/>
+          <a:bodyPr>
+            <a:normAutofit/>
+          </a:bodyPr>
           <a:lstStyle/>
           <a:p>
-            <a:pPr algn="ctr"/>
+            <a:pPr marL="514350" indent="-514350">
+              <a:buFont typeface="+mj-lt"/>
+              <a:buAutoNum type="arabicPeriod"/>
+            </a:pPr>
             <a:r>
               <a:rPr lang="zh-CN" altLang="en-US" dirty="0" smtClean="0"/>
-              <a:t>谢谢</a:t>
-            </a:r>
-            <a:endParaRPr lang="zh-CN" altLang="en-US" dirty="0"/>
+              <a:t>防火墙的配置</a:t>
+            </a:r>
+            <a:endParaRPr lang="en-US" altLang="zh-CN" dirty="0" smtClean="0"/>
+          </a:p>
+          <a:p>
+            <a:pPr marL="514350" indent="-514350">
+              <a:buFont typeface="+mj-lt"/>
+              <a:buAutoNum type="arabicPeriod"/>
+            </a:pPr>
+            <a:r>
+              <a:rPr lang="en-US" altLang="zh-CN" dirty="0" err="1" smtClean="0"/>
+              <a:t>Access_control</a:t>
+            </a:r>
+            <a:r>
+              <a:rPr lang="zh-CN" altLang="en-US" dirty="0" smtClean="0"/>
+              <a:t>的配置</a:t>
+            </a:r>
+            <a:endParaRPr lang="en-US" altLang="zh-CN" dirty="0" smtClean="0"/>
+          </a:p>
+          <a:p>
+            <a:pPr marL="514350" indent="-514350">
+              <a:buFont typeface="+mj-lt"/>
+              <a:buAutoNum type="arabicPeriod"/>
+            </a:pPr>
+            <a:r>
+              <a:rPr lang="en-US" altLang="zh-CN" dirty="0" smtClean="0"/>
+              <a:t>Providers</a:t>
+            </a:r>
+            <a:r>
+              <a:rPr lang="zh-CN" altLang="en-US" dirty="0" smtClean="0"/>
+              <a:t>配置</a:t>
+            </a:r>
+            <a:endParaRPr lang="en-US" altLang="zh-CN" dirty="0" smtClean="0"/>
+          </a:p>
+          <a:p>
+            <a:pPr marL="514350" indent="-514350">
+              <a:buFont typeface="+mj-lt"/>
+              <a:buAutoNum type="arabicPeriod"/>
+            </a:pPr>
+            <a:r>
+              <a:rPr lang="en-US" altLang="zh-CN" dirty="0" smtClean="0"/>
+              <a:t>Encoders</a:t>
+            </a:r>
+            <a:r>
+              <a:rPr lang="zh-CN" altLang="en-US" dirty="0" smtClean="0"/>
+              <a:t>配置</a:t>
+            </a:r>
+            <a:endParaRPr lang="en-US" altLang="zh-CN" dirty="0"/>
           </a:p>
         </p:txBody>
       </p:sp>
     </p:spTree>
+    <p:extLst>
+      <p:ext uri="{BB962C8B-B14F-4D97-AF65-F5344CB8AC3E}">
+        <p14:creationId xmlns:p14="http://schemas.microsoft.com/office/powerpoint/2010/main" val="3094348295"/>
+      </p:ext>
+    </p:extLst>
   </p:cSld>
   <p:clrMapOvr>
     <a:masterClrMapping/>
   </p:clrMapOvr>
+  <p:timing>
+    <p:tnLst>
+      <p:par>
+        <p:cTn id="1" dur="indefinite" restart="never" nodeType="tmRoot"/>
+      </p:par>
+    </p:tnLst>
+  </p:timing>
+</p:sld>
+</file>
+
+<file path=ppt/slides/slide9.xml><?xml version="1.0" encoding="utf-8"?>
+<p:sld xmlns:a="http://schemas.openxmlformats.org/drawingml/2006/main" xmlns:r="http://schemas.openxmlformats.org/officeDocument/2006/relationships" xmlns:p="http://schemas.openxmlformats.org/presentationml/2006/main">
+  <p:cSld>
+    <p:spTree>
+      <p:nvGrpSpPr>
+        <p:cNvPr id="1" name=""/>
+        <p:cNvGrpSpPr/>
+        <p:nvPr/>
+      </p:nvGrpSpPr>
+      <p:grpSpPr>
+        <a:xfrm>
+          <a:off x="0" y="0"/>
+          <a:ext cx="0" cy="0"/>
+          <a:chOff x="0" y="0"/>
+          <a:chExt cx="0" cy="0"/>
+        </a:xfrm>
+      </p:grpSpPr>
+      <p:sp>
+        <p:nvSpPr>
+          <p:cNvPr id="2" name="标题 1"/>
+          <p:cNvSpPr>
+            <a:spLocks noGrp="1"/>
+          </p:cNvSpPr>
+          <p:nvPr>
+            <p:ph type="title"/>
+          </p:nvPr>
+        </p:nvSpPr>
+        <p:spPr/>
+        <p:txBody>
+          <a:bodyPr/>
+          <a:lstStyle/>
+          <a:p>
+            <a:r>
+              <a:rPr lang="zh-CN" altLang="en-US" dirty="0"/>
+              <a:t>表单</a:t>
+            </a:r>
+            <a:r>
+              <a:rPr lang="zh-CN" altLang="en-US" dirty="0" smtClean="0"/>
+              <a:t>登录</a:t>
+            </a:r>
+            <a:endParaRPr lang="en-US" altLang="zh-CN" dirty="0"/>
+          </a:p>
+        </p:txBody>
+      </p:sp>
+      <p:sp>
+        <p:nvSpPr>
+          <p:cNvPr id="3" name="内容占位符 2"/>
+          <p:cNvSpPr>
+            <a:spLocks noGrp="1"/>
+          </p:cNvSpPr>
+          <p:nvPr>
+            <p:ph idx="1"/>
+          </p:nvPr>
+        </p:nvSpPr>
+        <p:spPr/>
+        <p:txBody>
+          <a:bodyPr/>
+          <a:lstStyle/>
+          <a:p>
+            <a:r>
+              <a:rPr lang="zh-CN" altLang="en-US" dirty="0" smtClean="0"/>
+              <a:t>配置防火墙</a:t>
+            </a:r>
+            <a:endParaRPr lang="en-US" altLang="zh-CN" dirty="0" smtClean="0"/>
+          </a:p>
+          <a:p>
+            <a:r>
+              <a:rPr lang="zh-CN" altLang="en-US" dirty="0" smtClean="0"/>
+              <a:t>配置</a:t>
+            </a:r>
+            <a:r>
+              <a:rPr lang="en-US" altLang="zh-CN" dirty="0" smtClean="0"/>
+              <a:t>login</a:t>
+            </a:r>
+            <a:r>
+              <a:rPr lang="en-US" altLang="zh-CN" dirty="0"/>
+              <a:t>, </a:t>
+            </a:r>
+            <a:r>
+              <a:rPr lang="en-US" altLang="zh-CN" dirty="0" err="1"/>
+              <a:t>login_check</a:t>
+            </a:r>
+            <a:r>
+              <a:rPr lang="zh-CN" altLang="en-US" dirty="0" smtClean="0"/>
+              <a:t>路由</a:t>
+            </a:r>
+            <a:r>
+              <a:rPr lang="en-US" altLang="zh-CN" dirty="0" smtClean="0"/>
+              <a:t> </a:t>
+            </a:r>
+            <a:endParaRPr lang="en-US" altLang="zh-CN" dirty="0" smtClean="0"/>
+          </a:p>
+          <a:p>
+            <a:r>
+              <a:rPr lang="zh-CN" altLang="en-US" dirty="0" smtClean="0"/>
+              <a:t>书写</a:t>
+            </a:r>
+            <a:r>
+              <a:rPr lang="en-US" altLang="zh-CN" dirty="0" smtClean="0"/>
+              <a:t>login</a:t>
+            </a:r>
+            <a:r>
+              <a:rPr lang="zh-CN" altLang="en-US" dirty="0" smtClean="0"/>
+              <a:t>控制器模板</a:t>
+            </a:r>
+            <a:r>
+              <a:rPr lang="en-US" altLang="zh-CN" dirty="0" smtClean="0"/>
+              <a:t> </a:t>
+            </a:r>
+          </a:p>
+          <a:p>
+            <a:r>
+              <a:rPr lang="zh-CN" altLang="en-US" dirty="0" smtClean="0"/>
+              <a:t>注意陷阱问题</a:t>
+            </a:r>
+            <a:endParaRPr lang="en-US" altLang="zh-CN" dirty="0"/>
+          </a:p>
+          <a:p>
+            <a:endParaRPr lang="en-US" altLang="zh-CN" dirty="0"/>
+          </a:p>
+          <a:p>
+            <a:endParaRPr lang="en-US" altLang="zh-CN" dirty="0"/>
+          </a:p>
+        </p:txBody>
+      </p:sp>
+    </p:spTree>
+    <p:extLst>
+      <p:ext uri="{BB962C8B-B14F-4D97-AF65-F5344CB8AC3E}">
+        <p14:creationId xmlns:p14="http://schemas.microsoft.com/office/powerpoint/2010/main" val="3094348295"/>
+      </p:ext>
+    </p:extLst>
+  </p:cSld>
+  <p:clrMapOvr>
+    <a:masterClrMapping/>
+  </p:clrMapOvr>
+  <p:timing>
+    <p:tnLst>
+      <p:par>
+        <p:cTn id="1" dur="indefinite" restart="never" nodeType="tmRoot"/>
+      </p:par>
+    </p:tnLst>
+  </p:timing>
 </p:sld>
 </file>
 
@@ -8500,7 +13830,7 @@
   <a:extraClrSchemeLst/>
   <a:extLst>
     <a:ext uri="{05A4C25C-085E-4340-85A3-A5531E510DB2}">
-      <thm15:themeFamily xmlns="" xmlns:thm15="http://schemas.microsoft.com/office/thememl/2012/main" name="Depth" id="{7BEAFC2A-325C-49C4-AC08-2B765DA903F9}" vid="{1735E755-43E6-43AA-ABA2-C989ECC79AF5}"/>
+      <thm15:themeFamily xmlns:thm15="http://schemas.microsoft.com/office/thememl/2012/main" xmlns="" name="Depth" id="{7BEAFC2A-325C-49C4-AC08-2B765DA903F9}" vid="{1735E755-43E6-43AA-ABA2-C989ECC79AF5}"/>
     </a:ext>
   </a:extLst>
 </a:theme>
